--- a/Notes/Dokumentation zum Vorgehen.pptx
+++ b/Notes/Dokumentation zum Vorgehen.pptx
@@ -6,8 +6,21 @@
   </p:sldMasterIdLst>
   <p:sldIdLst>
     <p:sldId id="260" r:id="rId2"/>
-    <p:sldId id="257" r:id="rId3"/>
-    <p:sldId id="259" r:id="rId4"/>
+    <p:sldId id="267" r:id="rId3"/>
+    <p:sldId id="261" r:id="rId4"/>
+    <p:sldId id="263" r:id="rId5"/>
+    <p:sldId id="264" r:id="rId6"/>
+    <p:sldId id="265" r:id="rId7"/>
+    <p:sldId id="262" r:id="rId8"/>
+    <p:sldId id="266" r:id="rId9"/>
+    <p:sldId id="269" r:id="rId10"/>
+    <p:sldId id="277" r:id="rId11"/>
+    <p:sldId id="276" r:id="rId12"/>
+    <p:sldId id="273" r:id="rId13"/>
+    <p:sldId id="275" r:id="rId14"/>
+    <p:sldId id="272" r:id="rId15"/>
+    <p:sldId id="274" r:id="rId16"/>
+    <p:sldId id="268" r:id="rId17"/>
   </p:sldIdLst>
   <p:sldSz cx="12192000" cy="6858000"/>
   <p:notesSz cx="6858000" cy="9144000"/>
@@ -109,11 +122,40 @@
   <p:extLst>
     <p:ext uri="{521415D9-36F7-43E2-AB2F-B90AF26B5E84}">
       <p14:sectionLst xmlns:p14="http://schemas.microsoft.com/office/powerpoint/2010/main">
-        <p14:section name="Default Section" id="{B86CCB0C-88D0-4910-8314-F224956848A8}">
+        <p14:section name="Vorgehen" id="{B86CCB0C-88D0-4910-8314-F224956848A8}">
           <p14:sldIdLst>
             <p14:sldId id="260"/>
-            <p14:sldId id="257"/>
-            <p14:sldId id="259"/>
+            <p14:sldId id="267"/>
+          </p14:sldIdLst>
+        </p14:section>
+        <p14:section name="F-Maß" id="{4AFB7A65-E692-4E02-8578-57E592C41DC3}">
+          <p14:sldIdLst>
+            <p14:sldId id="261"/>
+            <p14:sldId id="263"/>
+            <p14:sldId id="264"/>
+            <p14:sldId id="265"/>
+            <p14:sldId id="262"/>
+            <p14:sldId id="266"/>
+          </p14:sldIdLst>
+        </p14:section>
+        <p14:section name="Tuning Impact" id="{77B93B8F-05CD-4D9C-83ED-5CAC814D618E}">
+          <p14:sldIdLst>
+            <p14:sldId id="269"/>
+          </p14:sldIdLst>
+        </p14:section>
+        <p14:section name="Best Params" id="{9E855B2D-E6B9-479C-9AC8-6A581640F9A2}">
+          <p14:sldIdLst>
+            <p14:sldId id="277"/>
+          </p14:sldIdLst>
+        </p14:section>
+        <p14:section name="Heatmaps Feature Importances" id="{476E1441-3F48-4479-A820-5075B4E22A2E}">
+          <p14:sldIdLst>
+            <p14:sldId id="276"/>
+            <p14:sldId id="273"/>
+            <p14:sldId id="275"/>
+            <p14:sldId id="272"/>
+            <p14:sldId id="274"/>
+            <p14:sldId id="268"/>
           </p14:sldIdLst>
         </p14:section>
       </p14:sectionLst>
@@ -272,7 +314,7 @@
           <a:p>
             <a:fld id="{DD0C912F-A634-44E5-91FE-FDF8A7B24132}" type="datetimeFigureOut">
               <a:rPr lang="en-US" smtClean="0"/>
-              <a:t>11/26/2019</a:t>
+              <a:t>11/27/2019</a:t>
             </a:fld>
             <a:endParaRPr lang="en-US"/>
           </a:p>
@@ -470,7 +512,7 @@
           <a:p>
             <a:fld id="{DD0C912F-A634-44E5-91FE-FDF8A7B24132}" type="datetimeFigureOut">
               <a:rPr lang="en-US" smtClean="0"/>
-              <a:t>11/26/2019</a:t>
+              <a:t>11/27/2019</a:t>
             </a:fld>
             <a:endParaRPr lang="en-US"/>
           </a:p>
@@ -678,7 +720,7 @@
           <a:p>
             <a:fld id="{DD0C912F-A634-44E5-91FE-FDF8A7B24132}" type="datetimeFigureOut">
               <a:rPr lang="en-US" smtClean="0"/>
-              <a:t>11/26/2019</a:t>
+              <a:t>11/27/2019</a:t>
             </a:fld>
             <a:endParaRPr lang="en-US"/>
           </a:p>
@@ -876,7 +918,7 @@
           <a:p>
             <a:fld id="{DD0C912F-A634-44E5-91FE-FDF8A7B24132}" type="datetimeFigureOut">
               <a:rPr lang="en-US" smtClean="0"/>
-              <a:t>11/26/2019</a:t>
+              <a:t>11/27/2019</a:t>
             </a:fld>
             <a:endParaRPr lang="en-US"/>
           </a:p>
@@ -1151,7 +1193,7 @@
           <a:p>
             <a:fld id="{DD0C912F-A634-44E5-91FE-FDF8A7B24132}" type="datetimeFigureOut">
               <a:rPr lang="en-US" smtClean="0"/>
-              <a:t>11/26/2019</a:t>
+              <a:t>11/27/2019</a:t>
             </a:fld>
             <a:endParaRPr lang="en-US"/>
           </a:p>
@@ -1416,7 +1458,7 @@
           <a:p>
             <a:fld id="{DD0C912F-A634-44E5-91FE-FDF8A7B24132}" type="datetimeFigureOut">
               <a:rPr lang="en-US" smtClean="0"/>
-              <a:t>11/26/2019</a:t>
+              <a:t>11/27/2019</a:t>
             </a:fld>
             <a:endParaRPr lang="en-US"/>
           </a:p>
@@ -1828,7 +1870,7 @@
           <a:p>
             <a:fld id="{DD0C912F-A634-44E5-91FE-FDF8A7B24132}" type="datetimeFigureOut">
               <a:rPr lang="en-US" smtClean="0"/>
-              <a:t>11/26/2019</a:t>
+              <a:t>11/27/2019</a:t>
             </a:fld>
             <a:endParaRPr lang="en-US"/>
           </a:p>
@@ -1969,7 +2011,7 @@
           <a:p>
             <a:fld id="{DD0C912F-A634-44E5-91FE-FDF8A7B24132}" type="datetimeFigureOut">
               <a:rPr lang="en-US" smtClean="0"/>
-              <a:t>11/26/2019</a:t>
+              <a:t>11/27/2019</a:t>
             </a:fld>
             <a:endParaRPr lang="en-US"/>
           </a:p>
@@ -2082,7 +2124,7 @@
           <a:p>
             <a:fld id="{DD0C912F-A634-44E5-91FE-FDF8A7B24132}" type="datetimeFigureOut">
               <a:rPr lang="en-US" smtClean="0"/>
-              <a:t>11/26/2019</a:t>
+              <a:t>11/27/2019</a:t>
             </a:fld>
             <a:endParaRPr lang="en-US"/>
           </a:p>
@@ -2393,7 +2435,7 @@
           <a:p>
             <a:fld id="{DD0C912F-A634-44E5-91FE-FDF8A7B24132}" type="datetimeFigureOut">
               <a:rPr lang="en-US" smtClean="0"/>
-              <a:t>11/26/2019</a:t>
+              <a:t>11/27/2019</a:t>
             </a:fld>
             <a:endParaRPr lang="en-US"/>
           </a:p>
@@ -2681,7 +2723,7 @@
           <a:p>
             <a:fld id="{DD0C912F-A634-44E5-91FE-FDF8A7B24132}" type="datetimeFigureOut">
               <a:rPr lang="en-US" smtClean="0"/>
-              <a:t>11/26/2019</a:t>
+              <a:t>11/27/2019</a:t>
             </a:fld>
             <a:endParaRPr lang="en-US"/>
           </a:p>
@@ -2922,7 +2964,7 @@
           <a:p>
             <a:fld id="{DD0C912F-A634-44E5-91FE-FDF8A7B24132}" type="datetimeFigureOut">
               <a:rPr lang="en-US" smtClean="0"/>
-              <a:t>11/26/2019</a:t>
+              <a:t>11/27/2019</a:t>
             </a:fld>
             <a:endParaRPr lang="en-US"/>
           </a:p>
@@ -3362,7 +3404,7 @@
           <a:p>
             <a:r>
               <a:rPr lang="de-DE" dirty="0"/>
-              <a:t>Vorgehen in Untersuchung</a:t>
+              <a:t>Vorgehen in Untersuchung: Einleitung</a:t>
             </a:r>
             <a:endParaRPr lang="en-US" dirty="0"/>
           </a:p>
@@ -3463,6 +3505,69 @@
               <a:t>pro Datenset übrig (insg. 8.349 Instanzen)</a:t>
             </a:r>
             <a:endParaRPr lang="en-US" sz="2000" dirty="0"/>
+          </a:p>
+        </p:txBody>
+      </p:sp>
+      <p:sp>
+        <p:nvSpPr>
+          <p:cNvPr id="4" name="Rectangle 3">
+            <a:extLst>
+              <a:ext uri="{FF2B5EF4-FFF2-40B4-BE49-F238E27FC236}">
+                <a16:creationId xmlns:a16="http://schemas.microsoft.com/office/drawing/2014/main" id="{D2F58728-02AA-4096-80AE-9D609EB054A3}"/>
+              </a:ext>
+            </a:extLst>
+          </p:cNvPr>
+          <p:cNvSpPr/>
+          <p:nvPr/>
+        </p:nvSpPr>
+        <p:spPr>
+          <a:xfrm>
+            <a:off x="516141" y="6300895"/>
+            <a:ext cx="11159719" cy="390088"/>
+          </a:xfrm>
+          <a:prstGeom prst="rect">
+            <a:avLst/>
+          </a:prstGeom>
+          <a:solidFill>
+            <a:schemeClr val="accent1">
+              <a:lumMod val="50000"/>
+            </a:schemeClr>
+          </a:solidFill>
+        </p:spPr>
+        <p:style>
+          <a:lnRef idx="2">
+            <a:schemeClr val="accent1">
+              <a:shade val="50000"/>
+            </a:schemeClr>
+          </a:lnRef>
+          <a:fillRef idx="1">
+            <a:schemeClr val="accent1"/>
+          </a:fillRef>
+          <a:effectRef idx="0">
+            <a:schemeClr val="accent1"/>
+          </a:effectRef>
+          <a:fontRef idx="minor">
+            <a:schemeClr val="lt1"/>
+          </a:fontRef>
+        </p:style>
+        <p:txBody>
+          <a:bodyPr rtlCol="0" anchor="ctr"/>
+          <a:lstStyle/>
+          <a:p>
+            <a:pPr algn="ctr"/>
+            <a:r>
+              <a:rPr lang="de-DE" sz="1600" dirty="0"/>
+              <a:t>Key </a:t>
+            </a:r>
+            <a:r>
+              <a:rPr lang="de-DE" sz="1600" dirty="0" err="1"/>
+              <a:t>message</a:t>
+            </a:r>
+            <a:r>
+              <a:rPr lang="de-DE" sz="1600" dirty="0"/>
+              <a:t>.</a:t>
+            </a:r>
+            <a:endParaRPr lang="en-US" sz="1600" dirty="0"/>
           </a:p>
         </p:txBody>
       </p:sp>
@@ -3479,7 +3584,175 @@
 </p:sld>
 </file>
 
-<file path=ppt/slides/slide2.xml><?xml version="1.0" encoding="utf-8"?>
+<file path=ppt/slides/slide10.xml><?xml version="1.0" encoding="utf-8"?>
+<p:sld xmlns:a="http://schemas.openxmlformats.org/drawingml/2006/main" xmlns:r="http://schemas.openxmlformats.org/officeDocument/2006/relationships" xmlns:p="http://schemas.openxmlformats.org/presentationml/2006/main">
+  <p:cSld>
+    <p:spTree>
+      <p:nvGrpSpPr>
+        <p:cNvPr id="1" name=""/>
+        <p:cNvGrpSpPr/>
+        <p:nvPr/>
+      </p:nvGrpSpPr>
+      <p:grpSpPr>
+        <a:xfrm>
+          <a:off x="0" y="0"/>
+          <a:ext cx="0" cy="0"/>
+          <a:chOff x="0" y="0"/>
+          <a:chExt cx="0" cy="0"/>
+        </a:xfrm>
+      </p:grpSpPr>
+      <p:sp>
+        <p:nvSpPr>
+          <p:cNvPr id="2" name="Title 1">
+            <a:extLst>
+              <a:ext uri="{FF2B5EF4-FFF2-40B4-BE49-F238E27FC236}">
+                <a16:creationId xmlns:a16="http://schemas.microsoft.com/office/drawing/2014/main" id="{596AE776-D028-463F-ADE3-216DAE4A623C}"/>
+              </a:ext>
+            </a:extLst>
+          </p:cNvPr>
+          <p:cNvSpPr>
+            <a:spLocks noGrp="1"/>
+          </p:cNvSpPr>
+          <p:nvPr>
+            <p:ph type="title"/>
+          </p:nvPr>
+        </p:nvSpPr>
+        <p:spPr/>
+        <p:txBody>
+          <a:bodyPr/>
+          <a:lstStyle/>
+          <a:p>
+            <a:r>
+              <a:rPr lang="de-DE" dirty="0"/>
+              <a:t>Evtl. Histogramm, wie oft welcher Param-Wert? </a:t>
+            </a:r>
+            <a:endParaRPr lang="en-US" dirty="0"/>
+          </a:p>
+        </p:txBody>
+      </p:sp>
+      <p:sp>
+        <p:nvSpPr>
+          <p:cNvPr id="3" name="Content Placeholder 2">
+            <a:extLst>
+              <a:ext uri="{FF2B5EF4-FFF2-40B4-BE49-F238E27FC236}">
+                <a16:creationId xmlns:a16="http://schemas.microsoft.com/office/drawing/2014/main" id="{D32DB8D2-3CAD-4097-91D9-37627443D356}"/>
+              </a:ext>
+            </a:extLst>
+          </p:cNvPr>
+          <p:cNvSpPr>
+            <a:spLocks noGrp="1"/>
+          </p:cNvSpPr>
+          <p:nvPr>
+            <p:ph idx="1"/>
+          </p:nvPr>
+        </p:nvSpPr>
+        <p:spPr/>
+        <p:txBody>
+          <a:bodyPr/>
+          <a:lstStyle/>
+          <a:p>
+            <a:r>
+              <a:rPr lang="de-DE" dirty="0"/>
+              <a:t>TBD</a:t>
+            </a:r>
+            <a:endParaRPr lang="en-US" dirty="0"/>
+          </a:p>
+        </p:txBody>
+      </p:sp>
+    </p:spTree>
+    <p:extLst>
+      <p:ext uri="{BB962C8B-B14F-4D97-AF65-F5344CB8AC3E}">
+        <p14:creationId xmlns:p14="http://schemas.microsoft.com/office/powerpoint/2010/main" val="301356363"/>
+      </p:ext>
+    </p:extLst>
+  </p:cSld>
+  <p:clrMapOvr>
+    <a:masterClrMapping/>
+  </p:clrMapOvr>
+</p:sld>
+</file>
+
+<file path=ppt/slides/slide11.xml><?xml version="1.0" encoding="utf-8"?>
+<p:sld xmlns:a="http://schemas.openxmlformats.org/drawingml/2006/main" xmlns:r="http://schemas.openxmlformats.org/officeDocument/2006/relationships" xmlns:p="http://schemas.openxmlformats.org/presentationml/2006/main">
+  <p:cSld>
+    <p:spTree>
+      <p:nvGrpSpPr>
+        <p:cNvPr id="1" name=""/>
+        <p:cNvGrpSpPr/>
+        <p:nvPr/>
+      </p:nvGrpSpPr>
+      <p:grpSpPr>
+        <a:xfrm>
+          <a:off x="0" y="0"/>
+          <a:ext cx="0" cy="0"/>
+          <a:chOff x="0" y="0"/>
+          <a:chExt cx="0" cy="0"/>
+        </a:xfrm>
+      </p:grpSpPr>
+      <p:sp>
+        <p:nvSpPr>
+          <p:cNvPr id="2" name="TextBox 1">
+            <a:extLst>
+              <a:ext uri="{FF2B5EF4-FFF2-40B4-BE49-F238E27FC236}">
+                <a16:creationId xmlns:a16="http://schemas.microsoft.com/office/drawing/2014/main" id="{A9C7D2C0-5284-4C24-83BB-68F6B465C175}"/>
+              </a:ext>
+            </a:extLst>
+          </p:cNvPr>
+          <p:cNvSpPr txBox="1"/>
+          <p:nvPr/>
+        </p:nvSpPr>
+        <p:spPr>
+          <a:xfrm>
+            <a:off x="1744909" y="1825026"/>
+            <a:ext cx="7902429" cy="646331"/>
+          </a:xfrm>
+          <a:prstGeom prst="rect">
+            <a:avLst/>
+          </a:prstGeom>
+          <a:noFill/>
+        </p:spPr>
+        <p:txBody>
+          <a:bodyPr wrap="square" rtlCol="0">
+            <a:spAutoFit/>
+          </a:bodyPr>
+          <a:lstStyle/>
+          <a:p>
+            <a:r>
+              <a:rPr lang="de-DE" dirty="0"/>
+              <a:t>Quellen für </a:t>
+            </a:r>
+            <a:r>
+              <a:rPr lang="de-DE" dirty="0" err="1"/>
+              <a:t>Heatmaps</a:t>
+            </a:r>
+            <a:r>
+              <a:rPr lang="de-DE" dirty="0"/>
+              <a:t>: </a:t>
+            </a:r>
+            <a:r>
+              <a:rPr lang="en-US" dirty="0">
+                <a:hlinkClick r:id="rId2"/>
+              </a:rPr>
+              <a:t>https://notebooks.azure.com/felix-schuhbauer/projects/bsc-thesis-ml/tree/Plots/Evaluation-Plots?page=51</a:t>
+            </a:r>
+            <a:endParaRPr lang="en-US" dirty="0"/>
+          </a:p>
+        </p:txBody>
+      </p:sp>
+    </p:spTree>
+    <p:extLst>
+      <p:ext uri="{BB962C8B-B14F-4D97-AF65-F5344CB8AC3E}">
+        <p14:creationId xmlns:p14="http://schemas.microsoft.com/office/powerpoint/2010/main" val="1618569965"/>
+      </p:ext>
+    </p:extLst>
+  </p:cSld>
+  <p:clrMapOvr>
+    <a:masterClrMapping/>
+  </p:clrMapOvr>
+</p:sld>
+</file>
+
+<file path=ppt/slides/slide12.xml><?xml version="1.0" encoding="utf-8"?>
 <p:sld xmlns:a="http://schemas.openxmlformats.org/drawingml/2006/main" xmlns:r="http://schemas.openxmlformats.org/officeDocument/2006/relationships" xmlns:p="http://schemas.openxmlformats.org/presentationml/2006/main">
   <p:cSld>
     <p:spTree>
@@ -3498,19 +3771,19 @@
       </p:grpSpPr>
       <p:pic>
         <p:nvPicPr>
-          <p:cNvPr id="5" name="Picture 4" descr="A picture containing screenshot&#10;&#10;Description automatically generated">
-            <a:extLst>
-              <a:ext uri="{FF2B5EF4-FFF2-40B4-BE49-F238E27FC236}">
-                <a16:creationId xmlns:a16="http://schemas.microsoft.com/office/drawing/2014/main" id="{31F9FF40-F3B6-4112-9867-74FDD47D5264}"/>
+          <p:cNvPr id="2050" name="Picture 2">
+            <a:extLst>
+              <a:ext uri="{FF2B5EF4-FFF2-40B4-BE49-F238E27FC236}">
+                <a16:creationId xmlns:a16="http://schemas.microsoft.com/office/drawing/2014/main" id="{8CC8D9FC-4B87-40E1-9C40-2ED3A06DFB86}"/>
               </a:ext>
             </a:extLst>
           </p:cNvPr>
           <p:cNvPicPr>
-            <a:picLocks noChangeAspect="1"/>
+            <a:picLocks noChangeAspect="1" noChangeArrowheads="1"/>
           </p:cNvPicPr>
           <p:nvPr/>
         </p:nvPicPr>
-        <p:blipFill>
+        <p:blipFill rotWithShape="1">
           <a:blip r:embed="rId2">
             <a:extLst>
               <a:ext uri="{28A0092B-C50C-407E-A947-70E740481C1C}">
@@ -3518,18 +3791,27 @@
               </a:ext>
             </a:extLst>
           </a:blip>
-          <a:stretch>
-            <a:fillRect/>
-          </a:stretch>
+          <a:srcRect l="6604" t="8143" r="9080" b="6384"/>
+          <a:stretch/>
         </p:blipFill>
-        <p:spPr>
+        <p:spPr bwMode="auto">
           <a:xfrm>
-            <a:off x="640773" y="311728"/>
-            <a:ext cx="10910455" cy="6234545"/>
+            <a:off x="1929468" y="1132514"/>
+            <a:ext cx="8095376" cy="4689446"/>
           </a:xfrm>
           <a:prstGeom prst="rect">
             <a:avLst/>
           </a:prstGeom>
+          <a:noFill/>
+          <a:extLst>
+            <a:ext uri="{909E8E84-426E-40DD-AFC4-6F175D3DCCD1}">
+              <a14:hiddenFill xmlns:a14="http://schemas.microsoft.com/office/drawing/2010/main">
+                <a:solidFill>
+                  <a:srgbClr val="FFFFFF"/>
+                </a:solidFill>
+              </a14:hiddenFill>
+            </a:ext>
+          </a:extLst>
         </p:spPr>
       </p:pic>
       <p:cxnSp>
@@ -3548,8 +3830,8 @@
         </p:nvCxnSpPr>
         <p:spPr>
           <a:xfrm flipV="1">
-            <a:off x="3271706" y="1312876"/>
-            <a:ext cx="6518246" cy="2990677"/>
+            <a:off x="3556932" y="1510018"/>
+            <a:ext cx="5058562" cy="2852258"/>
           </a:xfrm>
           <a:prstGeom prst="line">
             <a:avLst/>
@@ -3591,9 +3873,9 @@
           <p:nvPr/>
         </p:nvCxnSpPr>
         <p:spPr>
-          <a:xfrm flipV="1">
-            <a:off x="3464653" y="4999839"/>
-            <a:ext cx="6325299" cy="92278"/>
+          <a:xfrm>
+            <a:off x="3674378" y="4832059"/>
+            <a:ext cx="5645791" cy="352337"/>
           </a:xfrm>
           <a:prstGeom prst="line">
             <a:avLst/>
@@ -3636,8 +3918,8 @@
         </p:nvCxnSpPr>
         <p:spPr>
           <a:xfrm>
-            <a:off x="2852257" y="3523376"/>
-            <a:ext cx="6467912" cy="1308683"/>
+            <a:off x="3103927" y="3775046"/>
+            <a:ext cx="5914238" cy="973123"/>
           </a:xfrm>
           <a:prstGeom prst="line">
             <a:avLst/>
@@ -3683,8 +3965,8 @@
         </p:nvCxnSpPr>
         <p:spPr>
           <a:xfrm>
-            <a:off x="2659310" y="5511568"/>
-            <a:ext cx="6568580" cy="0"/>
+            <a:off x="3103927" y="4848837"/>
+            <a:ext cx="5788403" cy="453005"/>
           </a:xfrm>
           <a:prstGeom prst="line">
             <a:avLst/>
@@ -3714,10 +3996,188 @@
           </a:fontRef>
         </p:style>
       </p:cxnSp>
+      <p:sp>
+        <p:nvSpPr>
+          <p:cNvPr id="2" name="Rectangle 1">
+            <a:extLst>
+              <a:ext uri="{FF2B5EF4-FFF2-40B4-BE49-F238E27FC236}">
+                <a16:creationId xmlns:a16="http://schemas.microsoft.com/office/drawing/2014/main" id="{9C9E0155-9156-4459-A621-A152BCF438D4}"/>
+              </a:ext>
+            </a:extLst>
+          </p:cNvPr>
+          <p:cNvSpPr/>
+          <p:nvPr/>
+        </p:nvSpPr>
+        <p:spPr>
+          <a:xfrm>
+            <a:off x="640773" y="6300895"/>
+            <a:ext cx="11159719" cy="390088"/>
+          </a:xfrm>
+          <a:prstGeom prst="rect">
+            <a:avLst/>
+          </a:prstGeom>
+          <a:solidFill>
+            <a:schemeClr val="accent1">
+              <a:lumMod val="50000"/>
+            </a:schemeClr>
+          </a:solidFill>
+        </p:spPr>
+        <p:style>
+          <a:lnRef idx="2">
+            <a:schemeClr val="accent1">
+              <a:shade val="50000"/>
+            </a:schemeClr>
+          </a:lnRef>
+          <a:fillRef idx="1">
+            <a:schemeClr val="accent1"/>
+          </a:fillRef>
+          <a:effectRef idx="0">
+            <a:schemeClr val="accent1"/>
+          </a:effectRef>
+          <a:fontRef idx="minor">
+            <a:schemeClr val="lt1"/>
+          </a:fontRef>
+        </p:style>
+        <p:txBody>
+          <a:bodyPr rtlCol="0" anchor="ctr"/>
+          <a:lstStyle/>
+          <a:p>
+            <a:pPr algn="ctr"/>
+            <a:r>
+              <a:rPr lang="de-DE" sz="1600" dirty="0"/>
+              <a:t>Der DT erkennt langfristige Features als wichtiger als </a:t>
+            </a:r>
+            <a:r>
+              <a:rPr lang="de-DE" sz="1600" dirty="0" err="1"/>
+              <a:t>kurzfristge</a:t>
+            </a:r>
+            <a:r>
+              <a:rPr lang="de-DE" sz="1600" dirty="0"/>
+              <a:t> bei der Vorhersage von langfristigen Horizonten, und vice </a:t>
+            </a:r>
+            <a:r>
+              <a:rPr lang="de-DE" sz="1600" dirty="0" err="1"/>
+              <a:t>versa</a:t>
+            </a:r>
+            <a:r>
+              <a:rPr lang="de-DE" sz="1600" dirty="0"/>
+              <a:t>.</a:t>
+            </a:r>
+            <a:endParaRPr lang="en-US" sz="1600" dirty="0"/>
+          </a:p>
+        </p:txBody>
+      </p:sp>
+      <p:sp>
+        <p:nvSpPr>
+          <p:cNvPr id="10" name="Title 1">
+            <a:extLst>
+              <a:ext uri="{FF2B5EF4-FFF2-40B4-BE49-F238E27FC236}">
+                <a16:creationId xmlns:a16="http://schemas.microsoft.com/office/drawing/2014/main" id="{39B2FDE7-C654-429D-95A8-199FA720E44D}"/>
+              </a:ext>
+            </a:extLst>
+          </p:cNvPr>
+          <p:cNvSpPr txBox="1">
+            <a:spLocks/>
+          </p:cNvSpPr>
+          <p:nvPr/>
+        </p:nvSpPr>
+        <p:spPr>
+          <a:xfrm>
+            <a:off x="838200" y="365126"/>
+            <a:ext cx="10515600" cy="687692"/>
+          </a:xfrm>
+          <a:prstGeom prst="rect">
+            <a:avLst/>
+          </a:prstGeom>
+        </p:spPr>
+        <p:txBody>
+          <a:bodyPr/>
+          <a:lstStyle>
+            <a:lvl1pPr algn="l" defTabSz="914400" rtl="0" eaLnBrk="1" latinLnBrk="0" hangingPunct="1">
+              <a:lnSpc>
+                <a:spcPct val="90000"/>
+              </a:lnSpc>
+              <a:spcBef>
+                <a:spcPct val="0"/>
+              </a:spcBef>
+              <a:buNone/>
+              <a:defRPr sz="4400" kern="1200">
+                <a:solidFill>
+                  <a:schemeClr val="tx1"/>
+                </a:solidFill>
+                <a:latin typeface="+mj-lt"/>
+                <a:ea typeface="+mj-ea"/>
+                <a:cs typeface="+mj-cs"/>
+              </a:defRPr>
+            </a:lvl1pPr>
+          </a:lstStyle>
+          <a:p>
+            <a:r>
+              <a:rPr lang="de-DE" sz="2400" b="1" dirty="0"/>
+              <a:t>Die Trichter sind jetzt noch deutlicher als vor dem </a:t>
+            </a:r>
+            <a:r>
+              <a:rPr lang="de-DE" sz="2400" b="1" dirty="0" err="1"/>
+              <a:t>AdjustedLoading</a:t>
+            </a:r>
+            <a:endParaRPr lang="en-US" sz="2400" b="1" dirty="0"/>
+          </a:p>
+        </p:txBody>
+      </p:sp>
+      <p:sp>
+        <p:nvSpPr>
+          <p:cNvPr id="27" name="Rectangle 26">
+            <a:extLst>
+              <a:ext uri="{FF2B5EF4-FFF2-40B4-BE49-F238E27FC236}">
+                <a16:creationId xmlns:a16="http://schemas.microsoft.com/office/drawing/2014/main" id="{829BC077-626C-4AD8-A755-7757CCDDC2C3}"/>
+              </a:ext>
+            </a:extLst>
+          </p:cNvPr>
+          <p:cNvSpPr/>
+          <p:nvPr/>
+        </p:nvSpPr>
+        <p:spPr>
+          <a:xfrm>
+            <a:off x="-102559" y="2608975"/>
+            <a:ext cx="3562111" cy="1652632"/>
+          </a:xfrm>
+          <a:prstGeom prst="rect">
+            <a:avLst/>
+          </a:prstGeom>
+        </p:spPr>
+        <p:style>
+          <a:lnRef idx="2">
+            <a:schemeClr val="accent1">
+              <a:shade val="50000"/>
+            </a:schemeClr>
+          </a:lnRef>
+          <a:fillRef idx="1">
+            <a:schemeClr val="accent1"/>
+          </a:fillRef>
+          <a:effectRef idx="0">
+            <a:schemeClr val="accent1"/>
+          </a:effectRef>
+          <a:fontRef idx="minor">
+            <a:schemeClr val="lt1"/>
+          </a:fontRef>
+        </p:style>
+        <p:txBody>
+          <a:bodyPr rtlCol="0" anchor="ctr"/>
+          <a:lstStyle/>
+          <a:p>
+            <a:pPr algn="ctr"/>
+            <a:r>
+              <a:rPr lang="de-DE" dirty="0"/>
+              <a:t>TBD: Ausrechnen die Summe der gelben und roten Wolken (10x´0.045 = 45%!)</a:t>
+            </a:r>
+            <a:endParaRPr lang="en-US" dirty="0"/>
+          </a:p>
+        </p:txBody>
+      </p:sp>
     </p:spTree>
     <p:extLst>
       <p:ext uri="{BB962C8B-B14F-4D97-AF65-F5344CB8AC3E}">
-        <p14:creationId xmlns:p14="http://schemas.microsoft.com/office/powerpoint/2010/main" val="2194408423"/>
+        <p14:creationId xmlns:p14="http://schemas.microsoft.com/office/powerpoint/2010/main" val="176766347"/>
       </p:ext>
     </p:extLst>
   </p:cSld>
@@ -3727,7 +4187,7 @@
 </p:sld>
 </file>
 
-<file path=ppt/slides/slide3.xml><?xml version="1.0" encoding="utf-8"?>
+<file path=ppt/slides/slide13.xml><?xml version="1.0" encoding="utf-8"?>
 <p:sld xmlns:a="http://schemas.openxmlformats.org/drawingml/2006/main" xmlns:r="http://schemas.openxmlformats.org/officeDocument/2006/relationships" xmlns:p="http://schemas.openxmlformats.org/presentationml/2006/main">
   <p:cSld>
     <p:spTree>
@@ -3746,19 +4206,19 @@
       </p:grpSpPr>
       <p:pic>
         <p:nvPicPr>
-          <p:cNvPr id="3" name="Picture 2" descr="A picture containing screenshot&#10;&#10;Description automatically generated">
-            <a:extLst>
-              <a:ext uri="{FF2B5EF4-FFF2-40B4-BE49-F238E27FC236}">
-                <a16:creationId xmlns:a16="http://schemas.microsoft.com/office/drawing/2014/main" id="{FA9B5504-BC07-4F26-B5ED-5B2AA252423C}"/>
+          <p:cNvPr id="5122" name="Picture 2">
+            <a:extLst>
+              <a:ext uri="{FF2B5EF4-FFF2-40B4-BE49-F238E27FC236}">
+                <a16:creationId xmlns:a16="http://schemas.microsoft.com/office/drawing/2014/main" id="{B1AAA4A8-CE17-4460-BFE0-CD92F1108CD9}"/>
               </a:ext>
             </a:extLst>
           </p:cNvPr>
           <p:cNvPicPr>
-            <a:picLocks noChangeAspect="1"/>
+            <a:picLocks noChangeAspect="1" noChangeArrowheads="1"/>
           </p:cNvPicPr>
           <p:nvPr/>
         </p:nvPicPr>
-        <p:blipFill>
+        <p:blipFill rotWithShape="1">
           <a:blip r:embed="rId2">
             <a:extLst>
               <a:ext uri="{28A0092B-C50C-407E-A947-70E740481C1C}">
@@ -3766,26 +4226,35 @@
               </a:ext>
             </a:extLst>
           </a:blip>
-          <a:stretch>
-            <a:fillRect/>
-          </a:stretch>
+          <a:srcRect l="7390" t="6690" r="8119" b="5619"/>
+          <a:stretch/>
         </p:blipFill>
-        <p:spPr>
+        <p:spPr bwMode="auto">
           <a:xfrm>
-            <a:off x="640773" y="311728"/>
-            <a:ext cx="10910455" cy="6234545"/>
+            <a:off x="2004969" y="1052818"/>
+            <a:ext cx="8112154" cy="4811087"/>
           </a:xfrm>
           <a:prstGeom prst="rect">
             <a:avLst/>
           </a:prstGeom>
+          <a:noFill/>
+          <a:extLst>
+            <a:ext uri="{909E8E84-426E-40DD-AFC4-6F175D3DCCD1}">
+              <a14:hiddenFill xmlns:a14="http://schemas.microsoft.com/office/drawing/2010/main">
+                <a:solidFill>
+                  <a:srgbClr val="FFFFFF"/>
+                </a:solidFill>
+              </a14:hiddenFill>
+            </a:ext>
+          </a:extLst>
         </p:spPr>
       </p:pic>
       <p:cxnSp>
         <p:nvCxnSpPr>
-          <p:cNvPr id="5" name="Straight Connector 4">
-            <a:extLst>
-              <a:ext uri="{FF2B5EF4-FFF2-40B4-BE49-F238E27FC236}">
-                <a16:creationId xmlns:a16="http://schemas.microsoft.com/office/drawing/2014/main" id="{46C94C9F-8362-43CD-B96D-F79D857BDD9A}"/>
+          <p:cNvPr id="6" name="Straight Connector 5">
+            <a:extLst>
+              <a:ext uri="{FF2B5EF4-FFF2-40B4-BE49-F238E27FC236}">
+                <a16:creationId xmlns:a16="http://schemas.microsoft.com/office/drawing/2014/main" id="{3C43268A-5B63-4D1B-9610-692513EE809B}"/>
               </a:ext>
             </a:extLst>
           </p:cNvPr>
@@ -3796,8 +4265,668 @@
         </p:nvCxnSpPr>
         <p:spPr>
           <a:xfrm flipV="1">
-            <a:off x="3338818" y="2407640"/>
-            <a:ext cx="6476301" cy="2197917"/>
+            <a:off x="3674378" y="1556158"/>
+            <a:ext cx="5645791" cy="2629950"/>
+          </a:xfrm>
+          <a:prstGeom prst="line">
+            <a:avLst/>
+          </a:prstGeom>
+          <a:ln w="38100">
+            <a:solidFill>
+              <a:srgbClr val="FF0000"/>
+            </a:solidFill>
+            <a:prstDash val="sysDot"/>
+          </a:ln>
+        </p:spPr>
+        <p:style>
+          <a:lnRef idx="1">
+            <a:schemeClr val="accent1"/>
+          </a:lnRef>
+          <a:fillRef idx="0">
+            <a:schemeClr val="accent1"/>
+          </a:fillRef>
+          <a:effectRef idx="0">
+            <a:schemeClr val="accent1"/>
+          </a:effectRef>
+          <a:fontRef idx="minor">
+            <a:schemeClr val="tx1"/>
+          </a:fontRef>
+        </p:style>
+      </p:cxnSp>
+      <p:cxnSp>
+        <p:nvCxnSpPr>
+          <p:cNvPr id="7" name="Straight Connector 6">
+            <a:extLst>
+              <a:ext uri="{FF2B5EF4-FFF2-40B4-BE49-F238E27FC236}">
+                <a16:creationId xmlns:a16="http://schemas.microsoft.com/office/drawing/2014/main" id="{C4F9CF2D-07A6-45C5-BFC3-5FB5B72F9C11}"/>
+              </a:ext>
+            </a:extLst>
+          </p:cNvPr>
+          <p:cNvCxnSpPr>
+            <a:cxnSpLocks/>
+          </p:cNvCxnSpPr>
+          <p:nvPr/>
+        </p:nvCxnSpPr>
+        <p:spPr>
+          <a:xfrm>
+            <a:off x="3674378" y="4848837"/>
+            <a:ext cx="5645791" cy="251669"/>
+          </a:xfrm>
+          <a:prstGeom prst="line">
+            <a:avLst/>
+          </a:prstGeom>
+          <a:ln w="38100">
+            <a:solidFill>
+              <a:srgbClr val="FF0000"/>
+            </a:solidFill>
+            <a:prstDash val="sysDot"/>
+          </a:ln>
+        </p:spPr>
+        <p:style>
+          <a:lnRef idx="1">
+            <a:schemeClr val="accent1"/>
+          </a:lnRef>
+          <a:fillRef idx="0">
+            <a:schemeClr val="accent1"/>
+          </a:fillRef>
+          <a:effectRef idx="0">
+            <a:schemeClr val="accent1"/>
+          </a:effectRef>
+          <a:fontRef idx="minor">
+            <a:schemeClr val="tx1"/>
+          </a:fontRef>
+        </p:style>
+      </p:cxnSp>
+      <p:cxnSp>
+        <p:nvCxnSpPr>
+          <p:cNvPr id="8" name="Straight Connector 7">
+            <a:extLst>
+              <a:ext uri="{FF2B5EF4-FFF2-40B4-BE49-F238E27FC236}">
+                <a16:creationId xmlns:a16="http://schemas.microsoft.com/office/drawing/2014/main" id="{DCAB4CE4-3DB0-47B0-90CE-B970FAF1B469}"/>
+              </a:ext>
+            </a:extLst>
+          </p:cNvPr>
+          <p:cNvCxnSpPr>
+            <a:cxnSpLocks/>
+          </p:cNvCxnSpPr>
+          <p:nvPr/>
+        </p:nvCxnSpPr>
+        <p:spPr>
+          <a:xfrm>
+            <a:off x="3171739" y="4186108"/>
+            <a:ext cx="5846426" cy="528505"/>
+          </a:xfrm>
+          <a:prstGeom prst="line">
+            <a:avLst/>
+          </a:prstGeom>
+          <a:ln w="38100">
+            <a:solidFill>
+              <a:schemeClr val="accent4">
+                <a:lumMod val="60000"/>
+                <a:lumOff val="40000"/>
+              </a:schemeClr>
+            </a:solidFill>
+            <a:prstDash val="sysDot"/>
+          </a:ln>
+        </p:spPr>
+        <p:style>
+          <a:lnRef idx="1">
+            <a:schemeClr val="accent1"/>
+          </a:lnRef>
+          <a:fillRef idx="0">
+            <a:schemeClr val="accent1"/>
+          </a:fillRef>
+          <a:effectRef idx="0">
+            <a:schemeClr val="accent1"/>
+          </a:effectRef>
+          <a:fontRef idx="minor">
+            <a:schemeClr val="tx1"/>
+          </a:fontRef>
+        </p:style>
+      </p:cxnSp>
+      <p:cxnSp>
+        <p:nvCxnSpPr>
+          <p:cNvPr id="9" name="Straight Connector 8">
+            <a:extLst>
+              <a:ext uri="{FF2B5EF4-FFF2-40B4-BE49-F238E27FC236}">
+                <a16:creationId xmlns:a16="http://schemas.microsoft.com/office/drawing/2014/main" id="{4B38853A-4808-483A-BEEF-4D7179984FA1}"/>
+              </a:ext>
+            </a:extLst>
+          </p:cNvPr>
+          <p:cNvCxnSpPr>
+            <a:cxnSpLocks/>
+          </p:cNvCxnSpPr>
+          <p:nvPr/>
+        </p:nvCxnSpPr>
+        <p:spPr>
+          <a:xfrm>
+            <a:off x="3095538" y="4966283"/>
+            <a:ext cx="5645791" cy="142612"/>
+          </a:xfrm>
+          <a:prstGeom prst="line">
+            <a:avLst/>
+          </a:prstGeom>
+          <a:ln w="38100">
+            <a:solidFill>
+              <a:schemeClr val="accent4">
+                <a:lumMod val="60000"/>
+                <a:lumOff val="40000"/>
+              </a:schemeClr>
+            </a:solidFill>
+            <a:prstDash val="sysDot"/>
+          </a:ln>
+        </p:spPr>
+        <p:style>
+          <a:lnRef idx="1">
+            <a:schemeClr val="accent1"/>
+          </a:lnRef>
+          <a:fillRef idx="0">
+            <a:schemeClr val="accent1"/>
+          </a:fillRef>
+          <a:effectRef idx="0">
+            <a:schemeClr val="accent1"/>
+          </a:effectRef>
+          <a:fontRef idx="minor">
+            <a:schemeClr val="tx1"/>
+          </a:fontRef>
+        </p:style>
+      </p:cxnSp>
+      <p:sp>
+        <p:nvSpPr>
+          <p:cNvPr id="2" name="Rectangle 1">
+            <a:extLst>
+              <a:ext uri="{FF2B5EF4-FFF2-40B4-BE49-F238E27FC236}">
+                <a16:creationId xmlns:a16="http://schemas.microsoft.com/office/drawing/2014/main" id="{9C9E0155-9156-4459-A621-A152BCF438D4}"/>
+              </a:ext>
+            </a:extLst>
+          </p:cNvPr>
+          <p:cNvSpPr/>
+          <p:nvPr/>
+        </p:nvSpPr>
+        <p:spPr>
+          <a:xfrm>
+            <a:off x="640773" y="6300895"/>
+            <a:ext cx="11159719" cy="390088"/>
+          </a:xfrm>
+          <a:prstGeom prst="rect">
+            <a:avLst/>
+          </a:prstGeom>
+          <a:solidFill>
+            <a:schemeClr val="accent1">
+              <a:lumMod val="50000"/>
+            </a:schemeClr>
+          </a:solidFill>
+        </p:spPr>
+        <p:style>
+          <a:lnRef idx="2">
+            <a:schemeClr val="accent1">
+              <a:shade val="50000"/>
+            </a:schemeClr>
+          </a:lnRef>
+          <a:fillRef idx="1">
+            <a:schemeClr val="accent1"/>
+          </a:fillRef>
+          <a:effectRef idx="0">
+            <a:schemeClr val="accent1"/>
+          </a:effectRef>
+          <a:fontRef idx="minor">
+            <a:schemeClr val="lt1"/>
+          </a:fontRef>
+        </p:style>
+        <p:txBody>
+          <a:bodyPr rtlCol="0" anchor="ctr"/>
+          <a:lstStyle/>
+          <a:p>
+            <a:pPr algn="ctr"/>
+            <a:r>
+              <a:rPr lang="de-DE" sz="1600" dirty="0"/>
+              <a:t>Der DT erkennt langfristige Features als wichtiger als </a:t>
+            </a:r>
+            <a:r>
+              <a:rPr lang="de-DE" sz="1600" dirty="0" err="1"/>
+              <a:t>kurzfristge</a:t>
+            </a:r>
+            <a:r>
+              <a:rPr lang="de-DE" sz="1600" dirty="0"/>
+              <a:t> bei der Vorhersage von langfristigen Horizonten, und vice </a:t>
+            </a:r>
+            <a:r>
+              <a:rPr lang="de-DE" sz="1600" dirty="0" err="1"/>
+              <a:t>versa</a:t>
+            </a:r>
+            <a:r>
+              <a:rPr lang="de-DE" sz="1600" dirty="0"/>
+              <a:t>.</a:t>
+            </a:r>
+            <a:endParaRPr lang="en-US" sz="1600" dirty="0"/>
+          </a:p>
+        </p:txBody>
+      </p:sp>
+      <p:sp>
+        <p:nvSpPr>
+          <p:cNvPr id="10" name="Title 1">
+            <a:extLst>
+              <a:ext uri="{FF2B5EF4-FFF2-40B4-BE49-F238E27FC236}">
+                <a16:creationId xmlns:a16="http://schemas.microsoft.com/office/drawing/2014/main" id="{39B2FDE7-C654-429D-95A8-199FA720E44D}"/>
+              </a:ext>
+            </a:extLst>
+          </p:cNvPr>
+          <p:cNvSpPr txBox="1">
+            <a:spLocks/>
+          </p:cNvSpPr>
+          <p:nvPr/>
+        </p:nvSpPr>
+        <p:spPr>
+          <a:xfrm>
+            <a:off x="838200" y="365126"/>
+            <a:ext cx="10515600" cy="687692"/>
+          </a:xfrm>
+          <a:prstGeom prst="rect">
+            <a:avLst/>
+          </a:prstGeom>
+        </p:spPr>
+        <p:txBody>
+          <a:bodyPr/>
+          <a:lstStyle>
+            <a:lvl1pPr algn="l" defTabSz="914400" rtl="0" eaLnBrk="1" latinLnBrk="0" hangingPunct="1">
+              <a:lnSpc>
+                <a:spcPct val="90000"/>
+              </a:lnSpc>
+              <a:spcBef>
+                <a:spcPct val="0"/>
+              </a:spcBef>
+              <a:buNone/>
+              <a:defRPr sz="4400" kern="1200">
+                <a:solidFill>
+                  <a:schemeClr val="tx1"/>
+                </a:solidFill>
+                <a:latin typeface="+mj-lt"/>
+                <a:ea typeface="+mj-ea"/>
+                <a:cs typeface="+mj-cs"/>
+              </a:defRPr>
+            </a:lvl1pPr>
+          </a:lstStyle>
+          <a:p>
+            <a:r>
+              <a:rPr lang="de-DE" sz="2400" b="1" dirty="0"/>
+              <a:t>Tuning führt bei DT zu Trichtern, </a:t>
+            </a:r>
+            <a:r>
+              <a:rPr lang="de-DE" sz="2400" b="1" dirty="0" err="1"/>
+              <a:t>abre</a:t>
+            </a:r>
+            <a:r>
+              <a:rPr lang="de-DE" sz="2400" b="1" dirty="0"/>
+              <a:t> 10 Tage </a:t>
+            </a:r>
+            <a:r>
+              <a:rPr lang="de-DE" sz="2400" b="1" dirty="0" err="1"/>
+              <a:t>überaschaend</a:t>
+            </a:r>
+            <a:r>
+              <a:rPr lang="de-DE" sz="2400" b="1" dirty="0"/>
+              <a:t> hoch!</a:t>
+            </a:r>
+            <a:endParaRPr lang="en-US" sz="2400" b="1" dirty="0"/>
+          </a:p>
+        </p:txBody>
+      </p:sp>
+      <p:sp>
+        <p:nvSpPr>
+          <p:cNvPr id="27" name="Rectangle 26">
+            <a:extLst>
+              <a:ext uri="{FF2B5EF4-FFF2-40B4-BE49-F238E27FC236}">
+                <a16:creationId xmlns:a16="http://schemas.microsoft.com/office/drawing/2014/main" id="{829BC077-626C-4AD8-A755-7757CCDDC2C3}"/>
+              </a:ext>
+            </a:extLst>
+          </p:cNvPr>
+          <p:cNvSpPr/>
+          <p:nvPr/>
+        </p:nvSpPr>
+        <p:spPr>
+          <a:xfrm>
+            <a:off x="-102558" y="2608975"/>
+            <a:ext cx="2107528" cy="1652632"/>
+          </a:xfrm>
+          <a:prstGeom prst="rect">
+            <a:avLst/>
+          </a:prstGeom>
+        </p:spPr>
+        <p:style>
+          <a:lnRef idx="2">
+            <a:schemeClr val="accent1">
+              <a:shade val="50000"/>
+            </a:schemeClr>
+          </a:lnRef>
+          <a:fillRef idx="1">
+            <a:schemeClr val="accent1"/>
+          </a:fillRef>
+          <a:effectRef idx="0">
+            <a:schemeClr val="accent1"/>
+          </a:effectRef>
+          <a:fontRef idx="minor">
+            <a:schemeClr val="lt1"/>
+          </a:fontRef>
+        </p:style>
+        <p:txBody>
+          <a:bodyPr rtlCol="0" anchor="ctr"/>
+          <a:lstStyle/>
+          <a:p>
+            <a:pPr algn="ctr"/>
+            <a:r>
+              <a:rPr lang="de-DE" dirty="0"/>
+              <a:t>TBD: Ausrechnen die Summe der gelben und roten Wolken (10x´0.045 = 45%!)</a:t>
+            </a:r>
+            <a:endParaRPr lang="en-US" dirty="0"/>
+          </a:p>
+        </p:txBody>
+      </p:sp>
+      <p:sp>
+        <p:nvSpPr>
+          <p:cNvPr id="24" name="TextBox 23">
+            <a:extLst>
+              <a:ext uri="{FF2B5EF4-FFF2-40B4-BE49-F238E27FC236}">
+                <a16:creationId xmlns:a16="http://schemas.microsoft.com/office/drawing/2014/main" id="{891582E5-E46C-407E-AD32-6B9A5BEE8C26}"/>
+              </a:ext>
+            </a:extLst>
+          </p:cNvPr>
+          <p:cNvSpPr txBox="1"/>
+          <p:nvPr/>
+        </p:nvSpPr>
+        <p:spPr>
+          <a:xfrm>
+            <a:off x="5203461" y="1692615"/>
+            <a:ext cx="1429943" cy="307777"/>
+          </a:xfrm>
+          <a:prstGeom prst="rect">
+            <a:avLst/>
+          </a:prstGeom>
+          <a:noFill/>
+          <a:ln>
+            <a:noFill/>
+          </a:ln>
+        </p:spPr>
+        <p:txBody>
+          <a:bodyPr wrap="none" rtlCol="0">
+            <a:spAutoFit/>
+          </a:bodyPr>
+          <a:lstStyle/>
+          <a:p>
+            <a:r>
+              <a:rPr lang="de-DE" sz="1400" dirty="0">
+                <a:solidFill>
+                  <a:schemeClr val="accent6">
+                    <a:lumMod val="75000"/>
+                  </a:schemeClr>
+                </a:solidFill>
+              </a:rPr>
+              <a:t>Feature=ma_10d</a:t>
+            </a:r>
+            <a:endParaRPr lang="en-US" sz="1400" dirty="0">
+              <a:solidFill>
+                <a:schemeClr val="accent6">
+                  <a:lumMod val="75000"/>
+                </a:schemeClr>
+              </a:solidFill>
+            </a:endParaRPr>
+          </a:p>
+        </p:txBody>
+      </p:sp>
+      <p:sp>
+        <p:nvSpPr>
+          <p:cNvPr id="21" name="Freeform: Shape 20">
+            <a:extLst>
+              <a:ext uri="{FF2B5EF4-FFF2-40B4-BE49-F238E27FC236}">
+                <a16:creationId xmlns:a16="http://schemas.microsoft.com/office/drawing/2014/main" id="{13C43407-68E4-4D62-8921-B5CD3A0937CF}"/>
+              </a:ext>
+            </a:extLst>
+          </p:cNvPr>
+          <p:cNvSpPr/>
+          <p:nvPr/>
+        </p:nvSpPr>
+        <p:spPr>
+          <a:xfrm>
+            <a:off x="4194495" y="1753299"/>
+            <a:ext cx="4932727" cy="2063692"/>
+          </a:xfrm>
+          <a:custGeom>
+            <a:avLst/>
+            <a:gdLst>
+              <a:gd name="connsiteX0" fmla="*/ 4932727 w 4932727"/>
+              <a:gd name="connsiteY0" fmla="*/ 478172 h 2063692"/>
+              <a:gd name="connsiteX1" fmla="*/ 3624044 w 4932727"/>
+              <a:gd name="connsiteY1" fmla="*/ 771787 h 2063692"/>
+              <a:gd name="connsiteX2" fmla="*/ 2592199 w 4932727"/>
+              <a:gd name="connsiteY2" fmla="*/ 478172 h 2063692"/>
+              <a:gd name="connsiteX3" fmla="*/ 1535186 w 4932727"/>
+              <a:gd name="connsiteY3" fmla="*/ 1392572 h 2063692"/>
+              <a:gd name="connsiteX4" fmla="*/ 369116 w 4932727"/>
+              <a:gd name="connsiteY4" fmla="*/ 1971413 h 2063692"/>
+              <a:gd name="connsiteX5" fmla="*/ 184558 w 4932727"/>
+              <a:gd name="connsiteY5" fmla="*/ 2063692 h 2063692"/>
+              <a:gd name="connsiteX6" fmla="*/ 0 w 4932727"/>
+              <a:gd name="connsiteY6" fmla="*/ 1728132 h 2063692"/>
+              <a:gd name="connsiteX7" fmla="*/ 1300294 w 4932727"/>
+              <a:gd name="connsiteY7" fmla="*/ 1073791 h 2063692"/>
+              <a:gd name="connsiteX8" fmla="*/ 2575421 w 4932727"/>
+              <a:gd name="connsiteY8" fmla="*/ 8389 h 2063692"/>
+              <a:gd name="connsiteX9" fmla="*/ 3707934 w 4932727"/>
+              <a:gd name="connsiteY9" fmla="*/ 310393 h 2063692"/>
+              <a:gd name="connsiteX10" fmla="*/ 4874004 w 4932727"/>
+              <a:gd name="connsiteY10" fmla="*/ 0 h 2063692"/>
+              <a:gd name="connsiteX11" fmla="*/ 4932727 w 4932727"/>
+              <a:gd name="connsiteY11" fmla="*/ 478172 h 2063692"/>
+            </a:gdLst>
+            <a:ahLst/>
+            <a:cxnLst>
+              <a:cxn ang="0">
+                <a:pos x="connsiteX0" y="connsiteY0"/>
+              </a:cxn>
+              <a:cxn ang="0">
+                <a:pos x="connsiteX1" y="connsiteY1"/>
+              </a:cxn>
+              <a:cxn ang="0">
+                <a:pos x="connsiteX2" y="connsiteY2"/>
+              </a:cxn>
+              <a:cxn ang="0">
+                <a:pos x="connsiteX3" y="connsiteY3"/>
+              </a:cxn>
+              <a:cxn ang="0">
+                <a:pos x="connsiteX4" y="connsiteY4"/>
+              </a:cxn>
+              <a:cxn ang="0">
+                <a:pos x="connsiteX5" y="connsiteY5"/>
+              </a:cxn>
+              <a:cxn ang="0">
+                <a:pos x="connsiteX6" y="connsiteY6"/>
+              </a:cxn>
+              <a:cxn ang="0">
+                <a:pos x="connsiteX7" y="connsiteY7"/>
+              </a:cxn>
+              <a:cxn ang="0">
+                <a:pos x="connsiteX8" y="connsiteY8"/>
+              </a:cxn>
+              <a:cxn ang="0">
+                <a:pos x="connsiteX9" y="connsiteY9"/>
+              </a:cxn>
+              <a:cxn ang="0">
+                <a:pos x="connsiteX10" y="connsiteY10"/>
+              </a:cxn>
+              <a:cxn ang="0">
+                <a:pos x="connsiteX11" y="connsiteY11"/>
+              </a:cxn>
+            </a:cxnLst>
+            <a:rect l="l" t="t" r="r" b="b"/>
+            <a:pathLst>
+              <a:path w="4932727" h="2063692">
+                <a:moveTo>
+                  <a:pt x="4932727" y="478172"/>
+                </a:moveTo>
+                <a:lnTo>
+                  <a:pt x="3624044" y="771787"/>
+                </a:lnTo>
+                <a:lnTo>
+                  <a:pt x="2592199" y="478172"/>
+                </a:lnTo>
+                <a:lnTo>
+                  <a:pt x="1535186" y="1392572"/>
+                </a:lnTo>
+                <a:lnTo>
+                  <a:pt x="369116" y="1971413"/>
+                </a:lnTo>
+                <a:lnTo>
+                  <a:pt x="184558" y="2063692"/>
+                </a:lnTo>
+                <a:lnTo>
+                  <a:pt x="0" y="1728132"/>
+                </a:lnTo>
+                <a:lnTo>
+                  <a:pt x="1300294" y="1073791"/>
+                </a:lnTo>
+                <a:lnTo>
+                  <a:pt x="2575421" y="8389"/>
+                </a:lnTo>
+                <a:lnTo>
+                  <a:pt x="3707934" y="310393"/>
+                </a:lnTo>
+                <a:lnTo>
+                  <a:pt x="4874004" y="0"/>
+                </a:lnTo>
+                <a:lnTo>
+                  <a:pt x="4932727" y="478172"/>
+                </a:lnTo>
+                <a:close/>
+              </a:path>
+            </a:pathLst>
+          </a:custGeom>
+          <a:noFill/>
+          <a:ln>
+            <a:solidFill>
+              <a:schemeClr val="accent6">
+                <a:lumMod val="60000"/>
+                <a:lumOff val="40000"/>
+              </a:schemeClr>
+            </a:solidFill>
+          </a:ln>
+        </p:spPr>
+        <p:style>
+          <a:lnRef idx="2">
+            <a:schemeClr val="accent1">
+              <a:shade val="50000"/>
+            </a:schemeClr>
+          </a:lnRef>
+          <a:fillRef idx="1">
+            <a:schemeClr val="accent1"/>
+          </a:fillRef>
+          <a:effectRef idx="0">
+            <a:schemeClr val="accent1"/>
+          </a:effectRef>
+          <a:fontRef idx="minor">
+            <a:schemeClr val="lt1"/>
+          </a:fontRef>
+        </p:style>
+        <p:txBody>
+          <a:bodyPr rtlCol="0" anchor="ctr"/>
+          <a:lstStyle/>
+          <a:p>
+            <a:pPr algn="ctr"/>
+            <a:endParaRPr lang="en-US"/>
+          </a:p>
+        </p:txBody>
+      </p:sp>
+    </p:spTree>
+    <p:extLst>
+      <p:ext uri="{BB962C8B-B14F-4D97-AF65-F5344CB8AC3E}">
+        <p14:creationId xmlns:p14="http://schemas.microsoft.com/office/powerpoint/2010/main" val="2506922603"/>
+      </p:ext>
+    </p:extLst>
+  </p:cSld>
+  <p:clrMapOvr>
+    <a:masterClrMapping/>
+  </p:clrMapOvr>
+</p:sld>
+</file>
+
+<file path=ppt/slides/slide14.xml><?xml version="1.0" encoding="utf-8"?>
+<p:sld xmlns:a="http://schemas.openxmlformats.org/drawingml/2006/main" xmlns:r="http://schemas.openxmlformats.org/officeDocument/2006/relationships" xmlns:p="http://schemas.openxmlformats.org/presentationml/2006/main">
+  <p:cSld>
+    <p:spTree>
+      <p:nvGrpSpPr>
+        <p:cNvPr id="1" name=""/>
+        <p:cNvGrpSpPr/>
+        <p:nvPr/>
+      </p:nvGrpSpPr>
+      <p:grpSpPr>
+        <a:xfrm>
+          <a:off x="0" y="0"/>
+          <a:ext cx="0" cy="0"/>
+          <a:chOff x="0" y="0"/>
+          <a:chExt cx="0" cy="0"/>
+        </a:xfrm>
+      </p:grpSpPr>
+      <p:pic>
+        <p:nvPicPr>
+          <p:cNvPr id="3074" name="Picture 2">
+            <a:extLst>
+              <a:ext uri="{FF2B5EF4-FFF2-40B4-BE49-F238E27FC236}">
+                <a16:creationId xmlns:a16="http://schemas.microsoft.com/office/drawing/2014/main" id="{1347321C-6CF5-4855-9733-8117DAA2F7AF}"/>
+              </a:ext>
+            </a:extLst>
+          </p:cNvPr>
+          <p:cNvPicPr>
+            <a:picLocks noChangeAspect="1" noChangeArrowheads="1"/>
+          </p:cNvPicPr>
+          <p:nvPr/>
+        </p:nvPicPr>
+        <p:blipFill rotWithShape="1">
+          <a:blip r:embed="rId2">
+            <a:extLst>
+              <a:ext uri="{28A0092B-C50C-407E-A947-70E740481C1C}">
+                <a14:useLocalDpi xmlns:a14="http://schemas.microsoft.com/office/drawing/2010/main" val="0"/>
+              </a:ext>
+            </a:extLst>
+          </a:blip>
+          <a:srcRect l="7478" t="6691" r="9517" b="5925"/>
+          <a:stretch/>
+        </p:blipFill>
+        <p:spPr bwMode="auto">
+          <a:xfrm>
+            <a:off x="2013358" y="1052818"/>
+            <a:ext cx="7969541" cy="4794309"/>
+          </a:xfrm>
+          <a:prstGeom prst="rect">
+            <a:avLst/>
+          </a:prstGeom>
+          <a:noFill/>
+          <a:extLst>
+            <a:ext uri="{909E8E84-426E-40DD-AFC4-6F175D3DCCD1}">
+              <a14:hiddenFill xmlns:a14="http://schemas.microsoft.com/office/drawing/2010/main">
+                <a:solidFill>
+                  <a:srgbClr val="FFFFFF"/>
+                </a:solidFill>
+              </a14:hiddenFill>
+            </a:ext>
+          </a:extLst>
+        </p:spPr>
+      </p:pic>
+      <p:cxnSp>
+        <p:nvCxnSpPr>
+          <p:cNvPr id="5" name="Straight Connector 4">
+            <a:extLst>
+              <a:ext uri="{FF2B5EF4-FFF2-40B4-BE49-F238E27FC236}">
+                <a16:creationId xmlns:a16="http://schemas.microsoft.com/office/drawing/2014/main" id="{46C94C9F-8362-43CD-B96D-F79D857BDD9A}"/>
+              </a:ext>
+            </a:extLst>
+          </p:cNvPr>
+          <p:cNvCxnSpPr>
+            <a:cxnSpLocks/>
+          </p:cNvCxnSpPr>
+          <p:nvPr/>
+        </p:nvCxnSpPr>
+        <p:spPr>
+          <a:xfrm flipV="1">
+            <a:off x="3632433" y="4033770"/>
+            <a:ext cx="5780015" cy="571787"/>
           </a:xfrm>
           <a:prstGeom prst="line">
             <a:avLst/>
@@ -3839,9 +4968,9 @@
           <p:nvPr/>
         </p:nvCxnSpPr>
         <p:spPr>
-          <a:xfrm flipV="1">
-            <a:off x="3565321" y="5092117"/>
-            <a:ext cx="6367244" cy="142613"/>
+          <a:xfrm>
+            <a:off x="3632433" y="4899171"/>
+            <a:ext cx="5704514" cy="117446"/>
           </a:xfrm>
           <a:prstGeom prst="line">
             <a:avLst/>
@@ -3884,8 +5013,8 @@
         </p:nvCxnSpPr>
         <p:spPr>
           <a:xfrm>
-            <a:off x="2902591" y="4033770"/>
-            <a:ext cx="6283354" cy="443186"/>
+            <a:off x="3145872" y="4547550"/>
+            <a:ext cx="5780014" cy="312130"/>
           </a:xfrm>
           <a:prstGeom prst="line">
             <a:avLst/>
@@ -3931,8 +5060,8 @@
         </p:nvCxnSpPr>
         <p:spPr>
           <a:xfrm>
-            <a:off x="2718034" y="5545123"/>
-            <a:ext cx="6535023" cy="0"/>
+            <a:off x="3061982" y="4949505"/>
+            <a:ext cx="5838737" cy="323421"/>
           </a:xfrm>
           <a:prstGeom prst="line">
             <a:avLst/>
@@ -3962,10 +5091,3953 @@
           </a:fontRef>
         </p:style>
       </p:cxnSp>
+      <p:sp>
+        <p:nvSpPr>
+          <p:cNvPr id="2" name="TextBox 1">
+            <a:extLst>
+              <a:ext uri="{FF2B5EF4-FFF2-40B4-BE49-F238E27FC236}">
+                <a16:creationId xmlns:a16="http://schemas.microsoft.com/office/drawing/2014/main" id="{FBC095BD-6CC0-4B1C-8B0A-4999CA100FA2}"/>
+              </a:ext>
+            </a:extLst>
+          </p:cNvPr>
+          <p:cNvSpPr txBox="1"/>
+          <p:nvPr/>
+        </p:nvSpPr>
+        <p:spPr>
+          <a:xfrm>
+            <a:off x="8161991" y="2272478"/>
+            <a:ext cx="1477456" cy="307777"/>
+          </a:xfrm>
+          <a:prstGeom prst="rect">
+            <a:avLst/>
+          </a:prstGeom>
+          <a:noFill/>
+        </p:spPr>
+        <p:txBody>
+          <a:bodyPr wrap="none" rtlCol="0">
+            <a:spAutoFit/>
+          </a:bodyPr>
+          <a:lstStyle/>
+          <a:p>
+            <a:r>
+              <a:rPr lang="de-DE" sz="1400" dirty="0">
+                <a:solidFill>
+                  <a:schemeClr val="bg2">
+                    <a:lumMod val="50000"/>
+                  </a:schemeClr>
+                </a:solidFill>
+              </a:rPr>
+              <a:t>Feature=ohlc_avg</a:t>
+            </a:r>
+            <a:endParaRPr lang="en-US" sz="1400" dirty="0">
+              <a:solidFill>
+                <a:schemeClr val="bg2">
+                  <a:lumMod val="50000"/>
+                </a:schemeClr>
+              </a:solidFill>
+            </a:endParaRPr>
+          </a:p>
+        </p:txBody>
+      </p:sp>
+      <p:sp>
+        <p:nvSpPr>
+          <p:cNvPr id="18" name="Rectangle 17">
+            <a:extLst>
+              <a:ext uri="{FF2B5EF4-FFF2-40B4-BE49-F238E27FC236}">
+                <a16:creationId xmlns:a16="http://schemas.microsoft.com/office/drawing/2014/main" id="{D7E3834B-93D6-4B09-B42F-5CAA77BF62B6}"/>
+              </a:ext>
+            </a:extLst>
+          </p:cNvPr>
+          <p:cNvSpPr/>
+          <p:nvPr/>
+        </p:nvSpPr>
+        <p:spPr>
+          <a:xfrm>
+            <a:off x="640773" y="6300895"/>
+            <a:ext cx="11159719" cy="390088"/>
+          </a:xfrm>
+          <a:prstGeom prst="rect">
+            <a:avLst/>
+          </a:prstGeom>
+          <a:solidFill>
+            <a:schemeClr val="accent1">
+              <a:lumMod val="50000"/>
+            </a:schemeClr>
+          </a:solidFill>
+        </p:spPr>
+        <p:style>
+          <a:lnRef idx="2">
+            <a:schemeClr val="accent1">
+              <a:shade val="50000"/>
+            </a:schemeClr>
+          </a:lnRef>
+          <a:fillRef idx="1">
+            <a:schemeClr val="accent1"/>
+          </a:fillRef>
+          <a:effectRef idx="0">
+            <a:schemeClr val="accent1"/>
+          </a:effectRef>
+          <a:fontRef idx="minor">
+            <a:schemeClr val="lt1"/>
+          </a:fontRef>
+        </p:style>
+        <p:txBody>
+          <a:bodyPr rtlCol="0" anchor="ctr"/>
+          <a:lstStyle/>
+          <a:p>
+            <a:pPr algn="ctr"/>
+            <a:r>
+              <a:rPr lang="de-DE" sz="1600" dirty="0"/>
+              <a:t>Der RF erkennt langfristige Features als wichtiger als </a:t>
+            </a:r>
+            <a:r>
+              <a:rPr lang="de-DE" sz="1600" dirty="0" err="1"/>
+              <a:t>kurzfristge</a:t>
+            </a:r>
+            <a:r>
+              <a:rPr lang="de-DE" sz="1600" dirty="0"/>
+              <a:t> bei der Vorhersage von langfristigen Horizonten, und vice </a:t>
+            </a:r>
+            <a:r>
+              <a:rPr lang="de-DE" sz="1600" dirty="0" err="1"/>
+              <a:t>versa</a:t>
+            </a:r>
+            <a:r>
+              <a:rPr lang="de-DE" sz="1600" dirty="0"/>
+              <a:t>.</a:t>
+            </a:r>
+            <a:endParaRPr lang="en-US" sz="1600" dirty="0"/>
+          </a:p>
+        </p:txBody>
+      </p:sp>
+      <p:sp>
+        <p:nvSpPr>
+          <p:cNvPr id="23" name="Freeform: Shape 22">
+            <a:extLst>
+              <a:ext uri="{FF2B5EF4-FFF2-40B4-BE49-F238E27FC236}">
+                <a16:creationId xmlns:a16="http://schemas.microsoft.com/office/drawing/2014/main" id="{E26A79D3-EF0A-4C92-8057-54A27CAFB283}"/>
+              </a:ext>
+            </a:extLst>
+          </p:cNvPr>
+          <p:cNvSpPr/>
+          <p:nvPr/>
+        </p:nvSpPr>
+        <p:spPr>
+          <a:xfrm>
+            <a:off x="4714613" y="1434517"/>
+            <a:ext cx="4957893" cy="2902591"/>
+          </a:xfrm>
+          <a:custGeom>
+            <a:avLst/>
+            <a:gdLst>
+              <a:gd name="connsiteX0" fmla="*/ 4739780 w 4957893"/>
+              <a:gd name="connsiteY0" fmla="*/ 0 h 2902591"/>
+              <a:gd name="connsiteX1" fmla="*/ 3498209 w 4957893"/>
+              <a:gd name="connsiteY1" fmla="*/ 327171 h 2902591"/>
+              <a:gd name="connsiteX2" fmla="*/ 2399251 w 4957893"/>
+              <a:gd name="connsiteY2" fmla="*/ 1526797 h 2902591"/>
+              <a:gd name="connsiteX3" fmla="*/ 1342238 w 4957893"/>
+              <a:gd name="connsiteY3" fmla="*/ 2223083 h 2902591"/>
+              <a:gd name="connsiteX4" fmla="*/ 0 w 4957893"/>
+              <a:gd name="connsiteY4" fmla="*/ 2600588 h 2902591"/>
+              <a:gd name="connsiteX5" fmla="*/ 100668 w 4957893"/>
+              <a:gd name="connsiteY5" fmla="*/ 2902591 h 2902591"/>
+              <a:gd name="connsiteX6" fmla="*/ 1551963 w 4957893"/>
+              <a:gd name="connsiteY6" fmla="*/ 2583810 h 2902591"/>
+              <a:gd name="connsiteX7" fmla="*/ 2701255 w 4957893"/>
+              <a:gd name="connsiteY7" fmla="*/ 1778466 h 2902591"/>
+              <a:gd name="connsiteX8" fmla="*/ 3808602 w 4957893"/>
+              <a:gd name="connsiteY8" fmla="*/ 612397 h 2902591"/>
+              <a:gd name="connsiteX9" fmla="*/ 4957893 w 4957893"/>
+              <a:gd name="connsiteY9" fmla="*/ 285226 h 2902591"/>
+              <a:gd name="connsiteX10" fmla="*/ 4739780 w 4957893"/>
+              <a:gd name="connsiteY10" fmla="*/ 0 h 2902591"/>
+            </a:gdLst>
+            <a:ahLst/>
+            <a:cxnLst>
+              <a:cxn ang="0">
+                <a:pos x="connsiteX0" y="connsiteY0"/>
+              </a:cxn>
+              <a:cxn ang="0">
+                <a:pos x="connsiteX1" y="connsiteY1"/>
+              </a:cxn>
+              <a:cxn ang="0">
+                <a:pos x="connsiteX2" y="connsiteY2"/>
+              </a:cxn>
+              <a:cxn ang="0">
+                <a:pos x="connsiteX3" y="connsiteY3"/>
+              </a:cxn>
+              <a:cxn ang="0">
+                <a:pos x="connsiteX4" y="connsiteY4"/>
+              </a:cxn>
+              <a:cxn ang="0">
+                <a:pos x="connsiteX5" y="connsiteY5"/>
+              </a:cxn>
+              <a:cxn ang="0">
+                <a:pos x="connsiteX6" y="connsiteY6"/>
+              </a:cxn>
+              <a:cxn ang="0">
+                <a:pos x="connsiteX7" y="connsiteY7"/>
+              </a:cxn>
+              <a:cxn ang="0">
+                <a:pos x="connsiteX8" y="connsiteY8"/>
+              </a:cxn>
+              <a:cxn ang="0">
+                <a:pos x="connsiteX9" y="connsiteY9"/>
+              </a:cxn>
+              <a:cxn ang="0">
+                <a:pos x="connsiteX10" y="connsiteY10"/>
+              </a:cxn>
+            </a:cxnLst>
+            <a:rect l="l" t="t" r="r" b="b"/>
+            <a:pathLst>
+              <a:path w="4957893" h="2902591">
+                <a:moveTo>
+                  <a:pt x="4739780" y="0"/>
+                </a:moveTo>
+                <a:lnTo>
+                  <a:pt x="3498209" y="327171"/>
+                </a:lnTo>
+                <a:lnTo>
+                  <a:pt x="2399251" y="1526797"/>
+                </a:lnTo>
+                <a:lnTo>
+                  <a:pt x="1342238" y="2223083"/>
+                </a:lnTo>
+                <a:lnTo>
+                  <a:pt x="0" y="2600588"/>
+                </a:lnTo>
+                <a:lnTo>
+                  <a:pt x="100668" y="2902591"/>
+                </a:lnTo>
+                <a:lnTo>
+                  <a:pt x="1551963" y="2583810"/>
+                </a:lnTo>
+                <a:lnTo>
+                  <a:pt x="2701255" y="1778466"/>
+                </a:lnTo>
+                <a:lnTo>
+                  <a:pt x="3808602" y="612397"/>
+                </a:lnTo>
+                <a:lnTo>
+                  <a:pt x="4957893" y="285226"/>
+                </a:lnTo>
+                <a:lnTo>
+                  <a:pt x="4739780" y="0"/>
+                </a:lnTo>
+                <a:close/>
+              </a:path>
+            </a:pathLst>
+          </a:custGeom>
+          <a:noFill/>
+          <a:ln>
+            <a:solidFill>
+              <a:schemeClr val="bg1">
+                <a:lumMod val="65000"/>
+              </a:schemeClr>
+            </a:solidFill>
+          </a:ln>
+        </p:spPr>
+        <p:style>
+          <a:lnRef idx="2">
+            <a:schemeClr val="accent1">
+              <a:shade val="50000"/>
+            </a:schemeClr>
+          </a:lnRef>
+          <a:fillRef idx="1">
+            <a:schemeClr val="accent1"/>
+          </a:fillRef>
+          <a:effectRef idx="0">
+            <a:schemeClr val="accent1"/>
+          </a:effectRef>
+          <a:fontRef idx="minor">
+            <a:schemeClr val="lt1"/>
+          </a:fontRef>
+        </p:style>
+        <p:txBody>
+          <a:bodyPr rtlCol="0" anchor="ctr"/>
+          <a:lstStyle/>
+          <a:p>
+            <a:pPr algn="ctr"/>
+            <a:endParaRPr lang="en-US"/>
+          </a:p>
+        </p:txBody>
+      </p:sp>
+      <p:sp>
+        <p:nvSpPr>
+          <p:cNvPr id="25" name="Title 1">
+            <a:extLst>
+              <a:ext uri="{FF2B5EF4-FFF2-40B4-BE49-F238E27FC236}">
+                <a16:creationId xmlns:a16="http://schemas.microsoft.com/office/drawing/2014/main" id="{8AE72CEC-6F25-4E51-8A18-4AFA24EB0035}"/>
+              </a:ext>
+            </a:extLst>
+          </p:cNvPr>
+          <p:cNvSpPr txBox="1">
+            <a:spLocks/>
+          </p:cNvSpPr>
+          <p:nvPr/>
+        </p:nvSpPr>
+        <p:spPr>
+          <a:xfrm>
+            <a:off x="838200" y="365126"/>
+            <a:ext cx="10515600" cy="687692"/>
+          </a:xfrm>
+          <a:prstGeom prst="rect">
+            <a:avLst/>
+          </a:prstGeom>
+        </p:spPr>
+        <p:txBody>
+          <a:bodyPr/>
+          <a:lstStyle>
+            <a:lvl1pPr algn="l" defTabSz="914400" rtl="0" eaLnBrk="1" latinLnBrk="0" hangingPunct="1">
+              <a:lnSpc>
+                <a:spcPct val="90000"/>
+              </a:lnSpc>
+              <a:spcBef>
+                <a:spcPct val="0"/>
+              </a:spcBef>
+              <a:buNone/>
+              <a:defRPr sz="4400" kern="1200">
+                <a:solidFill>
+                  <a:schemeClr val="tx1"/>
+                </a:solidFill>
+                <a:latin typeface="+mj-lt"/>
+                <a:ea typeface="+mj-ea"/>
+                <a:cs typeface="+mj-cs"/>
+              </a:defRPr>
+            </a:lvl1pPr>
+          </a:lstStyle>
+          <a:p>
+            <a:r>
+              <a:rPr lang="de-DE" sz="2400" b="1" dirty="0"/>
+              <a:t>Die </a:t>
+            </a:r>
+            <a:r>
+              <a:rPr lang="de-DE" sz="2400" b="1" dirty="0" err="1"/>
+              <a:t>ohlc-averages</a:t>
+            </a:r>
+            <a:r>
+              <a:rPr lang="de-DE" sz="2400" b="1" dirty="0"/>
+              <a:t> </a:t>
+            </a:r>
+            <a:r>
+              <a:rPr lang="de-DE" sz="2400" b="1" dirty="0" err="1"/>
+              <a:t>sidn</a:t>
+            </a:r>
+            <a:r>
+              <a:rPr lang="de-DE" sz="2400" b="1" dirty="0"/>
+              <a:t> jetzt noch deutlicher als davor</a:t>
+            </a:r>
+            <a:endParaRPr lang="en-US" sz="2400" b="1" dirty="0"/>
+          </a:p>
+        </p:txBody>
+      </p:sp>
+      <p:sp>
+        <p:nvSpPr>
+          <p:cNvPr id="26" name="Rectangle 25">
+            <a:extLst>
+              <a:ext uri="{FF2B5EF4-FFF2-40B4-BE49-F238E27FC236}">
+                <a16:creationId xmlns:a16="http://schemas.microsoft.com/office/drawing/2014/main" id="{4F7E1EA5-F263-41D2-9B5E-7860B4162F18}"/>
+              </a:ext>
+            </a:extLst>
+          </p:cNvPr>
+          <p:cNvSpPr/>
+          <p:nvPr/>
+        </p:nvSpPr>
+        <p:spPr>
+          <a:xfrm>
+            <a:off x="-102559" y="2608975"/>
+            <a:ext cx="3562111" cy="1652632"/>
+          </a:xfrm>
+          <a:prstGeom prst="rect">
+            <a:avLst/>
+          </a:prstGeom>
+        </p:spPr>
+        <p:style>
+          <a:lnRef idx="2">
+            <a:schemeClr val="accent1">
+              <a:shade val="50000"/>
+            </a:schemeClr>
+          </a:lnRef>
+          <a:fillRef idx="1">
+            <a:schemeClr val="accent1"/>
+          </a:fillRef>
+          <a:effectRef idx="0">
+            <a:schemeClr val="accent1"/>
+          </a:effectRef>
+          <a:fontRef idx="minor">
+            <a:schemeClr val="lt1"/>
+          </a:fontRef>
+        </p:style>
+        <p:txBody>
+          <a:bodyPr rtlCol="0" anchor="ctr"/>
+          <a:lstStyle/>
+          <a:p>
+            <a:pPr algn="ctr"/>
+            <a:r>
+              <a:rPr lang="de-DE" dirty="0"/>
+              <a:t>TBD: Ausrechnen die Summe der gelben und roten Wolken (10x´0.045 = 45%!)</a:t>
+            </a:r>
+            <a:endParaRPr lang="en-US" dirty="0"/>
+          </a:p>
+        </p:txBody>
+      </p:sp>
     </p:spTree>
     <p:extLst>
       <p:ext uri="{BB962C8B-B14F-4D97-AF65-F5344CB8AC3E}">
-        <p14:creationId xmlns:p14="http://schemas.microsoft.com/office/powerpoint/2010/main" val="2221888360"/>
+        <p14:creationId xmlns:p14="http://schemas.microsoft.com/office/powerpoint/2010/main" val="554543047"/>
+      </p:ext>
+    </p:extLst>
+  </p:cSld>
+  <p:clrMapOvr>
+    <a:masterClrMapping/>
+  </p:clrMapOvr>
+</p:sld>
+</file>
+
+<file path=ppt/slides/slide15.xml><?xml version="1.0" encoding="utf-8"?>
+<p:sld xmlns:a="http://schemas.openxmlformats.org/drawingml/2006/main" xmlns:r="http://schemas.openxmlformats.org/officeDocument/2006/relationships" xmlns:p="http://schemas.openxmlformats.org/presentationml/2006/main">
+  <p:cSld>
+    <p:spTree>
+      <p:nvGrpSpPr>
+        <p:cNvPr id="1" name=""/>
+        <p:cNvGrpSpPr/>
+        <p:nvPr/>
+      </p:nvGrpSpPr>
+      <p:grpSpPr>
+        <a:xfrm>
+          <a:off x="0" y="0"/>
+          <a:ext cx="0" cy="0"/>
+          <a:chOff x="0" y="0"/>
+          <a:chExt cx="0" cy="0"/>
+        </a:xfrm>
+      </p:grpSpPr>
+      <p:pic>
+        <p:nvPicPr>
+          <p:cNvPr id="4098" name="Picture 2">
+            <a:extLst>
+              <a:ext uri="{FF2B5EF4-FFF2-40B4-BE49-F238E27FC236}">
+                <a16:creationId xmlns:a16="http://schemas.microsoft.com/office/drawing/2014/main" id="{DC31239C-D040-408D-A54B-969E59CEDA63}"/>
+              </a:ext>
+            </a:extLst>
+          </p:cNvPr>
+          <p:cNvPicPr>
+            <a:picLocks noChangeAspect="1" noChangeArrowheads="1"/>
+          </p:cNvPicPr>
+          <p:nvPr/>
+        </p:nvPicPr>
+        <p:blipFill rotWithShape="1">
+          <a:blip r:embed="rId2">
+            <a:extLst>
+              <a:ext uri="{28A0092B-C50C-407E-A947-70E740481C1C}">
+                <a14:useLocalDpi xmlns:a14="http://schemas.microsoft.com/office/drawing/2010/main" val="0"/>
+              </a:ext>
+            </a:extLst>
+          </a:blip>
+          <a:srcRect l="6866" t="6690" r="9517" b="5924"/>
+          <a:stretch/>
+        </p:blipFill>
+        <p:spPr bwMode="auto">
+          <a:xfrm>
+            <a:off x="1954634" y="1052818"/>
+            <a:ext cx="8028265" cy="4794309"/>
+          </a:xfrm>
+          <a:prstGeom prst="rect">
+            <a:avLst/>
+          </a:prstGeom>
+          <a:noFill/>
+          <a:extLst>
+            <a:ext uri="{909E8E84-426E-40DD-AFC4-6F175D3DCCD1}">
+              <a14:hiddenFill xmlns:a14="http://schemas.microsoft.com/office/drawing/2010/main">
+                <a:solidFill>
+                  <a:srgbClr val="FFFFFF"/>
+                </a:solidFill>
+              </a14:hiddenFill>
+            </a:ext>
+          </a:extLst>
+        </p:spPr>
+      </p:pic>
+      <p:cxnSp>
+        <p:nvCxnSpPr>
+          <p:cNvPr id="5" name="Straight Connector 4">
+            <a:extLst>
+              <a:ext uri="{FF2B5EF4-FFF2-40B4-BE49-F238E27FC236}">
+                <a16:creationId xmlns:a16="http://schemas.microsoft.com/office/drawing/2014/main" id="{46C94C9F-8362-43CD-B96D-F79D857BDD9A}"/>
+              </a:ext>
+            </a:extLst>
+          </p:cNvPr>
+          <p:cNvCxnSpPr>
+            <a:cxnSpLocks/>
+          </p:cNvCxnSpPr>
+          <p:nvPr/>
+        </p:nvCxnSpPr>
+        <p:spPr>
+          <a:xfrm flipV="1">
+            <a:off x="3632433" y="4404220"/>
+            <a:ext cx="5788404" cy="285228"/>
+          </a:xfrm>
+          <a:prstGeom prst="line">
+            <a:avLst/>
+          </a:prstGeom>
+          <a:ln w="38100">
+            <a:solidFill>
+              <a:srgbClr val="FF0000"/>
+            </a:solidFill>
+            <a:prstDash val="sysDot"/>
+          </a:ln>
+        </p:spPr>
+        <p:style>
+          <a:lnRef idx="1">
+            <a:schemeClr val="accent1"/>
+          </a:lnRef>
+          <a:fillRef idx="0">
+            <a:schemeClr val="accent1"/>
+          </a:fillRef>
+          <a:effectRef idx="0">
+            <a:schemeClr val="accent1"/>
+          </a:effectRef>
+          <a:fontRef idx="minor">
+            <a:schemeClr val="tx1"/>
+          </a:fontRef>
+        </p:style>
+      </p:cxnSp>
+      <p:cxnSp>
+        <p:nvCxnSpPr>
+          <p:cNvPr id="13" name="Straight Connector 12">
+            <a:extLst>
+              <a:ext uri="{FF2B5EF4-FFF2-40B4-BE49-F238E27FC236}">
+                <a16:creationId xmlns:a16="http://schemas.microsoft.com/office/drawing/2014/main" id="{7F45BF1D-765A-4992-8B44-734939AEAFD9}"/>
+              </a:ext>
+            </a:extLst>
+          </p:cNvPr>
+          <p:cNvCxnSpPr>
+            <a:cxnSpLocks/>
+          </p:cNvCxnSpPr>
+          <p:nvPr/>
+        </p:nvCxnSpPr>
+        <p:spPr>
+          <a:xfrm>
+            <a:off x="3724712" y="5041784"/>
+            <a:ext cx="5629013" cy="0"/>
+          </a:xfrm>
+          <a:prstGeom prst="line">
+            <a:avLst/>
+          </a:prstGeom>
+          <a:ln w="38100">
+            <a:solidFill>
+              <a:srgbClr val="FF0000"/>
+            </a:solidFill>
+            <a:prstDash val="sysDot"/>
+          </a:ln>
+        </p:spPr>
+        <p:style>
+          <a:lnRef idx="1">
+            <a:schemeClr val="accent1"/>
+          </a:lnRef>
+          <a:fillRef idx="0">
+            <a:schemeClr val="accent1"/>
+          </a:fillRef>
+          <a:effectRef idx="0">
+            <a:schemeClr val="accent1"/>
+          </a:effectRef>
+          <a:fontRef idx="minor">
+            <a:schemeClr val="tx1"/>
+          </a:fontRef>
+        </p:style>
+      </p:cxnSp>
+      <p:cxnSp>
+        <p:nvCxnSpPr>
+          <p:cNvPr id="17" name="Straight Connector 16">
+            <a:extLst>
+              <a:ext uri="{FF2B5EF4-FFF2-40B4-BE49-F238E27FC236}">
+                <a16:creationId xmlns:a16="http://schemas.microsoft.com/office/drawing/2014/main" id="{529F8BF9-8268-41BF-AD0B-4A24199E90DD}"/>
+              </a:ext>
+            </a:extLst>
+          </p:cNvPr>
+          <p:cNvCxnSpPr>
+            <a:cxnSpLocks/>
+          </p:cNvCxnSpPr>
+          <p:nvPr/>
+        </p:nvCxnSpPr>
+        <p:spPr>
+          <a:xfrm>
+            <a:off x="3154261" y="4504888"/>
+            <a:ext cx="5746458" cy="335560"/>
+          </a:xfrm>
+          <a:prstGeom prst="line">
+            <a:avLst/>
+          </a:prstGeom>
+          <a:ln w="38100">
+            <a:solidFill>
+              <a:schemeClr val="accent4">
+                <a:lumMod val="60000"/>
+                <a:lumOff val="40000"/>
+              </a:schemeClr>
+            </a:solidFill>
+            <a:prstDash val="sysDot"/>
+          </a:ln>
+        </p:spPr>
+        <p:style>
+          <a:lnRef idx="1">
+            <a:schemeClr val="accent1"/>
+          </a:lnRef>
+          <a:fillRef idx="0">
+            <a:schemeClr val="accent1"/>
+          </a:fillRef>
+          <a:effectRef idx="0">
+            <a:schemeClr val="accent1"/>
+          </a:effectRef>
+          <a:fontRef idx="minor">
+            <a:schemeClr val="tx1"/>
+          </a:fontRef>
+        </p:style>
+      </p:cxnSp>
+      <p:cxnSp>
+        <p:nvCxnSpPr>
+          <p:cNvPr id="20" name="Straight Connector 19">
+            <a:extLst>
+              <a:ext uri="{FF2B5EF4-FFF2-40B4-BE49-F238E27FC236}">
+                <a16:creationId xmlns:a16="http://schemas.microsoft.com/office/drawing/2014/main" id="{9642F39D-97E5-4CB4-B2BB-5EBCE32ADFFF}"/>
+              </a:ext>
+            </a:extLst>
+          </p:cNvPr>
+          <p:cNvCxnSpPr>
+            <a:cxnSpLocks/>
+          </p:cNvCxnSpPr>
+          <p:nvPr/>
+        </p:nvCxnSpPr>
+        <p:spPr>
+          <a:xfrm>
+            <a:off x="3154261" y="5016617"/>
+            <a:ext cx="5746458" cy="285225"/>
+          </a:xfrm>
+          <a:prstGeom prst="line">
+            <a:avLst/>
+          </a:prstGeom>
+          <a:ln w="38100">
+            <a:solidFill>
+              <a:schemeClr val="accent4">
+                <a:lumMod val="60000"/>
+                <a:lumOff val="40000"/>
+              </a:schemeClr>
+            </a:solidFill>
+            <a:prstDash val="sysDot"/>
+          </a:ln>
+        </p:spPr>
+        <p:style>
+          <a:lnRef idx="1">
+            <a:schemeClr val="accent1"/>
+          </a:lnRef>
+          <a:fillRef idx="0">
+            <a:schemeClr val="accent1"/>
+          </a:fillRef>
+          <a:effectRef idx="0">
+            <a:schemeClr val="accent1"/>
+          </a:effectRef>
+          <a:fontRef idx="minor">
+            <a:schemeClr val="tx1"/>
+          </a:fontRef>
+        </p:style>
+      </p:cxnSp>
+      <p:sp>
+        <p:nvSpPr>
+          <p:cNvPr id="2" name="TextBox 1">
+            <a:extLst>
+              <a:ext uri="{FF2B5EF4-FFF2-40B4-BE49-F238E27FC236}">
+                <a16:creationId xmlns:a16="http://schemas.microsoft.com/office/drawing/2014/main" id="{FBC095BD-6CC0-4B1C-8B0A-4999CA100FA2}"/>
+              </a:ext>
+            </a:extLst>
+          </p:cNvPr>
+          <p:cNvSpPr txBox="1"/>
+          <p:nvPr/>
+        </p:nvSpPr>
+        <p:spPr>
+          <a:xfrm>
+            <a:off x="8010493" y="2109968"/>
+            <a:ext cx="1477456" cy="307777"/>
+          </a:xfrm>
+          <a:prstGeom prst="rect">
+            <a:avLst/>
+          </a:prstGeom>
+          <a:noFill/>
+        </p:spPr>
+        <p:txBody>
+          <a:bodyPr wrap="none" rtlCol="0">
+            <a:spAutoFit/>
+          </a:bodyPr>
+          <a:lstStyle/>
+          <a:p>
+            <a:r>
+              <a:rPr lang="de-DE" sz="1400" dirty="0">
+                <a:solidFill>
+                  <a:schemeClr val="bg2">
+                    <a:lumMod val="50000"/>
+                  </a:schemeClr>
+                </a:solidFill>
+              </a:rPr>
+              <a:t>Feature=ohlc_avg</a:t>
+            </a:r>
+            <a:endParaRPr lang="en-US" sz="1400" dirty="0">
+              <a:solidFill>
+                <a:schemeClr val="bg2">
+                  <a:lumMod val="50000"/>
+                </a:schemeClr>
+              </a:solidFill>
+            </a:endParaRPr>
+          </a:p>
+        </p:txBody>
+      </p:sp>
+      <p:sp>
+        <p:nvSpPr>
+          <p:cNvPr id="18" name="Rectangle 17">
+            <a:extLst>
+              <a:ext uri="{FF2B5EF4-FFF2-40B4-BE49-F238E27FC236}">
+                <a16:creationId xmlns:a16="http://schemas.microsoft.com/office/drawing/2014/main" id="{D7E3834B-93D6-4B09-B42F-5CAA77BF62B6}"/>
+              </a:ext>
+            </a:extLst>
+          </p:cNvPr>
+          <p:cNvSpPr/>
+          <p:nvPr/>
+        </p:nvSpPr>
+        <p:spPr>
+          <a:xfrm>
+            <a:off x="640773" y="6300895"/>
+            <a:ext cx="11159719" cy="390088"/>
+          </a:xfrm>
+          <a:prstGeom prst="rect">
+            <a:avLst/>
+          </a:prstGeom>
+          <a:solidFill>
+            <a:schemeClr val="accent1">
+              <a:lumMod val="50000"/>
+            </a:schemeClr>
+          </a:solidFill>
+        </p:spPr>
+        <p:style>
+          <a:lnRef idx="2">
+            <a:schemeClr val="accent1">
+              <a:shade val="50000"/>
+            </a:schemeClr>
+          </a:lnRef>
+          <a:fillRef idx="1">
+            <a:schemeClr val="accent1"/>
+          </a:fillRef>
+          <a:effectRef idx="0">
+            <a:schemeClr val="accent1"/>
+          </a:effectRef>
+          <a:fontRef idx="minor">
+            <a:schemeClr val="lt1"/>
+          </a:fontRef>
+        </p:style>
+        <p:txBody>
+          <a:bodyPr rtlCol="0" anchor="ctr"/>
+          <a:lstStyle/>
+          <a:p>
+            <a:pPr algn="ctr"/>
+            <a:r>
+              <a:rPr lang="de-DE" sz="1600" dirty="0"/>
+              <a:t>TBD</a:t>
+            </a:r>
+            <a:endParaRPr lang="en-US" sz="1600" dirty="0"/>
+          </a:p>
+        </p:txBody>
+      </p:sp>
+      <p:sp>
+        <p:nvSpPr>
+          <p:cNvPr id="25" name="Title 1">
+            <a:extLst>
+              <a:ext uri="{FF2B5EF4-FFF2-40B4-BE49-F238E27FC236}">
+                <a16:creationId xmlns:a16="http://schemas.microsoft.com/office/drawing/2014/main" id="{8AE72CEC-6F25-4E51-8A18-4AFA24EB0035}"/>
+              </a:ext>
+            </a:extLst>
+          </p:cNvPr>
+          <p:cNvSpPr txBox="1">
+            <a:spLocks/>
+          </p:cNvSpPr>
+          <p:nvPr/>
+        </p:nvSpPr>
+        <p:spPr>
+          <a:xfrm>
+            <a:off x="838200" y="365126"/>
+            <a:ext cx="10515600" cy="687692"/>
+          </a:xfrm>
+          <a:prstGeom prst="rect">
+            <a:avLst/>
+          </a:prstGeom>
+        </p:spPr>
+        <p:txBody>
+          <a:bodyPr/>
+          <a:lstStyle>
+            <a:lvl1pPr algn="l" defTabSz="914400" rtl="0" eaLnBrk="1" latinLnBrk="0" hangingPunct="1">
+              <a:lnSpc>
+                <a:spcPct val="90000"/>
+              </a:lnSpc>
+              <a:spcBef>
+                <a:spcPct val="0"/>
+              </a:spcBef>
+              <a:buNone/>
+              <a:defRPr sz="4400" kern="1200">
+                <a:solidFill>
+                  <a:schemeClr val="tx1"/>
+                </a:solidFill>
+                <a:latin typeface="+mj-lt"/>
+                <a:ea typeface="+mj-ea"/>
+                <a:cs typeface="+mj-cs"/>
+              </a:defRPr>
+            </a:lvl1pPr>
+          </a:lstStyle>
+          <a:p>
+            <a:r>
+              <a:rPr lang="de-DE" sz="2400" b="1" dirty="0"/>
+              <a:t>Tuning führt dazu, dass RF noch deutlicher die </a:t>
+            </a:r>
+            <a:r>
+              <a:rPr lang="de-DE" sz="2400" b="1" dirty="0" err="1"/>
+              <a:t>ohlc-avgs</a:t>
+            </a:r>
+            <a:r>
+              <a:rPr lang="de-DE" sz="2400" b="1" dirty="0"/>
+              <a:t> bevorzugt</a:t>
+            </a:r>
+            <a:endParaRPr lang="en-US" sz="2400" b="1" dirty="0"/>
+          </a:p>
+        </p:txBody>
+      </p:sp>
+      <p:sp>
+        <p:nvSpPr>
+          <p:cNvPr id="11" name="Rectangle 10">
+            <a:extLst>
+              <a:ext uri="{FF2B5EF4-FFF2-40B4-BE49-F238E27FC236}">
+                <a16:creationId xmlns:a16="http://schemas.microsoft.com/office/drawing/2014/main" id="{5ABFEAB2-618E-41F7-BBA4-F30757785426}"/>
+              </a:ext>
+            </a:extLst>
+          </p:cNvPr>
+          <p:cNvSpPr/>
+          <p:nvPr/>
+        </p:nvSpPr>
+        <p:spPr>
+          <a:xfrm>
+            <a:off x="9572744" y="43837"/>
+            <a:ext cx="3562111" cy="1652632"/>
+          </a:xfrm>
+          <a:prstGeom prst="rect">
+            <a:avLst/>
+          </a:prstGeom>
+        </p:spPr>
+        <p:style>
+          <a:lnRef idx="2">
+            <a:schemeClr val="accent1">
+              <a:shade val="50000"/>
+            </a:schemeClr>
+          </a:lnRef>
+          <a:fillRef idx="1">
+            <a:schemeClr val="accent1"/>
+          </a:fillRef>
+          <a:effectRef idx="0">
+            <a:schemeClr val="accent1"/>
+          </a:effectRef>
+          <a:fontRef idx="minor">
+            <a:schemeClr val="lt1"/>
+          </a:fontRef>
+        </p:style>
+        <p:txBody>
+          <a:bodyPr rtlCol="0" anchor="ctr"/>
+          <a:lstStyle/>
+          <a:p>
+            <a:pPr algn="ctr"/>
+            <a:r>
+              <a:rPr lang="de-DE" dirty="0"/>
+              <a:t>TBD: Ausrechnen die Summe der gelben und roten Wolken (10x´0.045 = 45%!)</a:t>
+            </a:r>
+            <a:endParaRPr lang="en-US" dirty="0"/>
+          </a:p>
+        </p:txBody>
+      </p:sp>
+      <p:sp>
+        <p:nvSpPr>
+          <p:cNvPr id="16" name="Freeform: Shape 15">
+            <a:extLst>
+              <a:ext uri="{FF2B5EF4-FFF2-40B4-BE49-F238E27FC236}">
+                <a16:creationId xmlns:a16="http://schemas.microsoft.com/office/drawing/2014/main" id="{95A68E4C-DC7C-4BED-8942-CC0D14133437}"/>
+              </a:ext>
+            </a:extLst>
+          </p:cNvPr>
+          <p:cNvSpPr/>
+          <p:nvPr/>
+        </p:nvSpPr>
+        <p:spPr>
+          <a:xfrm>
+            <a:off x="3707934" y="1333850"/>
+            <a:ext cx="6056851" cy="2910979"/>
+          </a:xfrm>
+          <a:custGeom>
+            <a:avLst/>
+            <a:gdLst>
+              <a:gd name="connsiteX0" fmla="*/ 4605556 w 6056851"/>
+              <a:gd name="connsiteY0" fmla="*/ 67111 h 2910979"/>
+              <a:gd name="connsiteX1" fmla="*/ 3439486 w 6056851"/>
+              <a:gd name="connsiteY1" fmla="*/ 914400 h 2910979"/>
+              <a:gd name="connsiteX2" fmla="*/ 2441196 w 6056851"/>
+              <a:gd name="connsiteY2" fmla="*/ 1635853 h 2910979"/>
+              <a:gd name="connsiteX3" fmla="*/ 1275127 w 6056851"/>
+              <a:gd name="connsiteY3" fmla="*/ 1702965 h 2910979"/>
+              <a:gd name="connsiteX4" fmla="*/ 0 w 6056851"/>
+              <a:gd name="connsiteY4" fmla="*/ 2558642 h 2910979"/>
+              <a:gd name="connsiteX5" fmla="*/ 192947 w 6056851"/>
+              <a:gd name="connsiteY5" fmla="*/ 2910979 h 2910979"/>
+              <a:gd name="connsiteX6" fmla="*/ 1468073 w 6056851"/>
+              <a:gd name="connsiteY6" fmla="*/ 2080469 h 2910979"/>
+              <a:gd name="connsiteX7" fmla="*/ 2575420 w 6056851"/>
+              <a:gd name="connsiteY7" fmla="*/ 2021746 h 2910979"/>
+              <a:gd name="connsiteX8" fmla="*/ 4806892 w 6056851"/>
+              <a:gd name="connsiteY8" fmla="*/ 453005 h 2910979"/>
+              <a:gd name="connsiteX9" fmla="*/ 5838738 w 6056851"/>
+              <a:gd name="connsiteY9" fmla="*/ 788565 h 2910979"/>
+              <a:gd name="connsiteX10" fmla="*/ 6056851 w 6056851"/>
+              <a:gd name="connsiteY10" fmla="*/ 436227 h 2910979"/>
+              <a:gd name="connsiteX11" fmla="*/ 4806892 w 6056851"/>
+              <a:gd name="connsiteY11" fmla="*/ 0 h 2910979"/>
+              <a:gd name="connsiteX12" fmla="*/ 4605556 w 6056851"/>
+              <a:gd name="connsiteY12" fmla="*/ 67111 h 2910979"/>
+            </a:gdLst>
+            <a:ahLst/>
+            <a:cxnLst>
+              <a:cxn ang="0">
+                <a:pos x="connsiteX0" y="connsiteY0"/>
+              </a:cxn>
+              <a:cxn ang="0">
+                <a:pos x="connsiteX1" y="connsiteY1"/>
+              </a:cxn>
+              <a:cxn ang="0">
+                <a:pos x="connsiteX2" y="connsiteY2"/>
+              </a:cxn>
+              <a:cxn ang="0">
+                <a:pos x="connsiteX3" y="connsiteY3"/>
+              </a:cxn>
+              <a:cxn ang="0">
+                <a:pos x="connsiteX4" y="connsiteY4"/>
+              </a:cxn>
+              <a:cxn ang="0">
+                <a:pos x="connsiteX5" y="connsiteY5"/>
+              </a:cxn>
+              <a:cxn ang="0">
+                <a:pos x="connsiteX6" y="connsiteY6"/>
+              </a:cxn>
+              <a:cxn ang="0">
+                <a:pos x="connsiteX7" y="connsiteY7"/>
+              </a:cxn>
+              <a:cxn ang="0">
+                <a:pos x="connsiteX8" y="connsiteY8"/>
+              </a:cxn>
+              <a:cxn ang="0">
+                <a:pos x="connsiteX9" y="connsiteY9"/>
+              </a:cxn>
+              <a:cxn ang="0">
+                <a:pos x="connsiteX10" y="connsiteY10"/>
+              </a:cxn>
+              <a:cxn ang="0">
+                <a:pos x="connsiteX11" y="connsiteY11"/>
+              </a:cxn>
+              <a:cxn ang="0">
+                <a:pos x="connsiteX12" y="connsiteY12"/>
+              </a:cxn>
+            </a:cxnLst>
+            <a:rect l="l" t="t" r="r" b="b"/>
+            <a:pathLst>
+              <a:path w="6056851" h="2910979">
+                <a:moveTo>
+                  <a:pt x="4605556" y="67111"/>
+                </a:moveTo>
+                <a:lnTo>
+                  <a:pt x="3439486" y="914400"/>
+                </a:lnTo>
+                <a:lnTo>
+                  <a:pt x="2441196" y="1635853"/>
+                </a:lnTo>
+                <a:lnTo>
+                  <a:pt x="1275127" y="1702965"/>
+                </a:lnTo>
+                <a:lnTo>
+                  <a:pt x="0" y="2558642"/>
+                </a:lnTo>
+                <a:lnTo>
+                  <a:pt x="192947" y="2910979"/>
+                </a:lnTo>
+                <a:lnTo>
+                  <a:pt x="1468073" y="2080469"/>
+                </a:lnTo>
+                <a:lnTo>
+                  <a:pt x="2575420" y="2021746"/>
+                </a:lnTo>
+                <a:lnTo>
+                  <a:pt x="4806892" y="453005"/>
+                </a:lnTo>
+                <a:lnTo>
+                  <a:pt x="5838738" y="788565"/>
+                </a:lnTo>
+                <a:lnTo>
+                  <a:pt x="6056851" y="436227"/>
+                </a:lnTo>
+                <a:lnTo>
+                  <a:pt x="4806892" y="0"/>
+                </a:lnTo>
+                <a:lnTo>
+                  <a:pt x="4605556" y="67111"/>
+                </a:lnTo>
+                <a:close/>
+              </a:path>
+            </a:pathLst>
+          </a:custGeom>
+          <a:noFill/>
+          <a:ln>
+            <a:solidFill>
+              <a:schemeClr val="bg1">
+                <a:lumMod val="65000"/>
+              </a:schemeClr>
+            </a:solidFill>
+          </a:ln>
+        </p:spPr>
+        <p:style>
+          <a:lnRef idx="2">
+            <a:schemeClr val="accent1">
+              <a:shade val="50000"/>
+            </a:schemeClr>
+          </a:lnRef>
+          <a:fillRef idx="1">
+            <a:schemeClr val="accent1"/>
+          </a:fillRef>
+          <a:effectRef idx="0">
+            <a:schemeClr val="accent1"/>
+          </a:effectRef>
+          <a:fontRef idx="minor">
+            <a:schemeClr val="lt1"/>
+          </a:fontRef>
+        </p:style>
+        <p:txBody>
+          <a:bodyPr rtlCol="0" anchor="ctr"/>
+          <a:lstStyle/>
+          <a:p>
+            <a:pPr algn="ctr"/>
+            <a:endParaRPr lang="en-US"/>
+          </a:p>
+        </p:txBody>
+      </p:sp>
+    </p:spTree>
+    <p:extLst>
+      <p:ext uri="{BB962C8B-B14F-4D97-AF65-F5344CB8AC3E}">
+        <p14:creationId xmlns:p14="http://schemas.microsoft.com/office/powerpoint/2010/main" val="2655754228"/>
+      </p:ext>
+    </p:extLst>
+  </p:cSld>
+  <p:clrMapOvr>
+    <a:masterClrMapping/>
+  </p:clrMapOvr>
+</p:sld>
+</file>
+
+<file path=ppt/slides/slide16.xml><?xml version="1.0" encoding="utf-8"?>
+<p:sld xmlns:a="http://schemas.openxmlformats.org/drawingml/2006/main" xmlns:r="http://schemas.openxmlformats.org/officeDocument/2006/relationships" xmlns:p="http://schemas.openxmlformats.org/presentationml/2006/main">
+  <p:cSld>
+    <p:spTree>
+      <p:nvGrpSpPr>
+        <p:cNvPr id="1" name=""/>
+        <p:cNvGrpSpPr/>
+        <p:nvPr/>
+      </p:nvGrpSpPr>
+      <p:grpSpPr>
+        <a:xfrm>
+          <a:off x="0" y="0"/>
+          <a:ext cx="0" cy="0"/>
+          <a:chOff x="0" y="0"/>
+          <a:chExt cx="0" cy="0"/>
+        </a:xfrm>
+      </p:grpSpPr>
+      <p:sp>
+        <p:nvSpPr>
+          <p:cNvPr id="2" name="Title 1">
+            <a:extLst>
+              <a:ext uri="{FF2B5EF4-FFF2-40B4-BE49-F238E27FC236}">
+                <a16:creationId xmlns:a16="http://schemas.microsoft.com/office/drawing/2014/main" id="{D29E61DE-B2D7-4E8E-A006-A5FD7F6A651B}"/>
+              </a:ext>
+            </a:extLst>
+          </p:cNvPr>
+          <p:cNvSpPr>
+            <a:spLocks noGrp="1"/>
+          </p:cNvSpPr>
+          <p:nvPr>
+            <p:ph type="title"/>
+          </p:nvPr>
+        </p:nvSpPr>
+        <p:spPr/>
+        <p:txBody>
+          <a:bodyPr/>
+          <a:lstStyle/>
+          <a:p>
+            <a:r>
+              <a:rPr lang="de-DE" dirty="0"/>
+              <a:t>Ergebnisse: </a:t>
+            </a:r>
+            <a:r>
+              <a:rPr lang="de-DE" dirty="0" err="1"/>
+              <a:t>Heatmap</a:t>
+            </a:r>
+            <a:r>
+              <a:rPr lang="de-DE" dirty="0"/>
+              <a:t> pro Gruppe: &lt;Aussage&gt;</a:t>
+            </a:r>
+            <a:endParaRPr lang="en-US" dirty="0"/>
+          </a:p>
+        </p:txBody>
+      </p:sp>
+      <p:sp>
+        <p:nvSpPr>
+          <p:cNvPr id="3" name="Content Placeholder 2">
+            <a:extLst>
+              <a:ext uri="{FF2B5EF4-FFF2-40B4-BE49-F238E27FC236}">
+                <a16:creationId xmlns:a16="http://schemas.microsoft.com/office/drawing/2014/main" id="{02854FD7-D6FD-4EFE-A000-65E8376AA093}"/>
+              </a:ext>
+            </a:extLst>
+          </p:cNvPr>
+          <p:cNvSpPr>
+            <a:spLocks noGrp="1"/>
+          </p:cNvSpPr>
+          <p:nvPr>
+            <p:ph idx="1"/>
+          </p:nvPr>
+        </p:nvSpPr>
+        <p:spPr/>
+        <p:txBody>
+          <a:bodyPr>
+            <a:normAutofit/>
+          </a:bodyPr>
+          <a:lstStyle/>
+          <a:p>
+            <a:r>
+              <a:rPr lang="en-US" sz="1800" dirty="0"/>
+              <a:t>TBD</a:t>
+            </a:r>
+            <a:endParaRPr lang="de-DE" sz="1800" dirty="0"/>
+          </a:p>
+        </p:txBody>
+      </p:sp>
+      <p:sp>
+        <p:nvSpPr>
+          <p:cNvPr id="4" name="Rectangle 3">
+            <a:extLst>
+              <a:ext uri="{FF2B5EF4-FFF2-40B4-BE49-F238E27FC236}">
+                <a16:creationId xmlns:a16="http://schemas.microsoft.com/office/drawing/2014/main" id="{C3359657-376E-4BEF-8C4E-2BB0683C93B7}"/>
+              </a:ext>
+            </a:extLst>
+          </p:cNvPr>
+          <p:cNvSpPr/>
+          <p:nvPr/>
+        </p:nvSpPr>
+        <p:spPr>
+          <a:xfrm>
+            <a:off x="516141" y="6300895"/>
+            <a:ext cx="11159719" cy="390088"/>
+          </a:xfrm>
+          <a:prstGeom prst="rect">
+            <a:avLst/>
+          </a:prstGeom>
+          <a:solidFill>
+            <a:schemeClr val="accent1">
+              <a:lumMod val="50000"/>
+            </a:schemeClr>
+          </a:solidFill>
+        </p:spPr>
+        <p:style>
+          <a:lnRef idx="2">
+            <a:schemeClr val="accent1">
+              <a:shade val="50000"/>
+            </a:schemeClr>
+          </a:lnRef>
+          <a:fillRef idx="1">
+            <a:schemeClr val="accent1"/>
+          </a:fillRef>
+          <a:effectRef idx="0">
+            <a:schemeClr val="accent1"/>
+          </a:effectRef>
+          <a:fontRef idx="minor">
+            <a:schemeClr val="lt1"/>
+          </a:fontRef>
+        </p:style>
+        <p:txBody>
+          <a:bodyPr rtlCol="0" anchor="ctr"/>
+          <a:lstStyle/>
+          <a:p>
+            <a:pPr algn="ctr"/>
+            <a:r>
+              <a:rPr lang="de-DE" sz="1600" dirty="0"/>
+              <a:t>Key </a:t>
+            </a:r>
+            <a:r>
+              <a:rPr lang="de-DE" sz="1600" dirty="0" err="1"/>
+              <a:t>message</a:t>
+            </a:r>
+            <a:r>
+              <a:rPr lang="de-DE" sz="1600" dirty="0"/>
+              <a:t>.</a:t>
+            </a:r>
+            <a:endParaRPr lang="en-US" sz="1600" dirty="0"/>
+          </a:p>
+        </p:txBody>
+      </p:sp>
+    </p:spTree>
+    <p:extLst>
+      <p:ext uri="{BB962C8B-B14F-4D97-AF65-F5344CB8AC3E}">
+        <p14:creationId xmlns:p14="http://schemas.microsoft.com/office/powerpoint/2010/main" val="383361445"/>
+      </p:ext>
+    </p:extLst>
+  </p:cSld>
+  <p:clrMapOvr>
+    <a:masterClrMapping/>
+  </p:clrMapOvr>
+</p:sld>
+</file>
+
+<file path=ppt/slides/slide2.xml><?xml version="1.0" encoding="utf-8"?>
+<p:sld xmlns:a="http://schemas.openxmlformats.org/drawingml/2006/main" xmlns:r="http://schemas.openxmlformats.org/officeDocument/2006/relationships" xmlns:p="http://schemas.openxmlformats.org/presentationml/2006/main">
+  <p:cSld>
+    <p:spTree>
+      <p:nvGrpSpPr>
+        <p:cNvPr id="1" name=""/>
+        <p:cNvGrpSpPr/>
+        <p:nvPr/>
+      </p:nvGrpSpPr>
+      <p:grpSpPr>
+        <a:xfrm>
+          <a:off x="0" y="0"/>
+          <a:ext cx="0" cy="0"/>
+          <a:chOff x="0" y="0"/>
+          <a:chExt cx="0" cy="0"/>
+        </a:xfrm>
+      </p:grpSpPr>
+      <p:sp>
+        <p:nvSpPr>
+          <p:cNvPr id="2" name="Title 1">
+            <a:extLst>
+              <a:ext uri="{FF2B5EF4-FFF2-40B4-BE49-F238E27FC236}">
+                <a16:creationId xmlns:a16="http://schemas.microsoft.com/office/drawing/2014/main" id="{A4FE5FDF-37E4-45E2-B33A-310AC10C4D00}"/>
+              </a:ext>
+            </a:extLst>
+          </p:cNvPr>
+          <p:cNvSpPr>
+            <a:spLocks noGrp="1"/>
+          </p:cNvSpPr>
+          <p:nvPr>
+            <p:ph type="title"/>
+          </p:nvPr>
+        </p:nvSpPr>
+        <p:spPr/>
+        <p:txBody>
+          <a:bodyPr/>
+          <a:lstStyle/>
+          <a:p>
+            <a:r>
+              <a:rPr lang="de-DE" dirty="0"/>
+              <a:t>Vorgehen in Untersuchung: Datensets</a:t>
+            </a:r>
+            <a:endParaRPr lang="en-US" dirty="0"/>
+          </a:p>
+        </p:txBody>
+      </p:sp>
+      <p:sp>
+        <p:nvSpPr>
+          <p:cNvPr id="3" name="Content Placeholder 2">
+            <a:extLst>
+              <a:ext uri="{FF2B5EF4-FFF2-40B4-BE49-F238E27FC236}">
+                <a16:creationId xmlns:a16="http://schemas.microsoft.com/office/drawing/2014/main" id="{95502E93-777B-4FE8-B92D-B401942EC14E}"/>
+              </a:ext>
+            </a:extLst>
+          </p:cNvPr>
+          <p:cNvSpPr>
+            <a:spLocks noGrp="1"/>
+          </p:cNvSpPr>
+          <p:nvPr>
+            <p:ph idx="1"/>
+          </p:nvPr>
+        </p:nvSpPr>
+        <p:spPr/>
+        <p:txBody>
+          <a:bodyPr>
+            <a:normAutofit/>
+          </a:bodyPr>
+          <a:lstStyle/>
+          <a:p>
+            <a:r>
+              <a:rPr lang="de-DE" sz="1800" dirty="0"/>
+              <a:t>Folgende Datensets wurden in 3 Gruppen eingeteilt (</a:t>
+            </a:r>
+            <a:r>
+              <a:rPr lang="en-US" sz="1800" dirty="0">
+                <a:hlinkClick r:id="rId2"/>
+              </a:rPr>
+              <a:t>https://notebooks.azure.com/felix-schuhbauer/projects/bsc-thesis-ml/tree/Plots/Stock-Price-Plots?page=2</a:t>
+            </a:r>
+            <a:r>
+              <a:rPr lang="en-US" sz="1800" dirty="0"/>
+              <a:t>)</a:t>
+            </a:r>
+            <a:r>
+              <a:rPr lang="de-DE" sz="1800" dirty="0"/>
+              <a:t>:</a:t>
+            </a:r>
+          </a:p>
+        </p:txBody>
+      </p:sp>
+      <p:sp>
+        <p:nvSpPr>
+          <p:cNvPr id="4" name="Rectangle 3">
+            <a:extLst>
+              <a:ext uri="{FF2B5EF4-FFF2-40B4-BE49-F238E27FC236}">
+                <a16:creationId xmlns:a16="http://schemas.microsoft.com/office/drawing/2014/main" id="{D2F58728-02AA-4096-80AE-9D609EB054A3}"/>
+              </a:ext>
+            </a:extLst>
+          </p:cNvPr>
+          <p:cNvSpPr/>
+          <p:nvPr/>
+        </p:nvSpPr>
+        <p:spPr>
+          <a:xfrm>
+            <a:off x="516141" y="6300895"/>
+            <a:ext cx="11159719" cy="390088"/>
+          </a:xfrm>
+          <a:prstGeom prst="rect">
+            <a:avLst/>
+          </a:prstGeom>
+          <a:solidFill>
+            <a:schemeClr val="accent1">
+              <a:lumMod val="50000"/>
+            </a:schemeClr>
+          </a:solidFill>
+        </p:spPr>
+        <p:style>
+          <a:lnRef idx="2">
+            <a:schemeClr val="accent1">
+              <a:shade val="50000"/>
+            </a:schemeClr>
+          </a:lnRef>
+          <a:fillRef idx="1">
+            <a:schemeClr val="accent1"/>
+          </a:fillRef>
+          <a:effectRef idx="0">
+            <a:schemeClr val="accent1"/>
+          </a:effectRef>
+          <a:fontRef idx="minor">
+            <a:schemeClr val="lt1"/>
+          </a:fontRef>
+        </p:style>
+        <p:txBody>
+          <a:bodyPr rtlCol="0" anchor="ctr"/>
+          <a:lstStyle/>
+          <a:p>
+            <a:pPr algn="ctr"/>
+            <a:r>
+              <a:rPr lang="de-DE" sz="1600" dirty="0"/>
+              <a:t>Key </a:t>
+            </a:r>
+            <a:r>
+              <a:rPr lang="de-DE" sz="1600" dirty="0" err="1"/>
+              <a:t>message</a:t>
+            </a:r>
+            <a:r>
+              <a:rPr lang="de-DE" sz="1600" dirty="0"/>
+              <a:t>.</a:t>
+            </a:r>
+            <a:endParaRPr lang="en-US" sz="1600" dirty="0"/>
+          </a:p>
+        </p:txBody>
+      </p:sp>
+      <p:pic>
+        <p:nvPicPr>
+          <p:cNvPr id="1030" name="Picture 6">
+            <a:extLst>
+              <a:ext uri="{FF2B5EF4-FFF2-40B4-BE49-F238E27FC236}">
+                <a16:creationId xmlns:a16="http://schemas.microsoft.com/office/drawing/2014/main" id="{B261E039-D302-46D0-92D8-C07B2682F1B8}"/>
+              </a:ext>
+            </a:extLst>
+          </p:cNvPr>
+          <p:cNvPicPr>
+            <a:picLocks noChangeAspect="1" noChangeArrowheads="1"/>
+          </p:cNvPicPr>
+          <p:nvPr/>
+        </p:nvPicPr>
+        <p:blipFill rotWithShape="1">
+          <a:blip r:embed="rId3">
+            <a:extLst>
+              <a:ext uri="{28A0092B-C50C-407E-A947-70E740481C1C}">
+                <a14:useLocalDpi xmlns:a14="http://schemas.microsoft.com/office/drawing/2010/main" val="0"/>
+              </a:ext>
+            </a:extLst>
+          </a:blip>
+          <a:srcRect l="5446" t="5455" r="8893" b="11048"/>
+          <a:stretch/>
+        </p:blipFill>
+        <p:spPr bwMode="auto">
+          <a:xfrm>
+            <a:off x="4283978" y="2129369"/>
+            <a:ext cx="3624044" cy="2018554"/>
+          </a:xfrm>
+          <a:prstGeom prst="rect">
+            <a:avLst/>
+          </a:prstGeom>
+          <a:noFill/>
+          <a:extLst>
+            <a:ext uri="{909E8E84-426E-40DD-AFC4-6F175D3DCCD1}">
+              <a14:hiddenFill xmlns:a14="http://schemas.microsoft.com/office/drawing/2010/main">
+                <a:solidFill>
+                  <a:srgbClr val="FFFFFF"/>
+                </a:solidFill>
+              </a14:hiddenFill>
+            </a:ext>
+          </a:extLst>
+        </p:spPr>
+      </p:pic>
+      <p:pic>
+        <p:nvPicPr>
+          <p:cNvPr id="1032" name="Picture 8">
+            <a:extLst>
+              <a:ext uri="{FF2B5EF4-FFF2-40B4-BE49-F238E27FC236}">
+                <a16:creationId xmlns:a16="http://schemas.microsoft.com/office/drawing/2014/main" id="{FD010BC9-164B-4E8A-8F57-8B99AEF8368A}"/>
+              </a:ext>
+            </a:extLst>
+          </p:cNvPr>
+          <p:cNvPicPr>
+            <a:picLocks noChangeAspect="1" noChangeArrowheads="1"/>
+          </p:cNvPicPr>
+          <p:nvPr/>
+        </p:nvPicPr>
+        <p:blipFill rotWithShape="1">
+          <a:blip r:embed="rId4">
+            <a:extLst>
+              <a:ext uri="{28A0092B-C50C-407E-A947-70E740481C1C}">
+                <a14:useLocalDpi xmlns:a14="http://schemas.microsoft.com/office/drawing/2010/main" val="0"/>
+              </a:ext>
+            </a:extLst>
+          </a:blip>
+          <a:srcRect l="5670" t="7628" r="8668" b="8874"/>
+          <a:stretch/>
+        </p:blipFill>
+        <p:spPr bwMode="auto">
+          <a:xfrm>
+            <a:off x="717259" y="4293347"/>
+            <a:ext cx="3624044" cy="2018553"/>
+          </a:xfrm>
+          <a:prstGeom prst="rect">
+            <a:avLst/>
+          </a:prstGeom>
+          <a:noFill/>
+          <a:extLst>
+            <a:ext uri="{909E8E84-426E-40DD-AFC4-6F175D3DCCD1}">
+              <a14:hiddenFill xmlns:a14="http://schemas.microsoft.com/office/drawing/2010/main">
+                <a:solidFill>
+                  <a:srgbClr val="FFFFFF"/>
+                </a:solidFill>
+              </a14:hiddenFill>
+            </a:ext>
+          </a:extLst>
+        </p:spPr>
+      </p:pic>
+      <p:pic>
+        <p:nvPicPr>
+          <p:cNvPr id="1034" name="Picture 10">
+            <a:extLst>
+              <a:ext uri="{FF2B5EF4-FFF2-40B4-BE49-F238E27FC236}">
+                <a16:creationId xmlns:a16="http://schemas.microsoft.com/office/drawing/2014/main" id="{FFCE8764-8012-4A82-A79F-D27AC5926BC7}"/>
+              </a:ext>
+            </a:extLst>
+          </p:cNvPr>
+          <p:cNvPicPr>
+            <a:picLocks noChangeAspect="1" noChangeArrowheads="1"/>
+          </p:cNvPicPr>
+          <p:nvPr/>
+        </p:nvPicPr>
+        <p:blipFill rotWithShape="1">
+          <a:blip r:embed="rId5">
+            <a:extLst>
+              <a:ext uri="{28A0092B-C50C-407E-A947-70E740481C1C}">
+                <a14:useLocalDpi xmlns:a14="http://schemas.microsoft.com/office/drawing/2010/main" val="0"/>
+              </a:ext>
+            </a:extLst>
+          </a:blip>
+          <a:srcRect l="6825" t="7104" r="7513" b="9398"/>
+          <a:stretch/>
+        </p:blipFill>
+        <p:spPr bwMode="auto">
+          <a:xfrm>
+            <a:off x="4341303" y="4257174"/>
+            <a:ext cx="3624044" cy="2018554"/>
+          </a:xfrm>
+          <a:prstGeom prst="rect">
+            <a:avLst/>
+          </a:prstGeom>
+          <a:noFill/>
+          <a:extLst>
+            <a:ext uri="{909E8E84-426E-40DD-AFC4-6F175D3DCCD1}">
+              <a14:hiddenFill xmlns:a14="http://schemas.microsoft.com/office/drawing/2010/main">
+                <a:solidFill>
+                  <a:srgbClr val="FFFFFF"/>
+                </a:solidFill>
+              </a14:hiddenFill>
+            </a:ext>
+          </a:extLst>
+        </p:spPr>
+      </p:pic>
+      <p:pic>
+        <p:nvPicPr>
+          <p:cNvPr id="1036" name="Picture 12">
+            <a:extLst>
+              <a:ext uri="{FF2B5EF4-FFF2-40B4-BE49-F238E27FC236}">
+                <a16:creationId xmlns:a16="http://schemas.microsoft.com/office/drawing/2014/main" id="{3CACCF4B-4A87-44AB-9395-D94EB2ABB161}"/>
+              </a:ext>
+            </a:extLst>
+          </p:cNvPr>
+          <p:cNvPicPr>
+            <a:picLocks noChangeAspect="1" noChangeArrowheads="1"/>
+          </p:cNvPicPr>
+          <p:nvPr/>
+        </p:nvPicPr>
+        <p:blipFill rotWithShape="1">
+          <a:blip r:embed="rId6">
+            <a:extLst>
+              <a:ext uri="{28A0092B-C50C-407E-A947-70E740481C1C}">
+                <a14:useLocalDpi xmlns:a14="http://schemas.microsoft.com/office/drawing/2010/main" val="0"/>
+              </a:ext>
+            </a:extLst>
+          </a:blip>
+          <a:srcRect l="4957" t="6786" r="9381" b="9717"/>
+          <a:stretch/>
+        </p:blipFill>
+        <p:spPr bwMode="auto">
+          <a:xfrm>
+            <a:off x="8271545" y="4257174"/>
+            <a:ext cx="3624044" cy="2018554"/>
+          </a:xfrm>
+          <a:prstGeom prst="rect">
+            <a:avLst/>
+          </a:prstGeom>
+          <a:noFill/>
+          <a:extLst>
+            <a:ext uri="{909E8E84-426E-40DD-AFC4-6F175D3DCCD1}">
+              <a14:hiddenFill xmlns:a14="http://schemas.microsoft.com/office/drawing/2010/main">
+                <a:solidFill>
+                  <a:srgbClr val="FFFFFF"/>
+                </a:solidFill>
+              </a14:hiddenFill>
+            </a:ext>
+          </a:extLst>
+        </p:spPr>
+      </p:pic>
+    </p:spTree>
+    <p:extLst>
+      <p:ext uri="{BB962C8B-B14F-4D97-AF65-F5344CB8AC3E}">
+        <p14:creationId xmlns:p14="http://schemas.microsoft.com/office/powerpoint/2010/main" val="3553813882"/>
+      </p:ext>
+    </p:extLst>
+  </p:cSld>
+  <p:clrMapOvr>
+    <a:masterClrMapping/>
+  </p:clrMapOvr>
+</p:sld>
+</file>
+
+<file path=ppt/slides/slide3.xml><?xml version="1.0" encoding="utf-8"?>
+<p:sld xmlns:a="http://schemas.openxmlformats.org/drawingml/2006/main" xmlns:r="http://schemas.openxmlformats.org/officeDocument/2006/relationships" xmlns:p="http://schemas.openxmlformats.org/presentationml/2006/main">
+  <p:cSld>
+    <p:spTree>
+      <p:nvGrpSpPr>
+        <p:cNvPr id="1" name=""/>
+        <p:cNvGrpSpPr/>
+        <p:nvPr/>
+      </p:nvGrpSpPr>
+      <p:grpSpPr>
+        <a:xfrm>
+          <a:off x="0" y="0"/>
+          <a:ext cx="0" cy="0"/>
+          <a:chOff x="0" y="0"/>
+          <a:chExt cx="0" cy="0"/>
+        </a:xfrm>
+      </p:grpSpPr>
+      <p:sp>
+        <p:nvSpPr>
+          <p:cNvPr id="2" name="Title 1">
+            <a:extLst>
+              <a:ext uri="{FF2B5EF4-FFF2-40B4-BE49-F238E27FC236}">
+                <a16:creationId xmlns:a16="http://schemas.microsoft.com/office/drawing/2014/main" id="{D29E61DE-B2D7-4E8E-A006-A5FD7F6A651B}"/>
+              </a:ext>
+            </a:extLst>
+          </p:cNvPr>
+          <p:cNvSpPr>
+            <a:spLocks noGrp="1"/>
+          </p:cNvSpPr>
+          <p:nvPr>
+            <p:ph type="title"/>
+          </p:nvPr>
+        </p:nvSpPr>
+        <p:spPr/>
+        <p:txBody>
+          <a:bodyPr/>
+          <a:lstStyle/>
+          <a:p>
+            <a:r>
+              <a:rPr lang="de-DE" dirty="0"/>
+              <a:t>Ergebnisse: F-Maß steigt mit </a:t>
+            </a:r>
+            <a:r>
+              <a:rPr lang="de-DE" dirty="0" err="1"/>
+              <a:t>Horizobnt</a:t>
+            </a:r>
+            <a:endParaRPr lang="en-US" dirty="0"/>
+          </a:p>
+        </p:txBody>
+      </p:sp>
+      <p:sp>
+        <p:nvSpPr>
+          <p:cNvPr id="3" name="Content Placeholder 2">
+            <a:extLst>
+              <a:ext uri="{FF2B5EF4-FFF2-40B4-BE49-F238E27FC236}">
+                <a16:creationId xmlns:a16="http://schemas.microsoft.com/office/drawing/2014/main" id="{02854FD7-D6FD-4EFE-A000-65E8376AA093}"/>
+              </a:ext>
+            </a:extLst>
+          </p:cNvPr>
+          <p:cNvSpPr>
+            <a:spLocks noGrp="1"/>
+          </p:cNvSpPr>
+          <p:nvPr>
+            <p:ph idx="1"/>
+          </p:nvPr>
+        </p:nvSpPr>
+        <p:spPr/>
+        <p:txBody>
+          <a:bodyPr>
+            <a:normAutofit/>
+          </a:bodyPr>
+          <a:lstStyle/>
+          <a:p>
+            <a:r>
+              <a:rPr lang="de-DE" sz="1800" dirty="0"/>
+              <a:t>Siehe: </a:t>
+            </a:r>
+          </a:p>
+          <a:p>
+            <a:endParaRPr lang="de-DE" sz="1800" dirty="0"/>
+          </a:p>
+          <a:p>
+            <a:endParaRPr lang="de-DE" sz="1800" dirty="0"/>
+          </a:p>
+          <a:p>
+            <a:r>
+              <a:rPr lang="de-DE" sz="1800" dirty="0"/>
+              <a:t>Zu beobachten: Bei steigendem Horizont werden Datensets zunehmend mehr </a:t>
+            </a:r>
+            <a:r>
+              <a:rPr lang="de-DE" sz="1800" dirty="0" err="1"/>
+              <a:t>unbalanced</a:t>
+            </a:r>
+            <a:endParaRPr lang="de-DE" sz="1800" dirty="0"/>
+          </a:p>
+          <a:p>
+            <a:r>
+              <a:rPr lang="de-DE" sz="1800" dirty="0"/>
+              <a:t>Aber das ist nicht ausschlaggebend, siehe: AAPL 65d viel mehr </a:t>
+            </a:r>
+            <a:r>
+              <a:rPr lang="de-DE" sz="1800" dirty="0" err="1"/>
+              <a:t>unbalanced</a:t>
+            </a:r>
+            <a:r>
+              <a:rPr lang="de-DE" sz="1800" dirty="0"/>
+              <a:t> (370 neg., 900 pos.) als bei 250d (480 neg., 790 pos.), dennoch haben bei 250d deutlich bessere Performance (RF: von 0,759 auf 0,824, </a:t>
+            </a:r>
+            <a:r>
+              <a:rPr lang="de-DE" sz="1800" dirty="0" err="1"/>
+              <a:t>TunedDT</a:t>
+            </a:r>
+            <a:r>
+              <a:rPr lang="de-DE" sz="1800" dirty="0"/>
+              <a:t>: von 0,694 auf 0,901)</a:t>
+            </a:r>
+          </a:p>
+          <a:p>
+            <a:pPr>
+              <a:buFont typeface="Wingdings" panose="05000000000000000000" pitchFamily="2" charset="2"/>
+              <a:buChar char="à"/>
+            </a:pPr>
+            <a:r>
+              <a:rPr lang="de-DE" sz="1800" dirty="0">
+                <a:sym typeface="Wingdings" panose="05000000000000000000" pitchFamily="2" charset="2"/>
+              </a:rPr>
+              <a:t>Im Gegensatz dazu erzielt der Dummy bei </a:t>
+            </a:r>
+            <a:r>
+              <a:rPr lang="de-DE" sz="1800" dirty="0" err="1">
+                <a:sym typeface="Wingdings" panose="05000000000000000000" pitchFamily="2" charset="2"/>
+              </a:rPr>
+              <a:t>unbalnced</a:t>
+            </a:r>
+            <a:r>
+              <a:rPr lang="de-DE" sz="1800" dirty="0">
+                <a:sym typeface="Wingdings" panose="05000000000000000000" pitchFamily="2" charset="2"/>
+              </a:rPr>
+              <a:t> 65d besseres Ergebnis (0,759) als auf balancierterem 250d (0,703)</a:t>
+            </a:r>
+          </a:p>
+          <a:p>
+            <a:pPr>
+              <a:buFont typeface="Wingdings" panose="05000000000000000000" pitchFamily="2" charset="2"/>
+              <a:buChar char="à"/>
+            </a:pPr>
+            <a:r>
+              <a:rPr lang="de-DE" sz="1800" dirty="0">
+                <a:sym typeface="Wingdings" panose="05000000000000000000" pitchFamily="2" charset="2"/>
+              </a:rPr>
+              <a:t>Die baum-basierten Klassifikatoren können, im Gegensatz zum Dummy </a:t>
+            </a:r>
+            <a:r>
+              <a:rPr lang="de-DE" sz="1800" dirty="0" err="1">
+                <a:sym typeface="Wingdings" panose="05000000000000000000" pitchFamily="2" charset="2"/>
+              </a:rPr>
+              <a:t>Classifier</a:t>
+            </a:r>
+            <a:r>
+              <a:rPr lang="de-DE" sz="1800" dirty="0">
+                <a:sym typeface="Wingdings" panose="05000000000000000000" pitchFamily="2" charset="2"/>
+              </a:rPr>
+              <a:t>, für langfristige Vorhersagen Muster erkennen, um ihre Genauigkeit (F-Maß) zu erhöhen.</a:t>
+            </a:r>
+            <a:endParaRPr lang="de-DE" sz="1800" dirty="0"/>
+          </a:p>
+          <a:p>
+            <a:r>
+              <a:rPr lang="de-DE" sz="1800" dirty="0"/>
+              <a:t>Vorschlag: In Zukunft mit Over-/</a:t>
+            </a:r>
+            <a:r>
+              <a:rPr lang="de-DE" sz="1800" dirty="0" err="1"/>
+              <a:t>Under</a:t>
+            </a:r>
+            <a:r>
+              <a:rPr lang="de-DE" sz="1800" dirty="0"/>
+              <a:t>-/ADASYN-Sampling versuchen, Balance der Klassen herzustellen</a:t>
+            </a:r>
+          </a:p>
+        </p:txBody>
+      </p:sp>
+      <p:sp>
+        <p:nvSpPr>
+          <p:cNvPr id="4" name="Rectangle 3">
+            <a:extLst>
+              <a:ext uri="{FF2B5EF4-FFF2-40B4-BE49-F238E27FC236}">
+                <a16:creationId xmlns:a16="http://schemas.microsoft.com/office/drawing/2014/main" id="{C3359657-376E-4BEF-8C4E-2BB0683C93B7}"/>
+              </a:ext>
+            </a:extLst>
+          </p:cNvPr>
+          <p:cNvSpPr/>
+          <p:nvPr/>
+        </p:nvSpPr>
+        <p:spPr>
+          <a:xfrm>
+            <a:off x="516141" y="6300895"/>
+            <a:ext cx="11159719" cy="390088"/>
+          </a:xfrm>
+          <a:prstGeom prst="rect">
+            <a:avLst/>
+          </a:prstGeom>
+          <a:solidFill>
+            <a:schemeClr val="accent1">
+              <a:lumMod val="50000"/>
+            </a:schemeClr>
+          </a:solidFill>
+        </p:spPr>
+        <p:style>
+          <a:lnRef idx="2">
+            <a:schemeClr val="accent1">
+              <a:shade val="50000"/>
+            </a:schemeClr>
+          </a:lnRef>
+          <a:fillRef idx="1">
+            <a:schemeClr val="accent1"/>
+          </a:fillRef>
+          <a:effectRef idx="0">
+            <a:schemeClr val="accent1"/>
+          </a:effectRef>
+          <a:fontRef idx="minor">
+            <a:schemeClr val="lt1"/>
+          </a:fontRef>
+        </p:style>
+        <p:txBody>
+          <a:bodyPr rtlCol="0" anchor="ctr"/>
+          <a:lstStyle/>
+          <a:p>
+            <a:pPr algn="ctr"/>
+            <a:r>
+              <a:rPr lang="de-DE" sz="1600" dirty="0"/>
+              <a:t>Key </a:t>
+            </a:r>
+            <a:r>
+              <a:rPr lang="de-DE" sz="1600" dirty="0" err="1"/>
+              <a:t>message</a:t>
+            </a:r>
+            <a:r>
+              <a:rPr lang="de-DE" sz="1600" dirty="0"/>
+              <a:t>.</a:t>
+            </a:r>
+            <a:endParaRPr lang="en-US" sz="1600" dirty="0"/>
+          </a:p>
+        </p:txBody>
+      </p:sp>
+      <p:pic>
+        <p:nvPicPr>
+          <p:cNvPr id="5" name="Picture 4">
+            <a:extLst>
+              <a:ext uri="{FF2B5EF4-FFF2-40B4-BE49-F238E27FC236}">
+                <a16:creationId xmlns:a16="http://schemas.microsoft.com/office/drawing/2014/main" id="{0105FA89-D459-4699-817E-3F1EBD57BB67}"/>
+              </a:ext>
+            </a:extLst>
+          </p:cNvPr>
+          <p:cNvPicPr>
+            <a:picLocks noChangeAspect="1"/>
+          </p:cNvPicPr>
+          <p:nvPr/>
+        </p:nvPicPr>
+        <p:blipFill>
+          <a:blip r:embed="rId2"/>
+          <a:stretch>
+            <a:fillRect/>
+          </a:stretch>
+        </p:blipFill>
+        <p:spPr>
+          <a:xfrm>
+            <a:off x="2190750" y="1655860"/>
+            <a:ext cx="3905250" cy="1323975"/>
+          </a:xfrm>
+          <a:prstGeom prst="rect">
+            <a:avLst/>
+          </a:prstGeom>
+        </p:spPr>
+      </p:pic>
+    </p:spTree>
+    <p:extLst>
+      <p:ext uri="{BB962C8B-B14F-4D97-AF65-F5344CB8AC3E}">
+        <p14:creationId xmlns:p14="http://schemas.microsoft.com/office/powerpoint/2010/main" val="4135384488"/>
+      </p:ext>
+    </p:extLst>
+  </p:cSld>
+  <p:clrMapOvr>
+    <a:masterClrMapping/>
+  </p:clrMapOvr>
+</p:sld>
+</file>
+
+<file path=ppt/slides/slide4.xml><?xml version="1.0" encoding="utf-8"?>
+<p:sld xmlns:a="http://schemas.openxmlformats.org/drawingml/2006/main" xmlns:r="http://schemas.openxmlformats.org/officeDocument/2006/relationships" xmlns:p="http://schemas.openxmlformats.org/presentationml/2006/main">
+  <p:cSld>
+    <p:spTree>
+      <p:nvGrpSpPr>
+        <p:cNvPr id="1" name=""/>
+        <p:cNvGrpSpPr/>
+        <p:nvPr/>
+      </p:nvGrpSpPr>
+      <p:grpSpPr>
+        <a:xfrm>
+          <a:off x="0" y="0"/>
+          <a:ext cx="0" cy="0"/>
+          <a:chOff x="0" y="0"/>
+          <a:chExt cx="0" cy="0"/>
+        </a:xfrm>
+      </p:grpSpPr>
+      <p:sp>
+        <p:nvSpPr>
+          <p:cNvPr id="2" name="Title 1">
+            <a:extLst>
+              <a:ext uri="{FF2B5EF4-FFF2-40B4-BE49-F238E27FC236}">
+                <a16:creationId xmlns:a16="http://schemas.microsoft.com/office/drawing/2014/main" id="{D29E61DE-B2D7-4E8E-A006-A5FD7F6A651B}"/>
+              </a:ext>
+            </a:extLst>
+          </p:cNvPr>
+          <p:cNvSpPr>
+            <a:spLocks noGrp="1"/>
+          </p:cNvSpPr>
+          <p:nvPr>
+            <p:ph type="title"/>
+          </p:nvPr>
+        </p:nvSpPr>
+        <p:spPr/>
+        <p:txBody>
+          <a:bodyPr/>
+          <a:lstStyle/>
+          <a:p>
+            <a:r>
+              <a:rPr lang="de-DE" dirty="0"/>
+              <a:t>Ergebnisse: RF und DT besser als Dummy</a:t>
+            </a:r>
+            <a:endParaRPr lang="en-US" dirty="0"/>
+          </a:p>
+        </p:txBody>
+      </p:sp>
+      <p:sp>
+        <p:nvSpPr>
+          <p:cNvPr id="3" name="Content Placeholder 2">
+            <a:extLst>
+              <a:ext uri="{FF2B5EF4-FFF2-40B4-BE49-F238E27FC236}">
+                <a16:creationId xmlns:a16="http://schemas.microsoft.com/office/drawing/2014/main" id="{02854FD7-D6FD-4EFE-A000-65E8376AA093}"/>
+              </a:ext>
+            </a:extLst>
+          </p:cNvPr>
+          <p:cNvSpPr>
+            <a:spLocks noGrp="1"/>
+          </p:cNvSpPr>
+          <p:nvPr>
+            <p:ph idx="1"/>
+          </p:nvPr>
+        </p:nvSpPr>
+        <p:spPr/>
+        <p:txBody>
+          <a:bodyPr>
+            <a:normAutofit/>
+          </a:bodyPr>
+          <a:lstStyle/>
+          <a:p>
+            <a:r>
+              <a:rPr lang="en-US" sz="1800" dirty="0"/>
+              <a:t>Final F-Measure </a:t>
+            </a:r>
+            <a:r>
+              <a:rPr lang="en-US" sz="1800" dirty="0" err="1"/>
+              <a:t>Evlauations</a:t>
+            </a:r>
+            <a:r>
+              <a:rPr lang="en-US" sz="1800" dirty="0"/>
+              <a:t> </a:t>
+            </a:r>
+            <a:r>
+              <a:rPr lang="en-US" sz="1800" dirty="0" err="1"/>
+              <a:t>für</a:t>
+            </a:r>
+            <a:r>
+              <a:rPr lang="en-US" sz="1800" dirty="0"/>
+              <a:t> Dummy, DT, RF, </a:t>
+            </a:r>
+            <a:r>
+              <a:rPr lang="en-US" sz="1800" dirty="0" err="1"/>
+              <a:t>TunedDT</a:t>
+            </a:r>
+            <a:r>
+              <a:rPr lang="en-US" sz="1800" dirty="0"/>
+              <a:t> und </a:t>
+            </a:r>
+            <a:r>
+              <a:rPr lang="en-US" sz="1800" dirty="0" err="1"/>
+              <a:t>TunedRF</a:t>
+            </a:r>
+            <a:r>
+              <a:rPr lang="en-US" sz="1800" dirty="0"/>
+              <a:t>: </a:t>
+            </a:r>
+            <a:r>
+              <a:rPr lang="en-US" sz="1800" dirty="0">
+                <a:hlinkClick r:id="rId2"/>
+              </a:rPr>
+              <a:t>https://notebooks.azure.com/felix-schuhbauer/projects/bsc-thesis-ml/tree/Plots/Evaluation-Plots-Adjusted?page=37</a:t>
+            </a:r>
+            <a:endParaRPr lang="en-US" sz="1800" dirty="0"/>
+          </a:p>
+          <a:p>
+            <a:endParaRPr lang="en-US" sz="1800" dirty="0"/>
+          </a:p>
+          <a:p>
+            <a:pPr marL="0" indent="0">
+              <a:buNone/>
+            </a:pPr>
+            <a:r>
+              <a:rPr lang="en-US" sz="1800" dirty="0"/>
+              <a:t>INSERT DIAGRTAM, um </a:t>
+            </a:r>
+            <a:r>
+              <a:rPr lang="en-US" sz="1800" dirty="0" err="1"/>
+              <a:t>diese</a:t>
+            </a:r>
+            <a:r>
+              <a:rPr lang="en-US" sz="1800" dirty="0"/>
+              <a:t> </a:t>
+            </a:r>
+            <a:r>
+              <a:rPr lang="en-US" sz="1800" dirty="0" err="1"/>
+              <a:t>Aussage</a:t>
+            </a:r>
+            <a:r>
+              <a:rPr lang="en-US" sz="1800" dirty="0"/>
+              <a:t> </a:t>
+            </a:r>
+            <a:r>
+              <a:rPr lang="en-US" sz="1800" dirty="0" err="1"/>
+              <a:t>zu</a:t>
+            </a:r>
+            <a:r>
+              <a:rPr lang="en-US" sz="1800" dirty="0"/>
+              <a:t> </a:t>
+            </a:r>
+            <a:r>
+              <a:rPr lang="en-US" sz="1800" dirty="0" err="1"/>
+              <a:t>untermalen</a:t>
+            </a:r>
+            <a:r>
+              <a:rPr lang="en-US" sz="1800" dirty="0"/>
+              <a:t>:</a:t>
+            </a:r>
+          </a:p>
+          <a:p>
+            <a:r>
+              <a:rPr lang="en-US" sz="1800" dirty="0"/>
+              <a:t>DT und RF </a:t>
+            </a:r>
+            <a:r>
+              <a:rPr lang="en-US" sz="1800" dirty="0" err="1"/>
+              <a:t>sind</a:t>
+            </a:r>
+            <a:r>
+              <a:rPr lang="en-US" sz="1800" dirty="0"/>
+              <a:t> </a:t>
+            </a:r>
+            <a:r>
+              <a:rPr lang="en-US" sz="1800" dirty="0" err="1"/>
+              <a:t>langfristig</a:t>
+            </a:r>
+            <a:r>
+              <a:rPr lang="en-US" sz="1800" dirty="0"/>
+              <a:t> (65d, 250d) </a:t>
+            </a:r>
+            <a:r>
+              <a:rPr lang="en-US" sz="1800" dirty="0" err="1"/>
+              <a:t>deutlich</a:t>
+            </a:r>
+            <a:r>
+              <a:rPr lang="en-US" sz="1800" dirty="0"/>
+              <a:t> </a:t>
+            </a:r>
+            <a:r>
+              <a:rPr lang="en-US" sz="1800" dirty="0" err="1"/>
+              <a:t>besser</a:t>
+            </a:r>
+            <a:r>
+              <a:rPr lang="en-US" sz="1800" dirty="0"/>
+              <a:t> </a:t>
+            </a:r>
+            <a:r>
+              <a:rPr lang="en-US" sz="1800" dirty="0" err="1"/>
+              <a:t>als</a:t>
+            </a:r>
+            <a:r>
+              <a:rPr lang="en-US" sz="1800" dirty="0"/>
+              <a:t> Dummy (TBD vs TBD), </a:t>
+            </a:r>
+            <a:r>
+              <a:rPr lang="en-US" sz="1800" dirty="0" err="1"/>
+              <a:t>kurzfristig</a:t>
+            </a:r>
+            <a:r>
+              <a:rPr lang="en-US" sz="1800" dirty="0"/>
+              <a:t> (1d – 20d) </a:t>
+            </a:r>
+            <a:r>
+              <a:rPr lang="en-US" sz="1800" dirty="0" err="1"/>
+              <a:t>jedoch</a:t>
+            </a:r>
+            <a:r>
+              <a:rPr lang="en-US" sz="1800" dirty="0"/>
+              <a:t> </a:t>
+            </a:r>
+            <a:r>
+              <a:rPr lang="en-US" sz="1800" dirty="0" err="1"/>
+              <a:t>ist</a:t>
+            </a:r>
+            <a:r>
+              <a:rPr lang="en-US" sz="1800" dirty="0"/>
+              <a:t> Dummy </a:t>
+            </a:r>
+            <a:r>
+              <a:rPr lang="en-US" sz="1800" dirty="0" err="1"/>
+              <a:t>besser</a:t>
+            </a:r>
+            <a:r>
+              <a:rPr lang="en-US" sz="1800" dirty="0"/>
+              <a:t> (TBD vs TBD)</a:t>
+            </a:r>
+          </a:p>
+          <a:p>
+            <a:r>
+              <a:rPr lang="en-US" sz="1800" dirty="0" err="1"/>
+              <a:t>Für</a:t>
+            </a:r>
+            <a:r>
+              <a:rPr lang="en-US" sz="1800" dirty="0"/>
+              <a:t> den </a:t>
+            </a:r>
+            <a:r>
+              <a:rPr lang="en-US" sz="1800" dirty="0" err="1"/>
+              <a:t>längsten</a:t>
+            </a:r>
+            <a:r>
+              <a:rPr lang="en-US" sz="1800" dirty="0"/>
+              <a:t> </a:t>
+            </a:r>
+            <a:r>
+              <a:rPr lang="en-US" sz="1800" dirty="0" err="1"/>
+              <a:t>horizont</a:t>
+            </a:r>
+            <a:r>
+              <a:rPr lang="en-US" sz="1800" dirty="0"/>
+              <a:t> 250d hat der </a:t>
+            </a:r>
+            <a:r>
+              <a:rPr lang="en-US" sz="1800" dirty="0" err="1"/>
+              <a:t>TunedRF</a:t>
+            </a:r>
+            <a:r>
+              <a:rPr lang="en-US" sz="1800" dirty="0"/>
+              <a:t> </a:t>
+            </a:r>
+            <a:r>
+              <a:rPr lang="en-US" sz="1800" dirty="0" err="1"/>
+              <a:t>über</a:t>
+            </a:r>
+            <a:r>
+              <a:rPr lang="en-US" sz="1800" dirty="0"/>
+              <a:t> </a:t>
+            </a:r>
+            <a:r>
+              <a:rPr lang="en-US" sz="1800" dirty="0" err="1"/>
+              <a:t>alle</a:t>
+            </a:r>
+            <a:r>
+              <a:rPr lang="en-US" sz="1800" dirty="0"/>
+              <a:t> </a:t>
+            </a:r>
+            <a:r>
+              <a:rPr lang="en-US" sz="1800" dirty="0" err="1"/>
+              <a:t>Datensets</a:t>
+            </a:r>
+            <a:r>
+              <a:rPr lang="en-US" sz="1800" dirty="0"/>
+              <a:t> </a:t>
+            </a:r>
+            <a:r>
+              <a:rPr lang="en-US" sz="1800" dirty="0" err="1"/>
+              <a:t>gemittelt</a:t>
+            </a:r>
+            <a:r>
+              <a:rPr lang="en-US" sz="1800" dirty="0"/>
+              <a:t> die </a:t>
+            </a:r>
+            <a:r>
+              <a:rPr lang="en-US" sz="1800" dirty="0" err="1"/>
+              <a:t>höchste</a:t>
+            </a:r>
+            <a:r>
+              <a:rPr lang="en-US" sz="1800" dirty="0"/>
+              <a:t> </a:t>
+            </a:r>
+            <a:r>
+              <a:rPr lang="en-US" sz="1800" dirty="0" err="1"/>
+              <a:t>Genaugikeit</a:t>
+            </a:r>
+            <a:r>
+              <a:rPr lang="en-US" sz="1800" dirty="0"/>
+              <a:t> (F-</a:t>
+            </a:r>
+            <a:r>
+              <a:rPr lang="en-US" sz="1800" dirty="0" err="1"/>
+              <a:t>Maß</a:t>
+            </a:r>
+            <a:r>
+              <a:rPr lang="en-US" sz="1800" dirty="0"/>
+              <a:t>) von 0,862 (vs. Dummy=0,742)</a:t>
+            </a:r>
+          </a:p>
+        </p:txBody>
+      </p:sp>
+      <p:sp>
+        <p:nvSpPr>
+          <p:cNvPr id="4" name="Rectangle 3">
+            <a:extLst>
+              <a:ext uri="{FF2B5EF4-FFF2-40B4-BE49-F238E27FC236}">
+                <a16:creationId xmlns:a16="http://schemas.microsoft.com/office/drawing/2014/main" id="{C3359657-376E-4BEF-8C4E-2BB0683C93B7}"/>
+              </a:ext>
+            </a:extLst>
+          </p:cNvPr>
+          <p:cNvSpPr/>
+          <p:nvPr/>
+        </p:nvSpPr>
+        <p:spPr>
+          <a:xfrm>
+            <a:off x="516141" y="6300895"/>
+            <a:ext cx="11159719" cy="390088"/>
+          </a:xfrm>
+          <a:prstGeom prst="rect">
+            <a:avLst/>
+          </a:prstGeom>
+          <a:solidFill>
+            <a:schemeClr val="accent1">
+              <a:lumMod val="50000"/>
+            </a:schemeClr>
+          </a:solidFill>
+        </p:spPr>
+        <p:style>
+          <a:lnRef idx="2">
+            <a:schemeClr val="accent1">
+              <a:shade val="50000"/>
+            </a:schemeClr>
+          </a:lnRef>
+          <a:fillRef idx="1">
+            <a:schemeClr val="accent1"/>
+          </a:fillRef>
+          <a:effectRef idx="0">
+            <a:schemeClr val="accent1"/>
+          </a:effectRef>
+          <a:fontRef idx="minor">
+            <a:schemeClr val="lt1"/>
+          </a:fontRef>
+        </p:style>
+        <p:txBody>
+          <a:bodyPr rtlCol="0" anchor="ctr"/>
+          <a:lstStyle/>
+          <a:p>
+            <a:pPr algn="ctr"/>
+            <a:r>
+              <a:rPr lang="de-DE" sz="1600" dirty="0"/>
+              <a:t>Key </a:t>
+            </a:r>
+            <a:r>
+              <a:rPr lang="de-DE" sz="1600" dirty="0" err="1"/>
+              <a:t>message</a:t>
+            </a:r>
+            <a:r>
+              <a:rPr lang="de-DE" sz="1600" dirty="0"/>
+              <a:t>.</a:t>
+            </a:r>
+            <a:endParaRPr lang="en-US" sz="1600" dirty="0"/>
+          </a:p>
+        </p:txBody>
+      </p:sp>
+    </p:spTree>
+    <p:extLst>
+      <p:ext uri="{BB962C8B-B14F-4D97-AF65-F5344CB8AC3E}">
+        <p14:creationId xmlns:p14="http://schemas.microsoft.com/office/powerpoint/2010/main" val="1834470398"/>
+      </p:ext>
+    </p:extLst>
+  </p:cSld>
+  <p:clrMapOvr>
+    <a:masterClrMapping/>
+  </p:clrMapOvr>
+</p:sld>
+</file>
+
+<file path=ppt/slides/slide5.xml><?xml version="1.0" encoding="utf-8"?>
+<p:sld xmlns:a="http://schemas.openxmlformats.org/drawingml/2006/main" xmlns:r="http://schemas.openxmlformats.org/officeDocument/2006/relationships" xmlns:p="http://schemas.openxmlformats.org/presentationml/2006/main">
+  <p:cSld>
+    <p:spTree>
+      <p:nvGrpSpPr>
+        <p:cNvPr id="1" name=""/>
+        <p:cNvGrpSpPr/>
+        <p:nvPr/>
+      </p:nvGrpSpPr>
+      <p:grpSpPr>
+        <a:xfrm>
+          <a:off x="0" y="0"/>
+          <a:ext cx="0" cy="0"/>
+          <a:chOff x="0" y="0"/>
+          <a:chExt cx="0" cy="0"/>
+        </a:xfrm>
+      </p:grpSpPr>
+      <p:sp>
+        <p:nvSpPr>
+          <p:cNvPr id="2" name="Title 1">
+            <a:extLst>
+              <a:ext uri="{FF2B5EF4-FFF2-40B4-BE49-F238E27FC236}">
+                <a16:creationId xmlns:a16="http://schemas.microsoft.com/office/drawing/2014/main" id="{D29E61DE-B2D7-4E8E-A006-A5FD7F6A651B}"/>
+              </a:ext>
+            </a:extLst>
+          </p:cNvPr>
+          <p:cNvSpPr>
+            <a:spLocks noGrp="1"/>
+          </p:cNvSpPr>
+          <p:nvPr>
+            <p:ph type="title"/>
+          </p:nvPr>
+        </p:nvSpPr>
+        <p:spPr/>
+        <p:txBody>
+          <a:bodyPr/>
+          <a:lstStyle/>
+          <a:p>
+            <a:r>
+              <a:rPr lang="de-DE" dirty="0"/>
+              <a:t>Ergebnisse: F-Maß in Gruppe 1 ist deutlich besser als in Gruppe 2</a:t>
+            </a:r>
+            <a:endParaRPr lang="en-US" dirty="0"/>
+          </a:p>
+        </p:txBody>
+      </p:sp>
+      <p:sp>
+        <p:nvSpPr>
+          <p:cNvPr id="3" name="Content Placeholder 2">
+            <a:extLst>
+              <a:ext uri="{FF2B5EF4-FFF2-40B4-BE49-F238E27FC236}">
+                <a16:creationId xmlns:a16="http://schemas.microsoft.com/office/drawing/2014/main" id="{02854FD7-D6FD-4EFE-A000-65E8376AA093}"/>
+              </a:ext>
+            </a:extLst>
+          </p:cNvPr>
+          <p:cNvSpPr>
+            <a:spLocks noGrp="1"/>
+          </p:cNvSpPr>
+          <p:nvPr>
+            <p:ph idx="1"/>
+          </p:nvPr>
+        </p:nvSpPr>
+        <p:spPr/>
+        <p:txBody>
+          <a:bodyPr>
+            <a:normAutofit/>
+          </a:bodyPr>
+          <a:lstStyle/>
+          <a:p>
+            <a:r>
+              <a:rPr lang="en-US" sz="1800" dirty="0"/>
+              <a:t>18 </a:t>
+            </a:r>
+            <a:r>
+              <a:rPr lang="en-US" sz="1800" dirty="0" err="1"/>
+              <a:t>Diagramme</a:t>
+            </a:r>
+            <a:r>
+              <a:rPr lang="en-US" sz="1800" dirty="0"/>
+              <a:t> von 6 </a:t>
+            </a:r>
+            <a:r>
+              <a:rPr lang="en-US" sz="1800" dirty="0" err="1"/>
+              <a:t>Clasisfier</a:t>
+            </a:r>
+            <a:r>
+              <a:rPr lang="en-US" sz="1800" dirty="0"/>
+              <a:t> in 3 </a:t>
+            </a:r>
+            <a:r>
+              <a:rPr lang="en-US" sz="1800" dirty="0" err="1"/>
+              <a:t>Grupen</a:t>
+            </a:r>
+            <a:r>
+              <a:rPr lang="en-US" sz="1800" dirty="0"/>
+              <a:t>: </a:t>
+            </a:r>
+            <a:r>
+              <a:rPr lang="en-US" sz="1800" dirty="0">
+                <a:hlinkClick r:id="rId2"/>
+              </a:rPr>
+              <a:t>https://notebooks.azure.com/felix-schuhbauer/projects/bsc-thesis-ml/tree/Plots/Evaluation-Plots?page=52</a:t>
+            </a:r>
+            <a:endParaRPr lang="en-US" sz="1800" dirty="0"/>
+          </a:p>
+          <a:p>
+            <a:r>
+              <a:rPr lang="en-US" sz="1800" dirty="0" err="1"/>
+              <a:t>Bsp</a:t>
+            </a:r>
+            <a:r>
+              <a:rPr lang="en-US" sz="1800" dirty="0"/>
+              <a:t>. RF: Man </a:t>
+            </a:r>
+            <a:r>
+              <a:rPr lang="en-US" sz="1800" dirty="0" err="1"/>
+              <a:t>sieht</a:t>
+            </a:r>
+            <a:r>
+              <a:rPr lang="en-US" sz="1800" dirty="0"/>
+              <a:t>, </a:t>
+            </a:r>
+            <a:r>
+              <a:rPr lang="en-US" sz="1800" dirty="0" err="1"/>
+              <a:t>dass</a:t>
+            </a:r>
+            <a:r>
+              <a:rPr lang="en-US" sz="1800" dirty="0"/>
+              <a:t> in Gruppe 1 </a:t>
+            </a:r>
+            <a:r>
+              <a:rPr lang="en-US" sz="1800" dirty="0" err="1"/>
+              <a:t>alle</a:t>
+            </a:r>
+            <a:r>
+              <a:rPr lang="en-US" sz="1800" dirty="0"/>
+              <a:t> F-</a:t>
+            </a:r>
+            <a:r>
+              <a:rPr lang="en-US" sz="1800" dirty="0" err="1"/>
+              <a:t>Maße</a:t>
+            </a:r>
+            <a:r>
+              <a:rPr lang="en-US" sz="1800" dirty="0"/>
+              <a:t> </a:t>
+            </a:r>
+            <a:r>
+              <a:rPr lang="en-US" sz="1800" dirty="0" err="1"/>
+              <a:t>deutlich</a:t>
+            </a:r>
+            <a:r>
+              <a:rPr lang="en-US" sz="1800" dirty="0"/>
+              <a:t> </a:t>
+            </a:r>
+            <a:r>
+              <a:rPr lang="en-US" sz="1800" dirty="0" err="1"/>
+              <a:t>höher</a:t>
+            </a:r>
+            <a:r>
+              <a:rPr lang="en-US" sz="1800" dirty="0"/>
+              <a:t> </a:t>
+            </a:r>
+            <a:r>
+              <a:rPr lang="en-US" sz="1800" dirty="0" err="1"/>
+              <a:t>sind</a:t>
+            </a:r>
+            <a:r>
+              <a:rPr lang="en-US" sz="1800" dirty="0"/>
+              <a:t> </a:t>
+            </a:r>
+            <a:r>
+              <a:rPr lang="en-US" sz="1800" dirty="0" err="1"/>
+              <a:t>als</a:t>
+            </a:r>
+            <a:r>
+              <a:rPr lang="en-US" sz="1800" dirty="0"/>
+              <a:t> in Gruppe 2</a:t>
+            </a:r>
+          </a:p>
+          <a:p>
+            <a:r>
+              <a:rPr lang="en-US" sz="1800" dirty="0" err="1"/>
+              <a:t>Bsp</a:t>
+            </a:r>
+            <a:r>
+              <a:rPr lang="en-US" sz="1800" dirty="0"/>
+              <a:t> DT: Man </a:t>
+            </a:r>
+            <a:r>
+              <a:rPr lang="en-US" sz="1800" dirty="0" err="1"/>
+              <a:t>sieht</a:t>
+            </a:r>
+            <a:r>
+              <a:rPr lang="en-US" sz="1800" dirty="0"/>
+              <a:t> ,</a:t>
+            </a:r>
+            <a:r>
+              <a:rPr lang="en-US" sz="1800" dirty="0" err="1"/>
+              <a:t>kdass</a:t>
+            </a:r>
+            <a:r>
+              <a:rPr lang="en-US" sz="1800" dirty="0"/>
+              <a:t> in </a:t>
+            </a:r>
+            <a:r>
+              <a:rPr lang="en-US" sz="1800" dirty="0" err="1"/>
+              <a:t>Guppe</a:t>
+            </a:r>
+            <a:r>
+              <a:rPr lang="en-US" sz="1800" dirty="0"/>
+              <a:t> 1 </a:t>
+            </a:r>
+            <a:r>
+              <a:rPr lang="en-US" sz="1800" dirty="0" err="1"/>
+              <a:t>alle</a:t>
+            </a:r>
+            <a:r>
+              <a:rPr lang="en-US" sz="1800" dirty="0"/>
+              <a:t> LANGFRISTIGEN </a:t>
+            </a:r>
+            <a:r>
+              <a:rPr lang="en-US" sz="1800" dirty="0" err="1"/>
+              <a:t>höher</a:t>
+            </a:r>
+            <a:r>
+              <a:rPr lang="en-US" sz="1800" dirty="0"/>
+              <a:t> </a:t>
+            </a:r>
+            <a:r>
+              <a:rPr lang="en-US" sz="1800" dirty="0" err="1"/>
+              <a:t>sind</a:t>
+            </a:r>
+            <a:r>
+              <a:rPr lang="en-US" sz="1800" dirty="0"/>
+              <a:t> </a:t>
+            </a:r>
+            <a:r>
+              <a:rPr lang="en-US" sz="1800" dirty="0" err="1"/>
+              <a:t>als</a:t>
+            </a:r>
+            <a:r>
+              <a:rPr lang="en-US" sz="1800" dirty="0"/>
+              <a:t> in Gruppe 2, KURZFRISTIGE lower</a:t>
+            </a:r>
+          </a:p>
+          <a:p>
+            <a:endParaRPr lang="en-US" sz="1800" dirty="0"/>
+          </a:p>
+        </p:txBody>
+      </p:sp>
+      <p:sp>
+        <p:nvSpPr>
+          <p:cNvPr id="4" name="Rectangle 3">
+            <a:extLst>
+              <a:ext uri="{FF2B5EF4-FFF2-40B4-BE49-F238E27FC236}">
+                <a16:creationId xmlns:a16="http://schemas.microsoft.com/office/drawing/2014/main" id="{C3359657-376E-4BEF-8C4E-2BB0683C93B7}"/>
+              </a:ext>
+            </a:extLst>
+          </p:cNvPr>
+          <p:cNvSpPr/>
+          <p:nvPr/>
+        </p:nvSpPr>
+        <p:spPr>
+          <a:xfrm>
+            <a:off x="516141" y="6300895"/>
+            <a:ext cx="11159719" cy="390088"/>
+          </a:xfrm>
+          <a:prstGeom prst="rect">
+            <a:avLst/>
+          </a:prstGeom>
+          <a:solidFill>
+            <a:schemeClr val="accent1">
+              <a:lumMod val="50000"/>
+            </a:schemeClr>
+          </a:solidFill>
+        </p:spPr>
+        <p:style>
+          <a:lnRef idx="2">
+            <a:schemeClr val="accent1">
+              <a:shade val="50000"/>
+            </a:schemeClr>
+          </a:lnRef>
+          <a:fillRef idx="1">
+            <a:schemeClr val="accent1"/>
+          </a:fillRef>
+          <a:effectRef idx="0">
+            <a:schemeClr val="accent1"/>
+          </a:effectRef>
+          <a:fontRef idx="minor">
+            <a:schemeClr val="lt1"/>
+          </a:fontRef>
+        </p:style>
+        <p:txBody>
+          <a:bodyPr rtlCol="0" anchor="ctr"/>
+          <a:lstStyle/>
+          <a:p>
+            <a:pPr algn="ctr"/>
+            <a:r>
+              <a:rPr lang="de-DE" sz="1600" dirty="0"/>
+              <a:t>Key </a:t>
+            </a:r>
+            <a:r>
+              <a:rPr lang="de-DE" sz="1600" dirty="0" err="1"/>
+              <a:t>message</a:t>
+            </a:r>
+            <a:r>
+              <a:rPr lang="de-DE" sz="1600" dirty="0"/>
+              <a:t>.</a:t>
+            </a:r>
+            <a:endParaRPr lang="en-US" sz="1600" dirty="0"/>
+          </a:p>
+        </p:txBody>
+      </p:sp>
+    </p:spTree>
+    <p:extLst>
+      <p:ext uri="{BB962C8B-B14F-4D97-AF65-F5344CB8AC3E}">
+        <p14:creationId xmlns:p14="http://schemas.microsoft.com/office/powerpoint/2010/main" val="138992117"/>
+      </p:ext>
+    </p:extLst>
+  </p:cSld>
+  <p:clrMapOvr>
+    <a:masterClrMapping/>
+  </p:clrMapOvr>
+</p:sld>
+</file>
+
+<file path=ppt/slides/slide6.xml><?xml version="1.0" encoding="utf-8"?>
+<p:sld xmlns:a="http://schemas.openxmlformats.org/drawingml/2006/main" xmlns:r="http://schemas.openxmlformats.org/officeDocument/2006/relationships" xmlns:p="http://schemas.openxmlformats.org/presentationml/2006/main">
+  <p:cSld>
+    <p:spTree>
+      <p:nvGrpSpPr>
+        <p:cNvPr id="1" name=""/>
+        <p:cNvGrpSpPr/>
+        <p:nvPr/>
+      </p:nvGrpSpPr>
+      <p:grpSpPr>
+        <a:xfrm>
+          <a:off x="0" y="0"/>
+          <a:ext cx="0" cy="0"/>
+          <a:chOff x="0" y="0"/>
+          <a:chExt cx="0" cy="0"/>
+        </a:xfrm>
+      </p:grpSpPr>
+      <p:sp>
+        <p:nvSpPr>
+          <p:cNvPr id="2" name="Title 1">
+            <a:extLst>
+              <a:ext uri="{FF2B5EF4-FFF2-40B4-BE49-F238E27FC236}">
+                <a16:creationId xmlns:a16="http://schemas.microsoft.com/office/drawing/2014/main" id="{D29E61DE-B2D7-4E8E-A006-A5FD7F6A651B}"/>
+              </a:ext>
+            </a:extLst>
+          </p:cNvPr>
+          <p:cNvSpPr>
+            <a:spLocks noGrp="1"/>
+          </p:cNvSpPr>
+          <p:nvPr>
+            <p:ph type="title"/>
+          </p:nvPr>
+        </p:nvSpPr>
+        <p:spPr/>
+        <p:txBody>
+          <a:bodyPr/>
+          <a:lstStyle/>
+          <a:p>
+            <a:r>
+              <a:rPr lang="de-DE" dirty="0"/>
+              <a:t>Ergebnisse: RF und DT lernen auch Gruppe 3 (</a:t>
+            </a:r>
+            <a:r>
+              <a:rPr lang="de-DE" dirty="0" err="1"/>
+              <a:t>downward</a:t>
+            </a:r>
+            <a:r>
+              <a:rPr lang="de-DE" dirty="0"/>
+              <a:t> Trend), im. </a:t>
+            </a:r>
+            <a:r>
+              <a:rPr lang="de-DE" dirty="0" err="1"/>
+              <a:t>Ggsatz</a:t>
+            </a:r>
+            <a:r>
+              <a:rPr lang="de-DE" dirty="0"/>
+              <a:t> zu Dummy</a:t>
+            </a:r>
+            <a:endParaRPr lang="en-US" dirty="0"/>
+          </a:p>
+        </p:txBody>
+      </p:sp>
+      <p:sp>
+        <p:nvSpPr>
+          <p:cNvPr id="3" name="Content Placeholder 2">
+            <a:extLst>
+              <a:ext uri="{FF2B5EF4-FFF2-40B4-BE49-F238E27FC236}">
+                <a16:creationId xmlns:a16="http://schemas.microsoft.com/office/drawing/2014/main" id="{02854FD7-D6FD-4EFE-A000-65E8376AA093}"/>
+              </a:ext>
+            </a:extLst>
+          </p:cNvPr>
+          <p:cNvSpPr>
+            <a:spLocks noGrp="1"/>
+          </p:cNvSpPr>
+          <p:nvPr>
+            <p:ph idx="1"/>
+          </p:nvPr>
+        </p:nvSpPr>
+        <p:spPr/>
+        <p:txBody>
+          <a:bodyPr>
+            <a:normAutofit/>
+          </a:bodyPr>
+          <a:lstStyle/>
+          <a:p>
+            <a:r>
+              <a:rPr lang="en-US" sz="1800" dirty="0"/>
+              <a:t>Final F-Measure </a:t>
+            </a:r>
+            <a:r>
+              <a:rPr lang="en-US" sz="1800" dirty="0" err="1"/>
+              <a:t>Evlauations</a:t>
+            </a:r>
+            <a:r>
+              <a:rPr lang="en-US" sz="1800" dirty="0"/>
+              <a:t> </a:t>
+            </a:r>
+            <a:r>
+              <a:rPr lang="en-US" sz="1800" dirty="0" err="1"/>
+              <a:t>für</a:t>
+            </a:r>
+            <a:r>
+              <a:rPr lang="en-US" sz="1800" dirty="0"/>
+              <a:t> Dummy, DT, RF, </a:t>
+            </a:r>
+            <a:r>
+              <a:rPr lang="en-US" sz="1800" dirty="0" err="1"/>
+              <a:t>TunedDT</a:t>
+            </a:r>
+            <a:r>
+              <a:rPr lang="en-US" sz="1800" dirty="0"/>
+              <a:t> und </a:t>
+            </a:r>
+            <a:r>
+              <a:rPr lang="en-US" sz="1800" dirty="0" err="1"/>
+              <a:t>TunedRF</a:t>
+            </a:r>
+            <a:r>
+              <a:rPr lang="en-US" sz="1800" dirty="0"/>
+              <a:t>: </a:t>
+            </a:r>
+            <a:r>
+              <a:rPr lang="en-US" sz="1800" dirty="0">
+                <a:hlinkClick r:id="rId2"/>
+              </a:rPr>
+              <a:t>https://notebooks.azure.com/felix-schuhbauer/projects/bsc-thesis-ml/tree/Plots/Evaluation-Plots-Adjusted?page=37</a:t>
+            </a:r>
+            <a:endParaRPr lang="en-US" sz="1800" dirty="0"/>
+          </a:p>
+          <a:p>
+            <a:endParaRPr lang="en-US" sz="1800" dirty="0"/>
+          </a:p>
+          <a:p>
+            <a:pPr marL="0" indent="0">
+              <a:buNone/>
+            </a:pPr>
+            <a:r>
+              <a:rPr lang="en-US" sz="1800" dirty="0"/>
+              <a:t>Es </a:t>
+            </a:r>
+            <a:r>
+              <a:rPr lang="en-US" sz="1800" dirty="0" err="1"/>
+              <a:t>lässt</a:t>
+            </a:r>
+            <a:r>
+              <a:rPr lang="en-US" sz="1800" dirty="0"/>
+              <a:t> </a:t>
+            </a:r>
+            <a:r>
+              <a:rPr lang="en-US" sz="1800" dirty="0" err="1"/>
+              <a:t>sich</a:t>
+            </a:r>
+            <a:r>
+              <a:rPr lang="en-US" sz="1800" dirty="0"/>
+              <a:t> </a:t>
+            </a:r>
+            <a:r>
+              <a:rPr lang="en-US" sz="1800" dirty="0" err="1"/>
+              <a:t>feststellen</a:t>
+            </a:r>
+            <a:r>
+              <a:rPr lang="en-US" sz="1800" dirty="0"/>
+              <a:t>, </a:t>
+            </a:r>
+            <a:r>
+              <a:rPr lang="en-US" sz="1800" dirty="0" err="1"/>
+              <a:t>dass</a:t>
+            </a:r>
+            <a:r>
+              <a:rPr lang="en-US" sz="1800" dirty="0"/>
+              <a:t> RF und DT </a:t>
+            </a:r>
+            <a:r>
+              <a:rPr lang="en-US" sz="1800" dirty="0" err="1"/>
+              <a:t>auch</a:t>
+            </a:r>
+            <a:r>
+              <a:rPr lang="en-US" sz="1800" dirty="0"/>
+              <a:t> Gruppe 3 </a:t>
+            </a:r>
+            <a:r>
+              <a:rPr lang="en-US" sz="1800" dirty="0" err="1"/>
+              <a:t>lernen</a:t>
+            </a:r>
+            <a:r>
+              <a:rPr lang="en-US" sz="1800" dirty="0"/>
+              <a:t> </a:t>
+            </a:r>
+            <a:r>
+              <a:rPr lang="en-US" sz="1800" dirty="0" err="1"/>
+              <a:t>können</a:t>
+            </a:r>
+            <a:r>
+              <a:rPr lang="en-US" sz="1800" dirty="0"/>
+              <a:t> (downward Trend), </a:t>
+            </a:r>
+            <a:r>
+              <a:rPr lang="en-US" sz="1800" dirty="0" err="1"/>
+              <a:t>im</a:t>
+            </a:r>
+            <a:r>
+              <a:rPr lang="en-US" sz="1800" dirty="0"/>
+              <a:t> </a:t>
+            </a:r>
+            <a:r>
+              <a:rPr lang="en-US" sz="1800" dirty="0" err="1"/>
+              <a:t>Ggsatz</a:t>
+            </a:r>
+            <a:r>
+              <a:rPr lang="en-US" sz="1800" dirty="0"/>
+              <a:t> </a:t>
+            </a:r>
+            <a:r>
+              <a:rPr lang="en-US" sz="1800" dirty="0" err="1"/>
+              <a:t>zu</a:t>
+            </a:r>
+            <a:r>
+              <a:rPr lang="en-US" sz="1800" dirty="0"/>
+              <a:t> Dummy</a:t>
+            </a:r>
+          </a:p>
+          <a:p>
+            <a:pPr marL="0" indent="0">
+              <a:buNone/>
+            </a:pPr>
+            <a:r>
+              <a:rPr lang="en-US" sz="1800" dirty="0">
+                <a:sym typeface="Wingdings" panose="05000000000000000000" pitchFamily="2" charset="2"/>
+              </a:rPr>
+              <a:t> DT und RF </a:t>
+            </a:r>
+            <a:r>
+              <a:rPr lang="en-US" sz="1800" dirty="0" err="1">
+                <a:sym typeface="Wingdings" panose="05000000000000000000" pitchFamily="2" charset="2"/>
+              </a:rPr>
+              <a:t>sinnvoll</a:t>
+            </a:r>
+            <a:r>
+              <a:rPr lang="en-US" sz="1800" dirty="0">
+                <a:sym typeface="Wingdings" panose="05000000000000000000" pitchFamily="2" charset="2"/>
+              </a:rPr>
+              <a:t> </a:t>
+            </a:r>
+            <a:r>
+              <a:rPr lang="en-US" sz="1800" dirty="0" err="1">
+                <a:sym typeface="Wingdings" panose="05000000000000000000" pitchFamily="2" charset="2"/>
+              </a:rPr>
+              <a:t>einsetzbar</a:t>
+            </a:r>
+            <a:r>
+              <a:rPr lang="en-US" sz="1800" dirty="0">
+                <a:sym typeface="Wingdings" panose="05000000000000000000" pitchFamily="2" charset="2"/>
+              </a:rPr>
+              <a:t> </a:t>
+            </a:r>
+            <a:r>
+              <a:rPr lang="en-US" sz="1800" dirty="0" err="1">
+                <a:sym typeface="Wingdings" panose="05000000000000000000" pitchFamily="2" charset="2"/>
+              </a:rPr>
+              <a:t>zur</a:t>
+            </a:r>
+            <a:r>
+              <a:rPr lang="en-US" sz="1800" dirty="0">
+                <a:sym typeface="Wingdings" panose="05000000000000000000" pitchFamily="2" charset="2"/>
+              </a:rPr>
+              <a:t> </a:t>
+            </a:r>
+            <a:r>
+              <a:rPr lang="en-US" sz="1800" dirty="0" err="1">
+                <a:sym typeface="Wingdings" panose="05000000000000000000" pitchFamily="2" charset="2"/>
+              </a:rPr>
+              <a:t>Klassifikation</a:t>
+            </a:r>
+            <a:r>
+              <a:rPr lang="en-US" sz="1800" dirty="0">
+                <a:sym typeface="Wingdings" panose="05000000000000000000" pitchFamily="2" charset="2"/>
+              </a:rPr>
+              <a:t> von </a:t>
+            </a:r>
+            <a:r>
+              <a:rPr lang="en-US" sz="1800" dirty="0" err="1">
+                <a:sym typeface="Wingdings" panose="05000000000000000000" pitchFamily="2" charset="2"/>
+              </a:rPr>
+              <a:t>Aktien</a:t>
+            </a:r>
+            <a:endParaRPr lang="en-US" sz="1800" dirty="0"/>
+          </a:p>
+        </p:txBody>
+      </p:sp>
+      <p:sp>
+        <p:nvSpPr>
+          <p:cNvPr id="4" name="Rectangle 3">
+            <a:extLst>
+              <a:ext uri="{FF2B5EF4-FFF2-40B4-BE49-F238E27FC236}">
+                <a16:creationId xmlns:a16="http://schemas.microsoft.com/office/drawing/2014/main" id="{C3359657-376E-4BEF-8C4E-2BB0683C93B7}"/>
+              </a:ext>
+            </a:extLst>
+          </p:cNvPr>
+          <p:cNvSpPr/>
+          <p:nvPr/>
+        </p:nvSpPr>
+        <p:spPr>
+          <a:xfrm>
+            <a:off x="516141" y="6300895"/>
+            <a:ext cx="11159719" cy="390088"/>
+          </a:xfrm>
+          <a:prstGeom prst="rect">
+            <a:avLst/>
+          </a:prstGeom>
+          <a:solidFill>
+            <a:schemeClr val="accent1">
+              <a:lumMod val="50000"/>
+            </a:schemeClr>
+          </a:solidFill>
+        </p:spPr>
+        <p:style>
+          <a:lnRef idx="2">
+            <a:schemeClr val="accent1">
+              <a:shade val="50000"/>
+            </a:schemeClr>
+          </a:lnRef>
+          <a:fillRef idx="1">
+            <a:schemeClr val="accent1"/>
+          </a:fillRef>
+          <a:effectRef idx="0">
+            <a:schemeClr val="accent1"/>
+          </a:effectRef>
+          <a:fontRef idx="minor">
+            <a:schemeClr val="lt1"/>
+          </a:fontRef>
+        </p:style>
+        <p:txBody>
+          <a:bodyPr rtlCol="0" anchor="ctr"/>
+          <a:lstStyle/>
+          <a:p>
+            <a:pPr algn="ctr"/>
+            <a:r>
+              <a:rPr lang="de-DE" sz="1600" dirty="0"/>
+              <a:t>Key </a:t>
+            </a:r>
+            <a:r>
+              <a:rPr lang="de-DE" sz="1600" dirty="0" err="1"/>
+              <a:t>message</a:t>
+            </a:r>
+            <a:r>
+              <a:rPr lang="de-DE" sz="1600" dirty="0"/>
+              <a:t>.</a:t>
+            </a:r>
+            <a:endParaRPr lang="en-US" sz="1600" dirty="0"/>
+          </a:p>
+        </p:txBody>
+      </p:sp>
+    </p:spTree>
+    <p:extLst>
+      <p:ext uri="{BB962C8B-B14F-4D97-AF65-F5344CB8AC3E}">
+        <p14:creationId xmlns:p14="http://schemas.microsoft.com/office/powerpoint/2010/main" val="3172422284"/>
+      </p:ext>
+    </p:extLst>
+  </p:cSld>
+  <p:clrMapOvr>
+    <a:masterClrMapping/>
+  </p:clrMapOvr>
+</p:sld>
+</file>
+
+<file path=ppt/slides/slide7.xml><?xml version="1.0" encoding="utf-8"?>
+<p:sld xmlns:a="http://schemas.openxmlformats.org/drawingml/2006/main" xmlns:r="http://schemas.openxmlformats.org/officeDocument/2006/relationships" xmlns:p="http://schemas.openxmlformats.org/presentationml/2006/main">
+  <p:cSld>
+    <p:spTree>
+      <p:nvGrpSpPr>
+        <p:cNvPr id="1" name=""/>
+        <p:cNvGrpSpPr/>
+        <p:nvPr/>
+      </p:nvGrpSpPr>
+      <p:grpSpPr>
+        <a:xfrm>
+          <a:off x="0" y="0"/>
+          <a:ext cx="0" cy="0"/>
+          <a:chOff x="0" y="0"/>
+          <a:chExt cx="0" cy="0"/>
+        </a:xfrm>
+      </p:grpSpPr>
+      <p:sp>
+        <p:nvSpPr>
+          <p:cNvPr id="2" name="Title 1">
+            <a:extLst>
+              <a:ext uri="{FF2B5EF4-FFF2-40B4-BE49-F238E27FC236}">
+                <a16:creationId xmlns:a16="http://schemas.microsoft.com/office/drawing/2014/main" id="{D29E61DE-B2D7-4E8E-A006-A5FD7F6A651B}"/>
+              </a:ext>
+            </a:extLst>
+          </p:cNvPr>
+          <p:cNvSpPr>
+            <a:spLocks noGrp="1"/>
+          </p:cNvSpPr>
+          <p:nvPr>
+            <p:ph type="title"/>
+          </p:nvPr>
+        </p:nvSpPr>
+        <p:spPr/>
+        <p:txBody>
+          <a:bodyPr/>
+          <a:lstStyle/>
+          <a:p>
+            <a:r>
+              <a:rPr lang="de-DE" dirty="0"/>
+              <a:t>Ergebnisse: Tuning wenig hilfreich</a:t>
+            </a:r>
+            <a:endParaRPr lang="en-US" dirty="0"/>
+          </a:p>
+        </p:txBody>
+      </p:sp>
+      <p:sp>
+        <p:nvSpPr>
+          <p:cNvPr id="3" name="Content Placeholder 2">
+            <a:extLst>
+              <a:ext uri="{FF2B5EF4-FFF2-40B4-BE49-F238E27FC236}">
+                <a16:creationId xmlns:a16="http://schemas.microsoft.com/office/drawing/2014/main" id="{02854FD7-D6FD-4EFE-A000-65E8376AA093}"/>
+              </a:ext>
+            </a:extLst>
+          </p:cNvPr>
+          <p:cNvSpPr>
+            <a:spLocks noGrp="1"/>
+          </p:cNvSpPr>
+          <p:nvPr>
+            <p:ph idx="1"/>
+          </p:nvPr>
+        </p:nvSpPr>
+        <p:spPr/>
+        <p:txBody>
+          <a:bodyPr>
+            <a:normAutofit/>
+          </a:bodyPr>
+          <a:lstStyle/>
+          <a:p>
+            <a:r>
+              <a:rPr lang="en-US" sz="1800" dirty="0"/>
+              <a:t>Final F-Measure </a:t>
+            </a:r>
+            <a:r>
+              <a:rPr lang="en-US" sz="1800" dirty="0" err="1"/>
+              <a:t>Evlauations</a:t>
+            </a:r>
+            <a:r>
+              <a:rPr lang="en-US" sz="1800" dirty="0"/>
+              <a:t> </a:t>
+            </a:r>
+            <a:r>
+              <a:rPr lang="en-US" sz="1800" dirty="0" err="1"/>
+              <a:t>für</a:t>
+            </a:r>
+            <a:r>
+              <a:rPr lang="en-US" sz="1800" dirty="0"/>
+              <a:t> Dummy, DT, RF, </a:t>
+            </a:r>
+            <a:r>
+              <a:rPr lang="en-US" sz="1800" dirty="0" err="1"/>
+              <a:t>TunedDT</a:t>
+            </a:r>
+            <a:r>
+              <a:rPr lang="en-US" sz="1800" dirty="0"/>
+              <a:t> und </a:t>
+            </a:r>
+            <a:r>
+              <a:rPr lang="en-US" sz="1800" dirty="0" err="1"/>
+              <a:t>TunedRF</a:t>
+            </a:r>
+            <a:r>
+              <a:rPr lang="en-US" sz="1800" dirty="0"/>
+              <a:t>: </a:t>
+            </a:r>
+            <a:r>
+              <a:rPr lang="en-US" sz="1800" dirty="0">
+                <a:hlinkClick r:id="rId2"/>
+              </a:rPr>
+              <a:t>https://notebooks.azure.com/felix-schuhbauer/projects/bsc-thesis-ml/tree/Plots/Evaluation-Plots-Adjusted?page=37</a:t>
+            </a:r>
+            <a:endParaRPr lang="en-US" sz="1800" dirty="0"/>
+          </a:p>
+          <a:p>
+            <a:r>
+              <a:rPr lang="en-US" sz="1800" dirty="0" err="1"/>
+              <a:t>Fef</a:t>
+            </a:r>
+            <a:endParaRPr lang="en-US" sz="1800" dirty="0"/>
+          </a:p>
+          <a:p>
+            <a:endParaRPr lang="de-DE" sz="1800" dirty="0"/>
+          </a:p>
+        </p:txBody>
+      </p:sp>
+      <p:sp>
+        <p:nvSpPr>
+          <p:cNvPr id="4" name="Rectangle 3">
+            <a:extLst>
+              <a:ext uri="{FF2B5EF4-FFF2-40B4-BE49-F238E27FC236}">
+                <a16:creationId xmlns:a16="http://schemas.microsoft.com/office/drawing/2014/main" id="{C3359657-376E-4BEF-8C4E-2BB0683C93B7}"/>
+              </a:ext>
+            </a:extLst>
+          </p:cNvPr>
+          <p:cNvSpPr/>
+          <p:nvPr/>
+        </p:nvSpPr>
+        <p:spPr>
+          <a:xfrm>
+            <a:off x="516141" y="6300895"/>
+            <a:ext cx="11159719" cy="390088"/>
+          </a:xfrm>
+          <a:prstGeom prst="rect">
+            <a:avLst/>
+          </a:prstGeom>
+          <a:solidFill>
+            <a:schemeClr val="accent1">
+              <a:lumMod val="50000"/>
+            </a:schemeClr>
+          </a:solidFill>
+        </p:spPr>
+        <p:style>
+          <a:lnRef idx="2">
+            <a:schemeClr val="accent1">
+              <a:shade val="50000"/>
+            </a:schemeClr>
+          </a:lnRef>
+          <a:fillRef idx="1">
+            <a:schemeClr val="accent1"/>
+          </a:fillRef>
+          <a:effectRef idx="0">
+            <a:schemeClr val="accent1"/>
+          </a:effectRef>
+          <a:fontRef idx="minor">
+            <a:schemeClr val="lt1"/>
+          </a:fontRef>
+        </p:style>
+        <p:txBody>
+          <a:bodyPr rtlCol="0" anchor="ctr"/>
+          <a:lstStyle/>
+          <a:p>
+            <a:pPr algn="ctr"/>
+            <a:r>
+              <a:rPr lang="de-DE" sz="1600" dirty="0"/>
+              <a:t>Key </a:t>
+            </a:r>
+            <a:r>
+              <a:rPr lang="de-DE" sz="1600" dirty="0" err="1"/>
+              <a:t>message</a:t>
+            </a:r>
+            <a:r>
+              <a:rPr lang="de-DE" sz="1600" dirty="0"/>
+              <a:t>.</a:t>
+            </a:r>
+            <a:endParaRPr lang="en-US" sz="1600" dirty="0"/>
+          </a:p>
+        </p:txBody>
+      </p:sp>
+    </p:spTree>
+    <p:extLst>
+      <p:ext uri="{BB962C8B-B14F-4D97-AF65-F5344CB8AC3E}">
+        <p14:creationId xmlns:p14="http://schemas.microsoft.com/office/powerpoint/2010/main" val="2829637059"/>
+      </p:ext>
+    </p:extLst>
+  </p:cSld>
+  <p:clrMapOvr>
+    <a:masterClrMapping/>
+  </p:clrMapOvr>
+</p:sld>
+</file>
+
+<file path=ppt/slides/slide8.xml><?xml version="1.0" encoding="utf-8"?>
+<p:sld xmlns:a="http://schemas.openxmlformats.org/drawingml/2006/main" xmlns:r="http://schemas.openxmlformats.org/officeDocument/2006/relationships" xmlns:p="http://schemas.openxmlformats.org/presentationml/2006/main">
+  <p:cSld>
+    <p:spTree>
+      <p:nvGrpSpPr>
+        <p:cNvPr id="1" name=""/>
+        <p:cNvGrpSpPr/>
+        <p:nvPr/>
+      </p:nvGrpSpPr>
+      <p:grpSpPr>
+        <a:xfrm>
+          <a:off x="0" y="0"/>
+          <a:ext cx="0" cy="0"/>
+          <a:chOff x="0" y="0"/>
+          <a:chExt cx="0" cy="0"/>
+        </a:xfrm>
+      </p:grpSpPr>
+      <p:sp>
+        <p:nvSpPr>
+          <p:cNvPr id="2" name="Title 1">
+            <a:extLst>
+              <a:ext uri="{FF2B5EF4-FFF2-40B4-BE49-F238E27FC236}">
+                <a16:creationId xmlns:a16="http://schemas.microsoft.com/office/drawing/2014/main" id="{D29E61DE-B2D7-4E8E-A006-A5FD7F6A651B}"/>
+              </a:ext>
+            </a:extLst>
+          </p:cNvPr>
+          <p:cNvSpPr>
+            <a:spLocks noGrp="1"/>
+          </p:cNvSpPr>
+          <p:nvPr>
+            <p:ph type="title"/>
+          </p:nvPr>
+        </p:nvSpPr>
+        <p:spPr/>
+        <p:txBody>
+          <a:bodyPr/>
+          <a:lstStyle/>
+          <a:p>
+            <a:r>
+              <a:rPr lang="de-DE" dirty="0"/>
+              <a:t>Ergebnisse: Feature </a:t>
+            </a:r>
+            <a:r>
+              <a:rPr lang="de-DE" dirty="0" err="1"/>
+              <a:t>Extraction</a:t>
+            </a:r>
+            <a:r>
+              <a:rPr lang="de-DE" dirty="0"/>
+              <a:t> hilft bisschen</a:t>
+            </a:r>
+            <a:endParaRPr lang="en-US" dirty="0"/>
+          </a:p>
+        </p:txBody>
+      </p:sp>
+      <p:sp>
+        <p:nvSpPr>
+          <p:cNvPr id="3" name="Content Placeholder 2">
+            <a:extLst>
+              <a:ext uri="{FF2B5EF4-FFF2-40B4-BE49-F238E27FC236}">
+                <a16:creationId xmlns:a16="http://schemas.microsoft.com/office/drawing/2014/main" id="{02854FD7-D6FD-4EFE-A000-65E8376AA093}"/>
+              </a:ext>
+            </a:extLst>
+          </p:cNvPr>
+          <p:cNvSpPr>
+            <a:spLocks noGrp="1"/>
+          </p:cNvSpPr>
+          <p:nvPr>
+            <p:ph idx="1"/>
+          </p:nvPr>
+        </p:nvSpPr>
+        <p:spPr/>
+        <p:txBody>
+          <a:bodyPr>
+            <a:normAutofit/>
+          </a:bodyPr>
+          <a:lstStyle/>
+          <a:p>
+            <a:r>
+              <a:rPr lang="en-US" sz="1800" dirty="0"/>
+              <a:t>Final F-Measure </a:t>
+            </a:r>
+            <a:r>
+              <a:rPr lang="en-US" sz="1800" dirty="0" err="1"/>
+              <a:t>Evlauations</a:t>
+            </a:r>
+            <a:r>
+              <a:rPr lang="en-US" sz="1800" dirty="0"/>
+              <a:t> </a:t>
+            </a:r>
+            <a:r>
+              <a:rPr lang="en-US" sz="1800" dirty="0" err="1"/>
+              <a:t>für</a:t>
+            </a:r>
+            <a:r>
+              <a:rPr lang="en-US" sz="1800" dirty="0"/>
+              <a:t> Dummy, DT, RF, </a:t>
+            </a:r>
+            <a:r>
+              <a:rPr lang="en-US" sz="1800" dirty="0" err="1"/>
+              <a:t>TunedDT</a:t>
+            </a:r>
+            <a:r>
+              <a:rPr lang="en-US" sz="1800" dirty="0"/>
+              <a:t> und </a:t>
+            </a:r>
+            <a:r>
+              <a:rPr lang="en-US" sz="1800" dirty="0" err="1"/>
+              <a:t>TunedRF</a:t>
+            </a:r>
+            <a:r>
+              <a:rPr lang="en-US" sz="1800" dirty="0"/>
+              <a:t>: </a:t>
+            </a:r>
+            <a:r>
+              <a:rPr lang="en-US" sz="1800" dirty="0">
+                <a:hlinkClick r:id="rId2"/>
+              </a:rPr>
+              <a:t>https://notebooks.azure.com/felix-schuhbauer/projects/bsc-thesis-ml/html/Plots/Evaluation-Plots/Feature-Extraction-Impact-.jpeg</a:t>
+            </a:r>
+            <a:endParaRPr lang="en-US" sz="1800" dirty="0"/>
+          </a:p>
+          <a:p>
+            <a:r>
+              <a:rPr lang="en-US" sz="1800" dirty="0"/>
+              <a:t>Dummy </a:t>
+            </a:r>
+            <a:r>
+              <a:rPr lang="en-US" sz="1800" dirty="0" err="1"/>
+              <a:t>lernt</a:t>
+            </a:r>
+            <a:r>
+              <a:rPr lang="en-US" sz="1800" dirty="0"/>
+              <a:t> </a:t>
+            </a:r>
+            <a:r>
+              <a:rPr lang="en-US" sz="1800" dirty="0" err="1"/>
+              <a:t>nicht</a:t>
+            </a:r>
+            <a:r>
+              <a:rPr lang="en-US" sz="1800" dirty="0"/>
+              <a:t> </a:t>
+            </a:r>
+            <a:r>
+              <a:rPr lang="en-US" sz="1800" dirty="0" err="1"/>
+              <a:t>mehr</a:t>
+            </a:r>
+            <a:r>
+              <a:rPr lang="en-US" sz="1800" dirty="0"/>
+              <a:t>, </a:t>
+            </a:r>
+            <a:r>
+              <a:rPr lang="en-US" sz="1800" dirty="0" err="1"/>
+              <a:t>alle</a:t>
+            </a:r>
+            <a:r>
+              <a:rPr lang="en-US" sz="1800" dirty="0"/>
+              <a:t> </a:t>
+            </a:r>
+            <a:r>
+              <a:rPr lang="en-US" sz="1800" dirty="0" err="1"/>
+              <a:t>anderen</a:t>
+            </a:r>
+            <a:r>
+              <a:rPr lang="en-US" sz="1800" dirty="0"/>
+              <a:t> </a:t>
+            </a:r>
+            <a:r>
+              <a:rPr lang="en-US" sz="1800" dirty="0" err="1"/>
+              <a:t>schon</a:t>
+            </a:r>
+            <a:r>
+              <a:rPr lang="en-US" sz="1800" dirty="0"/>
+              <a:t>.</a:t>
+            </a:r>
+          </a:p>
+          <a:p>
+            <a:r>
+              <a:rPr lang="en-US" sz="1800" dirty="0"/>
+              <a:t>Table:</a:t>
+            </a:r>
+          </a:p>
+          <a:p>
+            <a:pPr marL="0" indent="0">
+              <a:buNone/>
+            </a:pPr>
+            <a:r>
+              <a:rPr lang="en-US" sz="1050" dirty="0"/>
+              <a:t>\begin{table}[]</a:t>
+            </a:r>
+          </a:p>
+          <a:p>
+            <a:pPr marL="0" indent="0">
+              <a:buNone/>
+            </a:pPr>
+            <a:r>
+              <a:rPr lang="en-US" sz="1050" dirty="0"/>
+              <a:t>\begin{tabular}{</a:t>
+            </a:r>
+            <a:r>
+              <a:rPr lang="en-US" sz="1050" dirty="0" err="1"/>
+              <a:t>llll</a:t>
+            </a:r>
+            <a:r>
+              <a:rPr lang="en-US" sz="1050" dirty="0"/>
+              <a:t>}</a:t>
+            </a:r>
+          </a:p>
+          <a:p>
+            <a:pPr marL="0" indent="0">
+              <a:buNone/>
+            </a:pPr>
+            <a:r>
+              <a:rPr lang="en-US" sz="1050" dirty="0"/>
+              <a:t>        &amp; Normal &amp; Extracted &amp; Diff  \\</a:t>
+            </a:r>
+          </a:p>
+          <a:p>
+            <a:pPr marL="0" indent="0">
+              <a:buNone/>
+            </a:pPr>
+            <a:r>
+              <a:rPr lang="en-US" sz="1050" dirty="0"/>
+              <a:t>Dummy   &amp; 0,565  &amp; 0,565     &amp; 0,000 \\</a:t>
+            </a:r>
+          </a:p>
+          <a:p>
+            <a:pPr marL="0" indent="0">
+              <a:buNone/>
+            </a:pPr>
+            <a:r>
+              <a:rPr lang="en-US" sz="1050" dirty="0"/>
+              <a:t>DT      &amp; 0,559  &amp; 0,567     &amp; 0,007 \\</a:t>
+            </a:r>
+          </a:p>
+          <a:p>
+            <a:pPr marL="0" indent="0">
+              <a:buNone/>
+            </a:pPr>
+            <a:r>
+              <a:rPr lang="en-US" sz="1050" dirty="0"/>
+              <a:t>RF      &amp; 0,569  &amp; 0,587     &amp; 0,019 \\</a:t>
+            </a:r>
+          </a:p>
+          <a:p>
+            <a:pPr marL="0" indent="0">
+              <a:buNone/>
+            </a:pPr>
+            <a:r>
+              <a:rPr lang="en-US" sz="1050" dirty="0" err="1"/>
+              <a:t>TunedDT</a:t>
+            </a:r>
+            <a:r>
+              <a:rPr lang="en-US" sz="1050" dirty="0"/>
+              <a:t> &amp; 0,543  &amp; 0,574     &amp; 0,030 \\</a:t>
+            </a:r>
+          </a:p>
+          <a:p>
+            <a:pPr marL="0" indent="0">
+              <a:buNone/>
+            </a:pPr>
+            <a:r>
+              <a:rPr lang="en-US" sz="1050" dirty="0" err="1"/>
+              <a:t>TunedRF</a:t>
+            </a:r>
+            <a:r>
+              <a:rPr lang="en-US" sz="1050" dirty="0"/>
+              <a:t> &amp; 0,572  &amp; 0,584     &amp; 0,012</a:t>
+            </a:r>
+          </a:p>
+          <a:p>
+            <a:pPr marL="0" indent="0">
+              <a:buNone/>
+            </a:pPr>
+            <a:r>
+              <a:rPr lang="en-US" sz="1050" dirty="0"/>
+              <a:t>\end{tabular}</a:t>
+            </a:r>
+          </a:p>
+          <a:p>
+            <a:pPr marL="0" indent="0">
+              <a:buNone/>
+            </a:pPr>
+            <a:r>
+              <a:rPr lang="en-US" sz="1050" dirty="0"/>
+              <a:t>\end{table}</a:t>
+            </a:r>
+          </a:p>
+          <a:p>
+            <a:endParaRPr lang="de-DE" sz="1800" dirty="0"/>
+          </a:p>
+        </p:txBody>
+      </p:sp>
+      <p:sp>
+        <p:nvSpPr>
+          <p:cNvPr id="4" name="Rectangle 3">
+            <a:extLst>
+              <a:ext uri="{FF2B5EF4-FFF2-40B4-BE49-F238E27FC236}">
+                <a16:creationId xmlns:a16="http://schemas.microsoft.com/office/drawing/2014/main" id="{C3359657-376E-4BEF-8C4E-2BB0683C93B7}"/>
+              </a:ext>
+            </a:extLst>
+          </p:cNvPr>
+          <p:cNvSpPr/>
+          <p:nvPr/>
+        </p:nvSpPr>
+        <p:spPr>
+          <a:xfrm>
+            <a:off x="516141" y="6300895"/>
+            <a:ext cx="11159719" cy="390088"/>
+          </a:xfrm>
+          <a:prstGeom prst="rect">
+            <a:avLst/>
+          </a:prstGeom>
+          <a:solidFill>
+            <a:schemeClr val="accent1">
+              <a:lumMod val="50000"/>
+            </a:schemeClr>
+          </a:solidFill>
+        </p:spPr>
+        <p:style>
+          <a:lnRef idx="2">
+            <a:schemeClr val="accent1">
+              <a:shade val="50000"/>
+            </a:schemeClr>
+          </a:lnRef>
+          <a:fillRef idx="1">
+            <a:schemeClr val="accent1"/>
+          </a:fillRef>
+          <a:effectRef idx="0">
+            <a:schemeClr val="accent1"/>
+          </a:effectRef>
+          <a:fontRef idx="minor">
+            <a:schemeClr val="lt1"/>
+          </a:fontRef>
+        </p:style>
+        <p:txBody>
+          <a:bodyPr rtlCol="0" anchor="ctr"/>
+          <a:lstStyle/>
+          <a:p>
+            <a:pPr algn="ctr"/>
+            <a:r>
+              <a:rPr lang="de-DE" sz="1600" dirty="0"/>
+              <a:t>Key </a:t>
+            </a:r>
+            <a:r>
+              <a:rPr lang="de-DE" sz="1600" dirty="0" err="1"/>
+              <a:t>message</a:t>
+            </a:r>
+            <a:r>
+              <a:rPr lang="de-DE" sz="1600" dirty="0"/>
+              <a:t>.</a:t>
+            </a:r>
+            <a:endParaRPr lang="en-US" sz="1600" dirty="0"/>
+          </a:p>
+        </p:txBody>
+      </p:sp>
+    </p:spTree>
+    <p:extLst>
+      <p:ext uri="{BB962C8B-B14F-4D97-AF65-F5344CB8AC3E}">
+        <p14:creationId xmlns:p14="http://schemas.microsoft.com/office/powerpoint/2010/main" val="2475938301"/>
+      </p:ext>
+    </p:extLst>
+  </p:cSld>
+  <p:clrMapOvr>
+    <a:masterClrMapping/>
+  </p:clrMapOvr>
+</p:sld>
+</file>
+
+<file path=ppt/slides/slide9.xml><?xml version="1.0" encoding="utf-8"?>
+<p:sld xmlns:a="http://schemas.openxmlformats.org/drawingml/2006/main" xmlns:r="http://schemas.openxmlformats.org/officeDocument/2006/relationships" xmlns:p="http://schemas.openxmlformats.org/presentationml/2006/main">
+  <p:cSld>
+    <p:spTree>
+      <p:nvGrpSpPr>
+        <p:cNvPr id="1" name=""/>
+        <p:cNvGrpSpPr/>
+        <p:nvPr/>
+      </p:nvGrpSpPr>
+      <p:grpSpPr>
+        <a:xfrm>
+          <a:off x="0" y="0"/>
+          <a:ext cx="0" cy="0"/>
+          <a:chOff x="0" y="0"/>
+          <a:chExt cx="0" cy="0"/>
+        </a:xfrm>
+      </p:grpSpPr>
+      <p:sp>
+        <p:nvSpPr>
+          <p:cNvPr id="2" name="Title 1">
+            <a:extLst>
+              <a:ext uri="{FF2B5EF4-FFF2-40B4-BE49-F238E27FC236}">
+                <a16:creationId xmlns:a16="http://schemas.microsoft.com/office/drawing/2014/main" id="{D29E61DE-B2D7-4E8E-A006-A5FD7F6A651B}"/>
+              </a:ext>
+            </a:extLst>
+          </p:cNvPr>
+          <p:cNvSpPr>
+            <a:spLocks noGrp="1"/>
+          </p:cNvSpPr>
+          <p:nvPr>
+            <p:ph type="title"/>
+          </p:nvPr>
+        </p:nvSpPr>
+        <p:spPr/>
+        <p:txBody>
+          <a:bodyPr/>
+          <a:lstStyle/>
+          <a:p>
+            <a:r>
+              <a:rPr lang="de-DE" dirty="0"/>
+              <a:t>Tuning hat geringen Einfluss auf F-Maß, teilweise auch negativ</a:t>
+            </a:r>
+            <a:endParaRPr lang="en-US" dirty="0"/>
+          </a:p>
+        </p:txBody>
+      </p:sp>
+      <p:sp>
+        <p:nvSpPr>
+          <p:cNvPr id="3" name="Content Placeholder 2">
+            <a:extLst>
+              <a:ext uri="{FF2B5EF4-FFF2-40B4-BE49-F238E27FC236}">
+                <a16:creationId xmlns:a16="http://schemas.microsoft.com/office/drawing/2014/main" id="{02854FD7-D6FD-4EFE-A000-65E8376AA093}"/>
+              </a:ext>
+            </a:extLst>
+          </p:cNvPr>
+          <p:cNvSpPr>
+            <a:spLocks noGrp="1"/>
+          </p:cNvSpPr>
+          <p:nvPr>
+            <p:ph idx="1"/>
+          </p:nvPr>
+        </p:nvSpPr>
+        <p:spPr/>
+        <p:txBody>
+          <a:bodyPr>
+            <a:normAutofit/>
+          </a:bodyPr>
+          <a:lstStyle/>
+          <a:p>
+            <a:r>
+              <a:rPr lang="en-US" sz="1800" dirty="0" err="1"/>
+              <a:t>Tuing</a:t>
+            </a:r>
+            <a:r>
+              <a:rPr lang="en-US" sz="1800" dirty="0"/>
+              <a:t> impact </a:t>
+            </a:r>
+            <a:r>
+              <a:rPr lang="en-US" sz="1800" dirty="0" err="1"/>
+              <a:t>bilder</a:t>
+            </a:r>
+            <a:r>
+              <a:rPr lang="en-US" sz="1800" dirty="0"/>
+              <a:t>: DT (</a:t>
+            </a:r>
+            <a:r>
+              <a:rPr lang="en-US" sz="1800" dirty="0">
+                <a:hlinkClick r:id="rId2"/>
+              </a:rPr>
+              <a:t>LINK</a:t>
+            </a:r>
+            <a:r>
+              <a:rPr lang="en-US" sz="1800" dirty="0"/>
+              <a:t>) und RF (</a:t>
+            </a:r>
+            <a:r>
+              <a:rPr lang="en-US" sz="1800" dirty="0">
+                <a:hlinkClick r:id="rId3"/>
+              </a:rPr>
+              <a:t>LINK</a:t>
+            </a:r>
+            <a:r>
+              <a:rPr lang="en-US" sz="1800" dirty="0"/>
+              <a:t>)</a:t>
+            </a:r>
+          </a:p>
+          <a:p>
+            <a:endParaRPr lang="de-DE" sz="1800" dirty="0"/>
+          </a:p>
+        </p:txBody>
+      </p:sp>
+      <p:sp>
+        <p:nvSpPr>
+          <p:cNvPr id="4" name="Rectangle 3">
+            <a:extLst>
+              <a:ext uri="{FF2B5EF4-FFF2-40B4-BE49-F238E27FC236}">
+                <a16:creationId xmlns:a16="http://schemas.microsoft.com/office/drawing/2014/main" id="{C3359657-376E-4BEF-8C4E-2BB0683C93B7}"/>
+              </a:ext>
+            </a:extLst>
+          </p:cNvPr>
+          <p:cNvSpPr/>
+          <p:nvPr/>
+        </p:nvSpPr>
+        <p:spPr>
+          <a:xfrm>
+            <a:off x="516141" y="6300895"/>
+            <a:ext cx="11159719" cy="390088"/>
+          </a:xfrm>
+          <a:prstGeom prst="rect">
+            <a:avLst/>
+          </a:prstGeom>
+          <a:solidFill>
+            <a:schemeClr val="accent1">
+              <a:lumMod val="50000"/>
+            </a:schemeClr>
+          </a:solidFill>
+        </p:spPr>
+        <p:style>
+          <a:lnRef idx="2">
+            <a:schemeClr val="accent1">
+              <a:shade val="50000"/>
+            </a:schemeClr>
+          </a:lnRef>
+          <a:fillRef idx="1">
+            <a:schemeClr val="accent1"/>
+          </a:fillRef>
+          <a:effectRef idx="0">
+            <a:schemeClr val="accent1"/>
+          </a:effectRef>
+          <a:fontRef idx="minor">
+            <a:schemeClr val="lt1"/>
+          </a:fontRef>
+        </p:style>
+        <p:txBody>
+          <a:bodyPr rtlCol="0" anchor="ctr"/>
+          <a:lstStyle/>
+          <a:p>
+            <a:pPr algn="ctr"/>
+            <a:r>
+              <a:rPr lang="de-DE" sz="1600" dirty="0"/>
+              <a:t>Key </a:t>
+            </a:r>
+            <a:r>
+              <a:rPr lang="de-DE" sz="1600" dirty="0" err="1"/>
+              <a:t>message</a:t>
+            </a:r>
+            <a:r>
+              <a:rPr lang="de-DE" sz="1600" dirty="0"/>
+              <a:t>.</a:t>
+            </a:r>
+            <a:endParaRPr lang="en-US" sz="1600" dirty="0"/>
+          </a:p>
+        </p:txBody>
+      </p:sp>
+      <p:sp>
+        <p:nvSpPr>
+          <p:cNvPr id="6" name="Rectangle 2">
+            <a:extLst>
+              <a:ext uri="{FF2B5EF4-FFF2-40B4-BE49-F238E27FC236}">
+                <a16:creationId xmlns:a16="http://schemas.microsoft.com/office/drawing/2014/main" id="{1293DC64-7EF6-4279-B311-F0194B304827}"/>
+              </a:ext>
+            </a:extLst>
+          </p:cNvPr>
+          <p:cNvSpPr>
+            <a:spLocks noChangeArrowheads="1"/>
+          </p:cNvSpPr>
+          <p:nvPr/>
+        </p:nvSpPr>
+        <p:spPr bwMode="auto">
+          <a:xfrm>
+            <a:off x="955646" y="4271715"/>
+            <a:ext cx="7751428" cy="1723549"/>
+          </a:xfrm>
+          <a:prstGeom prst="rect">
+            <a:avLst/>
+          </a:prstGeom>
+          <a:solidFill>
+            <a:srgbClr val="FFFFFF"/>
+          </a:solidFill>
+          <a:ln>
+            <a:noFill/>
+          </a:ln>
+          <a:effectLst/>
+          <a:extLst>
+            <a:ext uri="{91240B29-F687-4F45-9708-019B960494DF}">
+              <a14:hiddenLine xmlns:a14="http://schemas.microsoft.com/office/drawing/2010/main" w="9525">
+                <a:solidFill>
+                  <a:schemeClr val="tx1"/>
+                </a:solidFill>
+                <a:miter lim="800000"/>
+                <a:headEnd/>
+                <a:tailEnd/>
+              </a14:hiddenLine>
+            </a:ext>
+            <a:ext uri="{AF507438-7753-43E0-B8FC-AC1667EBCBE1}">
+              <a14:hiddenEffects xmlns:a14="http://schemas.microsoft.com/office/drawing/2010/main">
+                <a:effectLst>
+                  <a:outerShdw dist="35921" dir="2700000" algn="ctr" rotWithShape="0">
+                    <a:schemeClr val="bg2"/>
+                  </a:outerShdw>
+                </a:effectLst>
+              </a14:hiddenEffects>
+            </a:ext>
+          </a:extLst>
+        </p:spPr>
+        <p:txBody>
+          <a:bodyPr vert="horz" wrap="square" lIns="0" tIns="0" rIns="0" bIns="0" numCol="1" anchor="ctr" anchorCtr="0" compatLnSpc="1">
+            <a:prstTxWarp prst="textNoShape">
+              <a:avLst/>
+            </a:prstTxWarp>
+            <a:spAutoFit/>
+          </a:bodyPr>
+          <a:lstStyle/>
+          <a:p>
+            <a:pPr marL="0" marR="0" lvl="0" indent="0" algn="l" defTabSz="914400" rtl="0" eaLnBrk="0" fontAlgn="base" latinLnBrk="0" hangingPunct="0">
+              <a:lnSpc>
+                <a:spcPct val="100000"/>
+              </a:lnSpc>
+              <a:spcBef>
+                <a:spcPct val="0"/>
+              </a:spcBef>
+              <a:spcAft>
+                <a:spcPct val="0"/>
+              </a:spcAft>
+              <a:buClrTx/>
+              <a:buSzTx/>
+              <a:buFontTx/>
+              <a:buNone/>
+              <a:tabLst/>
+            </a:pPr>
+            <a:r>
+              <a:rPr kumimoji="0" lang="en-US" altLang="en-US" sz="800" b="1" i="0" u="none" strike="noStrike" cap="none" normalizeH="0" baseline="0" dirty="0" err="1">
+                <a:ln>
+                  <a:noFill/>
+                </a:ln>
+                <a:solidFill>
+                  <a:srgbClr val="000000"/>
+                </a:solidFill>
+                <a:effectLst/>
+                <a:latin typeface="Courier New" panose="02070309020205020404" pitchFamily="49" charset="0"/>
+              </a:rPr>
+              <a:t>fdiffs_dt</a:t>
+            </a:r>
+            <a:r>
+              <a:rPr kumimoji="0" lang="en-US" altLang="en-US" sz="800" b="1" i="0" u="none" strike="noStrike" cap="none" normalizeH="0" baseline="0" dirty="0">
+                <a:ln>
+                  <a:noFill/>
+                </a:ln>
+                <a:solidFill>
+                  <a:srgbClr val="000000"/>
+                </a:solidFill>
+                <a:effectLst/>
+                <a:latin typeface="Courier New" panose="02070309020205020404" pitchFamily="49" charset="0"/>
+              </a:rPr>
+              <a:t>:</a:t>
+            </a:r>
+            <a:r>
+              <a:rPr kumimoji="0" lang="en-US" altLang="en-US" sz="800" b="0" i="0" u="none" strike="noStrike" cap="none" normalizeH="0" baseline="0" dirty="0">
+                <a:ln>
+                  <a:noFill/>
+                </a:ln>
+                <a:solidFill>
+                  <a:srgbClr val="000000"/>
+                </a:solidFill>
+                <a:effectLst/>
+                <a:latin typeface="Courier New" panose="02070309020205020404" pitchFamily="49" charset="0"/>
+              </a:rPr>
+              <a:t> [[0.005739970296932295, 0.03812432117615583, 0.07057487801284446, 0.03561857691159376, -0.04426950814550423, 0.010000699349604902, -0.00657392939560808, 0.11726376995214871, 0.10556340088800681, -0.06577569963012064, 0.1062950464525268, 0.0346675789713764], [-0.045873500101688, -0.03951713646089727, -0.12421821621905715, 0.12349963445218731, -0.05018371441784908, 0.06994358324181904, 0.03161584725739963, -0.08894960534304791, -0.0349054286416115, 0.0032192561042047596, 0.040663572474604615, -0.013941629660117028], [0.06827032640521558, -0.019757297672593377, -0.04301666310399932, -0.053951437321625106, 0.02913776689786468, 0.06526806526806533, -0.09342866695815433, 0.07269904009034445, -0.035942902430740054, -0.03256181276957659, -0.08135091528877991, -0.013610740673038135], [-0.07879887555003995, 0.1428713246721967, -0.036737985104308035, 0.06623130398146193, -0.1399727428134772, 0.06306139197104088, -0.08130602286852534, 0.10860380091746275, -0.08717332133452327, 0.15303736323757838, 0.016491435540198607, 0.01035620620778821], [-0.08823768823768818, 0.07475132275132279, -0.07180713850194642, 0.27544120072571326, -0.010146710938080061, 0.10563538392456218, -0.09303091569752175, 0.0347099567099568, 0.07709103394258698, 0.13844846677893208, -0.07812385181452675, 0.02825531204018794], [0.07754683352780545, 0.021692703037263228, 0.04877827820054881, -0.047138655566910215, -0.01745128335517343, 0.0, -0.1590492840492841, 0.02599562723340232, -0.02823646128456836, -0.05816081137599327, -0.022483660130718952, -0.0008828568939311943]]</a:t>
+            </a:r>
+            <a:r>
+              <a:rPr kumimoji="0" lang="en-US" altLang="en-US" sz="600" b="0" i="0" u="none" strike="noStrike" cap="none" normalizeH="0" baseline="0" dirty="0">
+                <a:ln>
+                  <a:noFill/>
+                </a:ln>
+                <a:solidFill>
+                  <a:schemeClr val="tx1"/>
+                </a:solidFill>
+                <a:effectLst/>
+              </a:rPr>
+              <a:t> </a:t>
+            </a:r>
+            <a:endParaRPr kumimoji="0" lang="en-US" altLang="en-US" sz="1400" b="0" i="0" u="none" strike="noStrike" cap="none" normalizeH="0" baseline="0" dirty="0">
+              <a:ln>
+                <a:noFill/>
+              </a:ln>
+              <a:solidFill>
+                <a:schemeClr val="tx1"/>
+              </a:solidFill>
+              <a:effectLst/>
+              <a:latin typeface="Arial" panose="020B0604020202020204" pitchFamily="34" charset="0"/>
+            </a:endParaRPr>
+          </a:p>
+        </p:txBody>
+      </p:sp>
+      <p:sp>
+        <p:nvSpPr>
+          <p:cNvPr id="8" name="Rectangle 4">
+            <a:extLst>
+              <a:ext uri="{FF2B5EF4-FFF2-40B4-BE49-F238E27FC236}">
+                <a16:creationId xmlns:a16="http://schemas.microsoft.com/office/drawing/2014/main" id="{FA0EBBFC-CE08-4356-A114-6AB7DF2F278B}"/>
+              </a:ext>
+            </a:extLst>
+          </p:cNvPr>
+          <p:cNvSpPr>
+            <a:spLocks noChangeArrowheads="1"/>
+          </p:cNvSpPr>
+          <p:nvPr/>
+        </p:nvSpPr>
+        <p:spPr bwMode="auto">
+          <a:xfrm>
+            <a:off x="989901" y="2345742"/>
+            <a:ext cx="7751428" cy="1723549"/>
+          </a:xfrm>
+          <a:prstGeom prst="rect">
+            <a:avLst/>
+          </a:prstGeom>
+          <a:solidFill>
+            <a:srgbClr val="FFFFFF"/>
+          </a:solidFill>
+          <a:ln>
+            <a:noFill/>
+          </a:ln>
+          <a:effectLst/>
+          <a:extLst>
+            <a:ext uri="{91240B29-F687-4F45-9708-019B960494DF}">
+              <a14:hiddenLine xmlns:a14="http://schemas.microsoft.com/office/drawing/2010/main" w="9525">
+                <a:solidFill>
+                  <a:schemeClr val="tx1"/>
+                </a:solidFill>
+                <a:miter lim="800000"/>
+                <a:headEnd/>
+                <a:tailEnd/>
+              </a14:hiddenLine>
+            </a:ext>
+            <a:ext uri="{AF507438-7753-43E0-B8FC-AC1667EBCBE1}">
+              <a14:hiddenEffects xmlns:a14="http://schemas.microsoft.com/office/drawing/2010/main">
+                <a:effectLst>
+                  <a:outerShdw dist="35921" dir="2700000" algn="ctr" rotWithShape="0">
+                    <a:schemeClr val="bg2"/>
+                  </a:outerShdw>
+                </a:effectLst>
+              </a14:hiddenEffects>
+            </a:ext>
+          </a:extLst>
+        </p:spPr>
+        <p:txBody>
+          <a:bodyPr vert="horz" wrap="square" lIns="0" tIns="0" rIns="0" bIns="0" numCol="1" anchor="ctr" anchorCtr="0" compatLnSpc="1">
+            <a:prstTxWarp prst="textNoShape">
+              <a:avLst/>
+            </a:prstTxWarp>
+            <a:spAutoFit/>
+          </a:bodyPr>
+          <a:lstStyle/>
+          <a:p>
+            <a:pPr marL="0" marR="0" lvl="0" indent="0" algn="l" defTabSz="914400" rtl="0" eaLnBrk="0" fontAlgn="base" latinLnBrk="0" hangingPunct="0">
+              <a:lnSpc>
+                <a:spcPct val="100000"/>
+              </a:lnSpc>
+              <a:spcBef>
+                <a:spcPct val="0"/>
+              </a:spcBef>
+              <a:spcAft>
+                <a:spcPct val="0"/>
+              </a:spcAft>
+              <a:buClrTx/>
+              <a:buSzTx/>
+              <a:buFontTx/>
+              <a:buNone/>
+              <a:tabLst/>
+            </a:pPr>
+            <a:r>
+              <a:rPr kumimoji="0" lang="en-US" altLang="en-US" sz="800" b="1" i="0" u="none" strike="noStrike" cap="none" normalizeH="0" baseline="0" dirty="0" err="1">
+                <a:ln>
+                  <a:noFill/>
+                </a:ln>
+                <a:solidFill>
+                  <a:srgbClr val="000000"/>
+                </a:solidFill>
+                <a:effectLst/>
+                <a:latin typeface="Courier New" panose="02070309020205020404" pitchFamily="49" charset="0"/>
+              </a:rPr>
+              <a:t>fdiffs_rf</a:t>
+            </a:r>
+            <a:r>
+              <a:rPr kumimoji="0" lang="en-US" altLang="en-US" sz="800" b="0" i="0" u="none" strike="noStrike" cap="none" normalizeH="0" baseline="0" dirty="0">
+                <a:ln>
+                  <a:noFill/>
+                </a:ln>
+                <a:solidFill>
+                  <a:srgbClr val="000000"/>
+                </a:solidFill>
+                <a:effectLst/>
+                <a:latin typeface="Courier New" panose="02070309020205020404" pitchFamily="49" charset="0"/>
+              </a:rPr>
+              <a:t>: [[-0.06410211909266039, 0.08475560403983523, -0.06233965784527579, -0.04744345332908573, 0.020411351424683533, 0.02921131928245918, 0.043382654541452736, 0.02060160700699587, 0.03089581304771183, 0.005412647374062163, 0.03955030660913017, 0.009619437634472261], [-0.01434713934713927, 0.02283695901977073, -0.0014006289098438263, 0.02886351865612835, -0.010781660857335007, 0.009398991729546335, 0.00807655840342103, 0.021120634662893267, -0.06334485057889316, -0.044992283645285125, 0.16943866943866948, 0.015645869841803273], [0.05721911725967754, -0.048886571948771385, -0.06534090909090906, 0.019872928700714443, -0.020299963564167856, -0.09131504060510143, 0.0622134975677629, 0.1001264060832312, -0.11225284061245211, -0.01931514178705196, 0.03645380702425227, -0.0033371337401814083], [0.04800279085993375, -0.025098430845874042, 0.012168131476180455, -0.08424468378900862, 0.07503162824071463, -0.05886129233612564, -0.05531288343558277, 0.045139854736516716, 0.029891583987602666, 0.0690119899618924, 0.051978150358371944, 0.012046267367583074], [-0.027712972781901768, -0.13431194505363298, 0.02333380820096398, 0.005210684645989727, 0.026558150177329876, 0.015244718781268207, -0.13241401522214497, -0.04852390622625624, -0.08615497931153993, -0.09973239662601985, -0.043661021109474674, -0.04707417001111458], [0.020148749154834333, -0.0007534659433393598, -0.10724908869524796, 0.03949981044622852, 0.030410526315789554, -0.029919952170591513, 0.0069701258579496495, 0.015477595259947186, 0.048533612798123515, 0.0010975145141052245, -0.012799073835863133, 0.0040585877763811284]]</a:t>
+            </a:r>
+            <a:r>
+              <a:rPr kumimoji="0" lang="en-US" altLang="en-US" sz="600" b="0" i="0" u="none" strike="noStrike" cap="none" normalizeH="0" baseline="0" dirty="0">
+                <a:ln>
+                  <a:noFill/>
+                </a:ln>
+                <a:solidFill>
+                  <a:schemeClr val="tx1"/>
+                </a:solidFill>
+                <a:effectLst/>
+              </a:rPr>
+              <a:t> </a:t>
+            </a:r>
+            <a:endParaRPr kumimoji="0" lang="en-US" altLang="en-US" sz="1400" b="0" i="0" u="none" strike="noStrike" cap="none" normalizeH="0" baseline="0" dirty="0">
+              <a:ln>
+                <a:noFill/>
+              </a:ln>
+              <a:solidFill>
+                <a:schemeClr val="tx1"/>
+              </a:solidFill>
+              <a:effectLst/>
+              <a:latin typeface="Arial" panose="020B0604020202020204" pitchFamily="34" charset="0"/>
+            </a:endParaRPr>
+          </a:p>
+        </p:txBody>
+      </p:sp>
+    </p:spTree>
+    <p:extLst>
+      <p:ext uri="{BB962C8B-B14F-4D97-AF65-F5344CB8AC3E}">
+        <p14:creationId xmlns:p14="http://schemas.microsoft.com/office/powerpoint/2010/main" val="3979859943"/>
       </p:ext>
     </p:extLst>
   </p:cSld>

--- a/Notes/Dokumentation zum Vorgehen.pptx
+++ b/Notes/Dokumentation zum Vorgehen.pptx
@@ -14,13 +14,15 @@
     <p:sldId id="262" r:id="rId8"/>
     <p:sldId id="266" r:id="rId9"/>
     <p:sldId id="269" r:id="rId10"/>
-    <p:sldId id="277" r:id="rId11"/>
-    <p:sldId id="276" r:id="rId12"/>
-    <p:sldId id="273" r:id="rId13"/>
-    <p:sldId id="275" r:id="rId14"/>
-    <p:sldId id="272" r:id="rId15"/>
-    <p:sldId id="274" r:id="rId16"/>
-    <p:sldId id="268" r:id="rId17"/>
+    <p:sldId id="278" r:id="rId11"/>
+    <p:sldId id="279" r:id="rId12"/>
+    <p:sldId id="277" r:id="rId13"/>
+    <p:sldId id="276" r:id="rId14"/>
+    <p:sldId id="273" r:id="rId15"/>
+    <p:sldId id="275" r:id="rId16"/>
+    <p:sldId id="272" r:id="rId17"/>
+    <p:sldId id="274" r:id="rId18"/>
+    <p:sldId id="268" r:id="rId19"/>
   </p:sldIdLst>
   <p:sldSz cx="12192000" cy="6858000"/>
   <p:notesSz cx="6858000" cy="9144000"/>
@@ -141,6 +143,8 @@
         <p14:section name="Tuning Impact" id="{77B93B8F-05CD-4D9C-83ED-5CAC814D618E}">
           <p14:sldIdLst>
             <p14:sldId id="269"/>
+            <p14:sldId id="278"/>
+            <p14:sldId id="279"/>
           </p14:sldIdLst>
         </p14:section>
         <p14:section name="Best Params" id="{9E855B2D-E6B9-479C-9AC8-6A581640F9A2}">
@@ -3606,7 +3610,7 @@
           <p:cNvPr id="2" name="Title 1">
             <a:extLst>
               <a:ext uri="{FF2B5EF4-FFF2-40B4-BE49-F238E27FC236}">
-                <a16:creationId xmlns:a16="http://schemas.microsoft.com/office/drawing/2014/main" id="{596AE776-D028-463F-ADE3-216DAE4A623C}"/>
+                <a16:creationId xmlns:a16="http://schemas.microsoft.com/office/drawing/2014/main" id="{5195C7F1-F49B-477C-8344-6940155484CE}"/>
               </a:ext>
             </a:extLst>
           </p:cNvPr>
@@ -3619,14 +3623,32 @@
         </p:nvSpPr>
         <p:spPr/>
         <p:txBody>
-          <a:bodyPr/>
-          <a:lstStyle/>
-          <a:p>
-            <a:r>
-              <a:rPr lang="de-DE" dirty="0"/>
-              <a:t>Evtl. Histogramm, wie oft welcher Param-Wert? </a:t>
-            </a:r>
-            <a:endParaRPr lang="en-US" dirty="0"/>
+          <a:bodyPr>
+            <a:normAutofit/>
+          </a:bodyPr>
+          <a:lstStyle/>
+          <a:p>
+            <a:r>
+              <a:rPr lang="de-DE" sz="3600" dirty="0"/>
+              <a:t>Tuning pro </a:t>
+            </a:r>
+            <a:r>
+              <a:rPr lang="de-DE" sz="3600" dirty="0" err="1"/>
+              <a:t>Grp</a:t>
+            </a:r>
+            <a:r>
+              <a:rPr lang="de-DE" sz="3600" dirty="0"/>
+              <a:t>: 10TSCV zu geringe Tuning-Mengen, </a:t>
+            </a:r>
+            <a:r>
+              <a:rPr lang="de-DE" sz="3600" dirty="0" err="1"/>
+              <a:t>instablie</a:t>
+            </a:r>
+            <a:r>
+              <a:rPr lang="de-DE" sz="3600" dirty="0"/>
+              <a:t> Ergebnisse</a:t>
+            </a:r>
+            <a:endParaRPr lang="en-US" sz="3600" dirty="0"/>
           </a:p>
         </p:txBody>
       </p:sp>
@@ -3635,7 +3657,7 @@
           <p:cNvPr id="3" name="Content Placeholder 2">
             <a:extLst>
               <a:ext uri="{FF2B5EF4-FFF2-40B4-BE49-F238E27FC236}">
-                <a16:creationId xmlns:a16="http://schemas.microsoft.com/office/drawing/2014/main" id="{D32DB8D2-3CAD-4097-91D9-37627443D356}"/>
+                <a16:creationId xmlns:a16="http://schemas.microsoft.com/office/drawing/2014/main" id="{1AE54C3C-C97E-48C0-BA17-43A8455FD4D4}"/>
               </a:ext>
             </a:extLst>
           </p:cNvPr>
@@ -3648,21 +3670,461 @@
         </p:nvSpPr>
         <p:spPr/>
         <p:txBody>
-          <a:bodyPr/>
-          <a:lstStyle/>
-          <a:p>
-            <a:r>
-              <a:rPr lang="de-DE" dirty="0"/>
-              <a:t>TBD</a:t>
-            </a:r>
-            <a:endParaRPr lang="en-US" dirty="0"/>
+          <a:bodyPr>
+            <a:normAutofit/>
+          </a:bodyPr>
+          <a:lstStyle/>
+          <a:p>
+            <a:r>
+              <a:rPr lang="de-DE" sz="2400" dirty="0">
+                <a:solidFill>
+                  <a:srgbClr val="FF0000"/>
+                </a:solidFill>
+              </a:rPr>
+              <a:t>Nochmal versuchen mit festen Tuning </a:t>
+            </a:r>
+            <a:r>
+              <a:rPr lang="de-DE" sz="2400" dirty="0" err="1">
+                <a:solidFill>
+                  <a:srgbClr val="FF0000"/>
+                </a:solidFill>
+              </a:rPr>
+              <a:t>set</a:t>
+            </a:r>
+            <a:r>
+              <a:rPr lang="de-DE" sz="2400" dirty="0">
+                <a:solidFill>
+                  <a:srgbClr val="FF0000"/>
+                </a:solidFill>
+              </a:rPr>
+              <a:t> oder weniger TSCV?</a:t>
+            </a:r>
+          </a:p>
+          <a:p>
+            <a:r>
+              <a:rPr lang="de-DE" sz="2400" dirty="0">
+                <a:solidFill>
+                  <a:srgbClr val="FF0000"/>
+                </a:solidFill>
+              </a:rPr>
+              <a:t>DT:</a:t>
+            </a:r>
+          </a:p>
+          <a:p>
+            <a:endParaRPr lang="de-DE" sz="2400" dirty="0">
+              <a:solidFill>
+                <a:srgbClr val="FF0000"/>
+              </a:solidFill>
+            </a:endParaRPr>
+          </a:p>
+          <a:p>
+            <a:endParaRPr lang="de-DE" sz="2400" dirty="0">
+              <a:solidFill>
+                <a:srgbClr val="FF0000"/>
+              </a:solidFill>
+            </a:endParaRPr>
+          </a:p>
+          <a:p>
+            <a:endParaRPr lang="de-DE" sz="2400" dirty="0">
+              <a:solidFill>
+                <a:srgbClr val="FF0000"/>
+              </a:solidFill>
+            </a:endParaRPr>
+          </a:p>
+          <a:p>
+            <a:endParaRPr lang="de-DE" sz="2400" dirty="0">
+              <a:solidFill>
+                <a:srgbClr val="FF0000"/>
+              </a:solidFill>
+            </a:endParaRPr>
+          </a:p>
+          <a:p>
+            <a:endParaRPr lang="de-DE" sz="2400" dirty="0">
+              <a:solidFill>
+                <a:srgbClr val="FF0000"/>
+              </a:solidFill>
+            </a:endParaRPr>
+          </a:p>
+          <a:p>
+            <a:r>
+              <a:rPr lang="en-US" sz="2400" dirty="0">
+                <a:solidFill>
+                  <a:srgbClr val="FF0000"/>
+                </a:solidFill>
+              </a:rPr>
+              <a:t>RF:</a:t>
+            </a:r>
+            <a:endParaRPr lang="de-DE" sz="2400" dirty="0">
+              <a:solidFill>
+                <a:srgbClr val="FF0000"/>
+              </a:solidFill>
+            </a:endParaRPr>
+          </a:p>
+        </p:txBody>
+      </p:sp>
+      <p:sp>
+        <p:nvSpPr>
+          <p:cNvPr id="4" name="Rectangle 3">
+            <a:extLst>
+              <a:ext uri="{FF2B5EF4-FFF2-40B4-BE49-F238E27FC236}">
+                <a16:creationId xmlns:a16="http://schemas.microsoft.com/office/drawing/2014/main" id="{EFB09F89-F0E1-4D20-82E4-97936EE761FF}"/>
+              </a:ext>
+            </a:extLst>
+          </p:cNvPr>
+          <p:cNvSpPr/>
+          <p:nvPr/>
+        </p:nvSpPr>
+        <p:spPr>
+          <a:xfrm>
+            <a:off x="975918" y="2531107"/>
+            <a:ext cx="2606180" cy="769441"/>
+          </a:xfrm>
+          <a:prstGeom prst="rect">
+            <a:avLst/>
+          </a:prstGeom>
+        </p:spPr>
+        <p:txBody>
+          <a:bodyPr wrap="square">
+            <a:spAutoFit/>
+          </a:bodyPr>
+          <a:lstStyle/>
+          <a:p>
+            <a:r>
+              <a:rPr lang="en-US" sz="1100" dirty="0">
+                <a:hlinkClick r:id="rId2"/>
+              </a:rPr>
+              <a:t>https://notebooks.azure.com/felix-schuhbauer/projects/bsc-thesis-ml/html/Plots/Evaluation-Plots/Group1-Tuning-Impact-TunedDT.jpeg</a:t>
+            </a:r>
+            <a:endParaRPr lang="en-US" sz="1100" dirty="0"/>
+          </a:p>
+        </p:txBody>
+      </p:sp>
+      <p:sp>
+        <p:nvSpPr>
+          <p:cNvPr id="5" name="Rectangle 4">
+            <a:extLst>
+              <a:ext uri="{FF2B5EF4-FFF2-40B4-BE49-F238E27FC236}">
+                <a16:creationId xmlns:a16="http://schemas.microsoft.com/office/drawing/2014/main" id="{9C1CD01F-9F68-4BB5-8953-E81D01668D28}"/>
+              </a:ext>
+            </a:extLst>
+          </p:cNvPr>
+          <p:cNvSpPr/>
+          <p:nvPr/>
+        </p:nvSpPr>
+        <p:spPr>
+          <a:xfrm>
+            <a:off x="4650296" y="2531106"/>
+            <a:ext cx="2606180" cy="769441"/>
+          </a:xfrm>
+          <a:prstGeom prst="rect">
+            <a:avLst/>
+          </a:prstGeom>
+        </p:spPr>
+        <p:txBody>
+          <a:bodyPr wrap="square">
+            <a:spAutoFit/>
+          </a:bodyPr>
+          <a:lstStyle/>
+          <a:p>
+            <a:r>
+              <a:rPr lang="en-US" sz="1100" dirty="0">
+                <a:hlinkClick r:id="rId2"/>
+              </a:rPr>
+              <a:t>https://notebooks.azure.com/felix-schuhbauer/projects/bsc-thesis-ml/html/Plots/Evaluation-Plots/Group2-Tuning-Impact-TunedDT.jpeg</a:t>
+            </a:r>
+            <a:endParaRPr lang="en-US" sz="1100" dirty="0"/>
+          </a:p>
+        </p:txBody>
+      </p:sp>
+      <p:sp>
+        <p:nvSpPr>
+          <p:cNvPr id="8" name="Rectangle 7">
+            <a:extLst>
+              <a:ext uri="{FF2B5EF4-FFF2-40B4-BE49-F238E27FC236}">
+                <a16:creationId xmlns:a16="http://schemas.microsoft.com/office/drawing/2014/main" id="{A30B6C80-D5E6-452A-87AC-32FCDA7E3B37}"/>
+              </a:ext>
+            </a:extLst>
+          </p:cNvPr>
+          <p:cNvSpPr/>
+          <p:nvPr/>
+        </p:nvSpPr>
+        <p:spPr>
+          <a:xfrm>
+            <a:off x="8324674" y="2531105"/>
+            <a:ext cx="2606180" cy="769441"/>
+          </a:xfrm>
+          <a:prstGeom prst="rect">
+            <a:avLst/>
+          </a:prstGeom>
+        </p:spPr>
+        <p:txBody>
+          <a:bodyPr wrap="square">
+            <a:spAutoFit/>
+          </a:bodyPr>
+          <a:lstStyle/>
+          <a:p>
+            <a:r>
+              <a:rPr lang="en-US" sz="1100" dirty="0">
+                <a:hlinkClick r:id="rId2"/>
+              </a:rPr>
+              <a:t>https://notebooks.azure.com/felix-schuhbauer/projects/bsc-thesis-ml/html/Plots/Evaluation-Plots/Group3-Tuning-Impact-TunedDT.jpeg</a:t>
+            </a:r>
+            <a:endParaRPr lang="en-US" sz="1100" dirty="0"/>
+          </a:p>
+        </p:txBody>
+      </p:sp>
+      <p:pic>
+        <p:nvPicPr>
+          <p:cNvPr id="1026" name="Picture 2">
+            <a:extLst>
+              <a:ext uri="{FF2B5EF4-FFF2-40B4-BE49-F238E27FC236}">
+                <a16:creationId xmlns:a16="http://schemas.microsoft.com/office/drawing/2014/main" id="{607D7D9B-1540-43B4-A977-01A2013205FD}"/>
+              </a:ext>
+            </a:extLst>
+          </p:cNvPr>
+          <p:cNvPicPr>
+            <a:picLocks noChangeAspect="1" noChangeArrowheads="1"/>
+          </p:cNvPicPr>
+          <p:nvPr/>
+        </p:nvPicPr>
+        <p:blipFill>
+          <a:blip r:embed="rId3">
+            <a:extLst>
+              <a:ext uri="{28A0092B-C50C-407E-A947-70E740481C1C}">
+                <a14:useLocalDpi xmlns:a14="http://schemas.microsoft.com/office/drawing/2010/main" val="0"/>
+              </a:ext>
+            </a:extLst>
+          </a:blip>
+          <a:srcRect/>
+          <a:stretch>
+            <a:fillRect/>
+          </a:stretch>
+        </p:blipFill>
+        <p:spPr bwMode="auto">
+          <a:xfrm>
+            <a:off x="736440" y="3256221"/>
+            <a:ext cx="2960092" cy="1691481"/>
+          </a:xfrm>
+          <a:prstGeom prst="rect">
+            <a:avLst/>
+          </a:prstGeom>
+          <a:noFill/>
+          <a:extLst>
+            <a:ext uri="{909E8E84-426E-40DD-AFC4-6F175D3DCCD1}">
+              <a14:hiddenFill xmlns:a14="http://schemas.microsoft.com/office/drawing/2010/main">
+                <a:solidFill>
+                  <a:srgbClr val="FFFFFF"/>
+                </a:solidFill>
+              </a14:hiddenFill>
+            </a:ext>
+          </a:extLst>
+        </p:spPr>
+      </p:pic>
+      <p:pic>
+        <p:nvPicPr>
+          <p:cNvPr id="1028" name="Picture 4">
+            <a:extLst>
+              <a:ext uri="{FF2B5EF4-FFF2-40B4-BE49-F238E27FC236}">
+                <a16:creationId xmlns:a16="http://schemas.microsoft.com/office/drawing/2014/main" id="{6BB7C493-C587-4AA8-8DB0-19D3C6549BD0}"/>
+              </a:ext>
+            </a:extLst>
+          </p:cNvPr>
+          <p:cNvPicPr>
+            <a:picLocks noChangeAspect="1" noChangeArrowheads="1"/>
+          </p:cNvPicPr>
+          <p:nvPr/>
+        </p:nvPicPr>
+        <p:blipFill rotWithShape="1">
+          <a:blip r:embed="rId4">
+            <a:extLst>
+              <a:ext uri="{28A0092B-C50C-407E-A947-70E740481C1C}">
+                <a14:useLocalDpi xmlns:a14="http://schemas.microsoft.com/office/drawing/2010/main" val="0"/>
+              </a:ext>
+            </a:extLst>
+          </a:blip>
+          <a:srcRect l="5979" t="7107" r="8387" b="6342"/>
+          <a:stretch/>
+        </p:blipFill>
+        <p:spPr bwMode="auto">
+          <a:xfrm>
+            <a:off x="4685951" y="3435484"/>
+            <a:ext cx="2534870" cy="1463999"/>
+          </a:xfrm>
+          <a:prstGeom prst="rect">
+            <a:avLst/>
+          </a:prstGeom>
+          <a:noFill/>
+          <a:extLst>
+            <a:ext uri="{909E8E84-426E-40DD-AFC4-6F175D3DCCD1}">
+              <a14:hiddenFill xmlns:a14="http://schemas.microsoft.com/office/drawing/2010/main">
+                <a:solidFill>
+                  <a:srgbClr val="FFFFFF"/>
+                </a:solidFill>
+              </a14:hiddenFill>
+            </a:ext>
+          </a:extLst>
+        </p:spPr>
+      </p:pic>
+      <p:pic>
+        <p:nvPicPr>
+          <p:cNvPr id="1030" name="Picture 6">
+            <a:extLst>
+              <a:ext uri="{FF2B5EF4-FFF2-40B4-BE49-F238E27FC236}">
+                <a16:creationId xmlns:a16="http://schemas.microsoft.com/office/drawing/2014/main" id="{09C15ACB-212D-43F3-BCB2-1C5DDC8B4D92}"/>
+              </a:ext>
+            </a:extLst>
+          </p:cNvPr>
+          <p:cNvPicPr>
+            <a:picLocks noChangeAspect="1" noChangeArrowheads="1"/>
+          </p:cNvPicPr>
+          <p:nvPr/>
+        </p:nvPicPr>
+        <p:blipFill rotWithShape="1">
+          <a:blip r:embed="rId5">
+            <a:extLst>
+              <a:ext uri="{28A0092B-C50C-407E-A947-70E740481C1C}">
+                <a14:useLocalDpi xmlns:a14="http://schemas.microsoft.com/office/drawing/2010/main" val="0"/>
+              </a:ext>
+            </a:extLst>
+          </a:blip>
+          <a:srcRect t="8275" r="9749" b="6655"/>
+          <a:stretch/>
+        </p:blipFill>
+        <p:spPr bwMode="auto">
+          <a:xfrm>
+            <a:off x="7928293" y="3435483"/>
+            <a:ext cx="2718034" cy="1463999"/>
+          </a:xfrm>
+          <a:prstGeom prst="rect">
+            <a:avLst/>
+          </a:prstGeom>
+          <a:noFill/>
+          <a:extLst>
+            <a:ext uri="{909E8E84-426E-40DD-AFC4-6F175D3DCCD1}">
+              <a14:hiddenFill xmlns:a14="http://schemas.microsoft.com/office/drawing/2010/main">
+                <a:solidFill>
+                  <a:srgbClr val="FFFFFF"/>
+                </a:solidFill>
+              </a14:hiddenFill>
+            </a:ext>
+          </a:extLst>
+        </p:spPr>
+      </p:pic>
+      <p:sp>
+        <p:nvSpPr>
+          <p:cNvPr id="12" name="Rectangle 11">
+            <a:extLst>
+              <a:ext uri="{FF2B5EF4-FFF2-40B4-BE49-F238E27FC236}">
+                <a16:creationId xmlns:a16="http://schemas.microsoft.com/office/drawing/2014/main" id="{9C90E381-9299-47F8-AFA2-40749ECC1EE1}"/>
+              </a:ext>
+            </a:extLst>
+          </p:cNvPr>
+          <p:cNvSpPr/>
+          <p:nvPr/>
+        </p:nvSpPr>
+        <p:spPr>
+          <a:xfrm>
+            <a:off x="975918" y="5407521"/>
+            <a:ext cx="2606180" cy="769441"/>
+          </a:xfrm>
+          <a:prstGeom prst="rect">
+            <a:avLst/>
+          </a:prstGeom>
+        </p:spPr>
+        <p:txBody>
+          <a:bodyPr wrap="square">
+            <a:spAutoFit/>
+          </a:bodyPr>
+          <a:lstStyle/>
+          <a:p>
+            <a:r>
+              <a:rPr lang="en-US" sz="1100" dirty="0">
+                <a:hlinkClick r:id="rId2"/>
+              </a:rPr>
+              <a:t>https://notebooks.azure.com/felix-schuhbauer/projects/bsc-thesis-ml/html/Plots/Evaluation-Plots/Group1-Tuning-Impact-TunedRF.jpeg</a:t>
+            </a:r>
+            <a:endParaRPr lang="en-US" sz="1100" dirty="0"/>
+          </a:p>
+        </p:txBody>
+      </p:sp>
+      <p:sp>
+        <p:nvSpPr>
+          <p:cNvPr id="13" name="Rectangle 12">
+            <a:extLst>
+              <a:ext uri="{FF2B5EF4-FFF2-40B4-BE49-F238E27FC236}">
+                <a16:creationId xmlns:a16="http://schemas.microsoft.com/office/drawing/2014/main" id="{1541DD91-9DB5-457C-BEB0-275E4BDFAA2C}"/>
+              </a:ext>
+            </a:extLst>
+          </p:cNvPr>
+          <p:cNvSpPr/>
+          <p:nvPr/>
+        </p:nvSpPr>
+        <p:spPr>
+          <a:xfrm>
+            <a:off x="4650296" y="5407520"/>
+            <a:ext cx="2606180" cy="769441"/>
+          </a:xfrm>
+          <a:prstGeom prst="rect">
+            <a:avLst/>
+          </a:prstGeom>
+        </p:spPr>
+        <p:txBody>
+          <a:bodyPr wrap="square">
+            <a:spAutoFit/>
+          </a:bodyPr>
+          <a:lstStyle/>
+          <a:p>
+            <a:r>
+              <a:rPr lang="en-US" sz="1100" dirty="0">
+                <a:hlinkClick r:id="rId2"/>
+              </a:rPr>
+              <a:t>https://notebooks.azure.com/felix-schuhbauer/projects/bsc-thesis-ml/html/Plots/Evaluation-Plots/Group2-Tuning-Impact-TunedRF.jpeg</a:t>
+            </a:r>
+            <a:endParaRPr lang="en-US" sz="1100" dirty="0"/>
+          </a:p>
+        </p:txBody>
+      </p:sp>
+      <p:sp>
+        <p:nvSpPr>
+          <p:cNvPr id="14" name="Rectangle 13">
+            <a:extLst>
+              <a:ext uri="{FF2B5EF4-FFF2-40B4-BE49-F238E27FC236}">
+                <a16:creationId xmlns:a16="http://schemas.microsoft.com/office/drawing/2014/main" id="{39CA1ABA-EC52-409E-AC45-AF7BA02E678D}"/>
+              </a:ext>
+            </a:extLst>
+          </p:cNvPr>
+          <p:cNvSpPr/>
+          <p:nvPr/>
+        </p:nvSpPr>
+        <p:spPr>
+          <a:xfrm>
+            <a:off x="8324674" y="5407519"/>
+            <a:ext cx="2606180" cy="769441"/>
+          </a:xfrm>
+          <a:prstGeom prst="rect">
+            <a:avLst/>
+          </a:prstGeom>
+        </p:spPr>
+        <p:txBody>
+          <a:bodyPr wrap="square">
+            <a:spAutoFit/>
+          </a:bodyPr>
+          <a:lstStyle/>
+          <a:p>
+            <a:r>
+              <a:rPr lang="en-US" sz="1100" dirty="0">
+                <a:hlinkClick r:id="rId2"/>
+              </a:rPr>
+              <a:t>https://notebooks.azure.com/felix-schuhbauer/projects/bsc-thesis-ml/html/Plots/Evaluation-Plots/Group3-Tuning-Impact-TunedRF.jpeg</a:t>
+            </a:r>
+            <a:endParaRPr lang="en-US" sz="1100" dirty="0"/>
           </a:p>
         </p:txBody>
       </p:sp>
     </p:spTree>
     <p:extLst>
       <p:ext uri="{BB962C8B-B14F-4D97-AF65-F5344CB8AC3E}">
-        <p14:creationId xmlns:p14="http://schemas.microsoft.com/office/powerpoint/2010/main" val="301356363"/>
+        <p14:creationId xmlns:p14="http://schemas.microsoft.com/office/powerpoint/2010/main" val="3333138379"/>
       </p:ext>
     </p:extLst>
   </p:cSld>
@@ -3691,6 +4153,286 @@
       </p:grpSpPr>
       <p:sp>
         <p:nvSpPr>
+          <p:cNvPr id="2" name="Title 1">
+            <a:extLst>
+              <a:ext uri="{FF2B5EF4-FFF2-40B4-BE49-F238E27FC236}">
+                <a16:creationId xmlns:a16="http://schemas.microsoft.com/office/drawing/2014/main" id="{2660A2BC-9689-48A6-A0B2-70FFF2379F43}"/>
+              </a:ext>
+            </a:extLst>
+          </p:cNvPr>
+          <p:cNvSpPr>
+            <a:spLocks noGrp="1"/>
+          </p:cNvSpPr>
+          <p:nvPr>
+            <p:ph type="title"/>
+          </p:nvPr>
+        </p:nvSpPr>
+        <p:spPr/>
+        <p:txBody>
+          <a:bodyPr>
+            <a:normAutofit/>
+          </a:bodyPr>
+          <a:lstStyle/>
+          <a:p>
+            <a:r>
+              <a:rPr lang="de-DE" sz="3200" dirty="0"/>
+              <a:t>Versuche, Tuning zu verbessern: 1/2/5TSCV Tuning besser? Normals 3fCV? Anderes „Scoring“?</a:t>
+            </a:r>
+            <a:endParaRPr lang="en-US" sz="3200" dirty="0"/>
+          </a:p>
+        </p:txBody>
+      </p:sp>
+      <p:sp>
+        <p:nvSpPr>
+          <p:cNvPr id="3" name="Content Placeholder 2">
+            <a:extLst>
+              <a:ext uri="{FF2B5EF4-FFF2-40B4-BE49-F238E27FC236}">
+                <a16:creationId xmlns:a16="http://schemas.microsoft.com/office/drawing/2014/main" id="{90FDF474-613A-45F7-AD7F-75C2A6863187}"/>
+              </a:ext>
+            </a:extLst>
+          </p:cNvPr>
+          <p:cNvSpPr>
+            <a:spLocks noGrp="1"/>
+          </p:cNvSpPr>
+          <p:nvPr>
+            <p:ph idx="1"/>
+          </p:nvPr>
+        </p:nvSpPr>
+        <p:spPr/>
+        <p:txBody>
+          <a:bodyPr>
+            <a:normAutofit/>
+          </a:bodyPr>
+          <a:lstStyle/>
+          <a:p>
+            <a:pPr marL="0" indent="0">
+              <a:buNone/>
+            </a:pPr>
+            <a:r>
+              <a:rPr lang="de-DE" sz="1800" b="1" dirty="0"/>
+              <a:t>…Tuning-Impact-5TSCV.jpeg </a:t>
+            </a:r>
+            <a:r>
+              <a:rPr lang="de-DE" sz="1800" dirty="0"/>
+              <a:t>schwankt auch so stark wie 10TSCV </a:t>
+            </a:r>
+          </a:p>
+          <a:p>
+            <a:pPr>
+              <a:buFont typeface="Wingdings" panose="05000000000000000000" pitchFamily="2" charset="2"/>
+              <a:buChar char="à"/>
+            </a:pPr>
+            <a:r>
+              <a:rPr lang="de-DE" sz="1800" dirty="0">
+                <a:sym typeface="Wingdings" panose="05000000000000000000" pitchFamily="2" charset="2"/>
+              </a:rPr>
+              <a:t>Tuning generell für diesen </a:t>
+            </a:r>
+            <a:r>
+              <a:rPr lang="de-DE" sz="1800" dirty="0" err="1">
+                <a:sym typeface="Wingdings" panose="05000000000000000000" pitchFamily="2" charset="2"/>
+              </a:rPr>
+              <a:t>Anwendugnsfall</a:t>
+            </a:r>
+            <a:r>
+              <a:rPr lang="de-DE" sz="1800" dirty="0">
+                <a:sym typeface="Wingdings" panose="05000000000000000000" pitchFamily="2" charset="2"/>
+              </a:rPr>
+              <a:t> sehr schwer</a:t>
+            </a:r>
+          </a:p>
+          <a:p>
+            <a:pPr>
+              <a:buFont typeface="Wingdings" panose="05000000000000000000" pitchFamily="2" charset="2"/>
+              <a:buChar char="à"/>
+            </a:pPr>
+            <a:r>
+              <a:rPr lang="de-DE" sz="1800" dirty="0">
+                <a:sym typeface="Wingdings" panose="05000000000000000000" pitchFamily="2" charset="2"/>
+              </a:rPr>
+              <a:t>Zu wenige Daten, daher schwankt best-</a:t>
+            </a:r>
+            <a:r>
+              <a:rPr lang="de-DE" sz="1800" dirty="0" err="1">
+                <a:sym typeface="Wingdings" panose="05000000000000000000" pitchFamily="2" charset="2"/>
+              </a:rPr>
+              <a:t>param</a:t>
+            </a:r>
+            <a:r>
+              <a:rPr lang="de-DE" sz="1800" dirty="0">
+                <a:sym typeface="Wingdings" panose="05000000000000000000" pitchFamily="2" charset="2"/>
+              </a:rPr>
+              <a:t> stark</a:t>
+            </a:r>
+          </a:p>
+          <a:p>
+            <a:pPr>
+              <a:buFont typeface="Wingdings" panose="05000000000000000000" pitchFamily="2" charset="2"/>
+              <a:buChar char="à"/>
+            </a:pPr>
+            <a:endParaRPr lang="de-DE" sz="1800" dirty="0">
+              <a:sym typeface="Wingdings" panose="05000000000000000000" pitchFamily="2" charset="2"/>
+            </a:endParaRPr>
+          </a:p>
+          <a:p>
+            <a:pPr marL="0" indent="0">
+              <a:buNone/>
+            </a:pPr>
+            <a:r>
+              <a:rPr lang="de-DE" sz="1800" b="1" dirty="0">
+                <a:sym typeface="Wingdings" panose="05000000000000000000" pitchFamily="2" charset="2"/>
+              </a:rPr>
+              <a:t>…3fCV.jpeg</a:t>
+            </a:r>
+            <a:r>
+              <a:rPr lang="de-DE" sz="1800" dirty="0">
+                <a:sym typeface="Wingdings" panose="05000000000000000000" pitchFamily="2" charset="2"/>
+              </a:rPr>
+              <a:t>: Schwank ebenfalls so stark </a:t>
+            </a:r>
+          </a:p>
+          <a:p>
+            <a:pPr marL="0" indent="0">
+              <a:buNone/>
+            </a:pPr>
+            <a:r>
+              <a:rPr lang="de-DE" sz="1800" dirty="0">
+                <a:sym typeface="Wingdings" panose="05000000000000000000" pitchFamily="2" charset="2"/>
+              </a:rPr>
+              <a:t> Ergebnis bleibt: Tuning führt auf Datensets für Anwendung zu geringen Verbesserungen, </a:t>
+            </a:r>
+            <a:r>
+              <a:rPr lang="de-DE" sz="1800">
+                <a:sym typeface="Wingdings" panose="05000000000000000000" pitchFamily="2" charset="2"/>
+              </a:rPr>
+              <a:t>teilweise schlechter.</a:t>
+            </a:r>
+            <a:endParaRPr lang="de-DE" sz="1800" dirty="0">
+              <a:sym typeface="Wingdings" panose="05000000000000000000" pitchFamily="2" charset="2"/>
+            </a:endParaRPr>
+          </a:p>
+        </p:txBody>
+      </p:sp>
+    </p:spTree>
+    <p:extLst>
+      <p:ext uri="{BB962C8B-B14F-4D97-AF65-F5344CB8AC3E}">
+        <p14:creationId xmlns:p14="http://schemas.microsoft.com/office/powerpoint/2010/main" val="945581825"/>
+      </p:ext>
+    </p:extLst>
+  </p:cSld>
+  <p:clrMapOvr>
+    <a:masterClrMapping/>
+  </p:clrMapOvr>
+</p:sld>
+</file>
+
+<file path=ppt/slides/slide12.xml><?xml version="1.0" encoding="utf-8"?>
+<p:sld xmlns:a="http://schemas.openxmlformats.org/drawingml/2006/main" xmlns:r="http://schemas.openxmlformats.org/officeDocument/2006/relationships" xmlns:p="http://schemas.openxmlformats.org/presentationml/2006/main">
+  <p:cSld>
+    <p:spTree>
+      <p:nvGrpSpPr>
+        <p:cNvPr id="1" name=""/>
+        <p:cNvGrpSpPr/>
+        <p:nvPr/>
+      </p:nvGrpSpPr>
+      <p:grpSpPr>
+        <a:xfrm>
+          <a:off x="0" y="0"/>
+          <a:ext cx="0" cy="0"/>
+          <a:chOff x="0" y="0"/>
+          <a:chExt cx="0" cy="0"/>
+        </a:xfrm>
+      </p:grpSpPr>
+      <p:sp>
+        <p:nvSpPr>
+          <p:cNvPr id="2" name="Title 1">
+            <a:extLst>
+              <a:ext uri="{FF2B5EF4-FFF2-40B4-BE49-F238E27FC236}">
+                <a16:creationId xmlns:a16="http://schemas.microsoft.com/office/drawing/2014/main" id="{596AE776-D028-463F-ADE3-216DAE4A623C}"/>
+              </a:ext>
+            </a:extLst>
+          </p:cNvPr>
+          <p:cNvSpPr>
+            <a:spLocks noGrp="1"/>
+          </p:cNvSpPr>
+          <p:nvPr>
+            <p:ph type="title"/>
+          </p:nvPr>
+        </p:nvSpPr>
+        <p:spPr/>
+        <p:txBody>
+          <a:bodyPr/>
+          <a:lstStyle/>
+          <a:p>
+            <a:r>
+              <a:rPr lang="de-DE" dirty="0"/>
+              <a:t>Evtl. Histogramm, wie oft welcher Param-Wert? </a:t>
+            </a:r>
+            <a:endParaRPr lang="en-US" dirty="0"/>
+          </a:p>
+        </p:txBody>
+      </p:sp>
+      <p:sp>
+        <p:nvSpPr>
+          <p:cNvPr id="3" name="Content Placeholder 2">
+            <a:extLst>
+              <a:ext uri="{FF2B5EF4-FFF2-40B4-BE49-F238E27FC236}">
+                <a16:creationId xmlns:a16="http://schemas.microsoft.com/office/drawing/2014/main" id="{D32DB8D2-3CAD-4097-91D9-37627443D356}"/>
+              </a:ext>
+            </a:extLst>
+          </p:cNvPr>
+          <p:cNvSpPr>
+            <a:spLocks noGrp="1"/>
+          </p:cNvSpPr>
+          <p:nvPr>
+            <p:ph idx="1"/>
+          </p:nvPr>
+        </p:nvSpPr>
+        <p:spPr/>
+        <p:txBody>
+          <a:bodyPr/>
+          <a:lstStyle/>
+          <a:p>
+            <a:r>
+              <a:rPr lang="de-DE" dirty="0"/>
+              <a:t>TBD</a:t>
+            </a:r>
+            <a:endParaRPr lang="en-US" dirty="0"/>
+          </a:p>
+        </p:txBody>
+      </p:sp>
+    </p:spTree>
+    <p:extLst>
+      <p:ext uri="{BB962C8B-B14F-4D97-AF65-F5344CB8AC3E}">
+        <p14:creationId xmlns:p14="http://schemas.microsoft.com/office/powerpoint/2010/main" val="301356363"/>
+      </p:ext>
+    </p:extLst>
+  </p:cSld>
+  <p:clrMapOvr>
+    <a:masterClrMapping/>
+  </p:clrMapOvr>
+</p:sld>
+</file>
+
+<file path=ppt/slides/slide13.xml><?xml version="1.0" encoding="utf-8"?>
+<p:sld xmlns:a="http://schemas.openxmlformats.org/drawingml/2006/main" xmlns:r="http://schemas.openxmlformats.org/officeDocument/2006/relationships" xmlns:p="http://schemas.openxmlformats.org/presentationml/2006/main">
+  <p:cSld>
+    <p:spTree>
+      <p:nvGrpSpPr>
+        <p:cNvPr id="1" name=""/>
+        <p:cNvGrpSpPr/>
+        <p:nvPr/>
+      </p:nvGrpSpPr>
+      <p:grpSpPr>
+        <a:xfrm>
+          <a:off x="0" y="0"/>
+          <a:ext cx="0" cy="0"/>
+          <a:chOff x="0" y="0"/>
+          <a:chExt cx="0" cy="0"/>
+        </a:xfrm>
+      </p:grpSpPr>
+      <p:sp>
+        <p:nvSpPr>
           <p:cNvPr id="2" name="TextBox 1">
             <a:extLst>
               <a:ext uri="{FF2B5EF4-FFF2-40B4-BE49-F238E27FC236}">
@@ -3752,7 +4494,7 @@
 </p:sld>
 </file>
 
-<file path=ppt/slides/slide12.xml><?xml version="1.0" encoding="utf-8"?>
+<file path=ppt/slides/slide14.xml><?xml version="1.0" encoding="utf-8"?>
 <p:sld xmlns:a="http://schemas.openxmlformats.org/drawingml/2006/main" xmlns:r="http://schemas.openxmlformats.org/officeDocument/2006/relationships" xmlns:p="http://schemas.openxmlformats.org/presentationml/2006/main">
   <p:cSld>
     <p:spTree>
@@ -4187,7 +4929,7 @@
 </p:sld>
 </file>
 
-<file path=ppt/slides/slide13.xml><?xml version="1.0" encoding="utf-8"?>
+<file path=ppt/slides/slide15.xml><?xml version="1.0" encoding="utf-8"?>
 <p:sld xmlns:a="http://schemas.openxmlformats.org/drawingml/2006/main" xmlns:r="http://schemas.openxmlformats.org/officeDocument/2006/relationships" xmlns:p="http://schemas.openxmlformats.org/presentationml/2006/main">
   <p:cSld>
     <p:spTree>
@@ -4847,7 +5589,7 @@
 </p:sld>
 </file>
 
-<file path=ppt/slides/slide14.xml><?xml version="1.0" encoding="utf-8"?>
+<file path=ppt/slides/slide16.xml><?xml version="1.0" encoding="utf-8"?>
 <p:sld xmlns:a="http://schemas.openxmlformats.org/drawingml/2006/main" xmlns:r="http://schemas.openxmlformats.org/officeDocument/2006/relationships" xmlns:p="http://schemas.openxmlformats.org/presentationml/2006/main">
   <p:cSld>
     <p:spTree>
@@ -5495,7 +6237,7 @@
 </p:sld>
 </file>
 
-<file path=ppt/slides/slide15.xml><?xml version="1.0" encoding="utf-8"?>
+<file path=ppt/slides/slide17.xml><?xml version="1.0" encoding="utf-8"?>
 <p:sld xmlns:a="http://schemas.openxmlformats.org/drawingml/2006/main" xmlns:r="http://schemas.openxmlformats.org/officeDocument/2006/relationships" xmlns:p="http://schemas.openxmlformats.org/presentationml/2006/main">
   <p:cSld>
     <p:spTree>
@@ -6135,7 +6877,7 @@
 </p:sld>
 </file>
 
-<file path=ppt/slides/slide16.xml><?xml version="1.0" encoding="utf-8"?>
+<file path=ppt/slides/slide18.xml><?xml version="1.0" encoding="utf-8"?>
 <p:sld xmlns:a="http://schemas.openxmlformats.org/drawingml/2006/main" xmlns:r="http://schemas.openxmlformats.org/officeDocument/2006/relationships" xmlns:p="http://schemas.openxmlformats.org/presentationml/2006/main">
   <p:cSld>
     <p:spTree>
@@ -8783,7 +9525,7 @@
         </p:nvSpPr>
         <p:spPr bwMode="auto">
           <a:xfrm>
-            <a:off x="955646" y="4271715"/>
+            <a:off x="897622" y="2261037"/>
             <a:ext cx="7751428" cy="1723549"/>
           </a:xfrm>
           <a:prstGeom prst="rect">
@@ -8923,7 +9665,7 @@
         </p:nvSpPr>
         <p:spPr bwMode="auto">
           <a:xfrm>
-            <a:off x="989901" y="2345742"/>
+            <a:off x="897622" y="4241654"/>
             <a:ext cx="7751428" cy="1723549"/>
           </a:xfrm>
           <a:prstGeom prst="rect">
